--- a/presentation/Presentation.pptx
+++ b/presentation/Presentation.pptx
@@ -10,28 +10,26 @@
     <p:sldId id="259" r:id="rId4"/>
     <p:sldId id="261" r:id="rId5"/>
     <p:sldId id="260" r:id="rId6"/>
-    <p:sldId id="257" r:id="rId7"/>
-    <p:sldId id="263" r:id="rId8"/>
-    <p:sldId id="264" r:id="rId9"/>
-    <p:sldId id="262" r:id="rId10"/>
-    <p:sldId id="265" r:id="rId11"/>
-    <p:sldId id="266" r:id="rId12"/>
-    <p:sldId id="267" r:id="rId13"/>
-    <p:sldId id="268" r:id="rId14"/>
-    <p:sldId id="269" r:id="rId15"/>
-    <p:sldId id="270" r:id="rId16"/>
-    <p:sldId id="271" r:id="rId17"/>
-    <p:sldId id="272" r:id="rId18"/>
-    <p:sldId id="273" r:id="rId19"/>
-    <p:sldId id="275" r:id="rId20"/>
-    <p:sldId id="276" r:id="rId21"/>
-    <p:sldId id="277" r:id="rId22"/>
-    <p:sldId id="278" r:id="rId23"/>
-    <p:sldId id="279" r:id="rId24"/>
-    <p:sldId id="280" r:id="rId25"/>
-    <p:sldId id="281" r:id="rId26"/>
-    <p:sldId id="282" r:id="rId27"/>
-    <p:sldId id="283" r:id="rId28"/>
+    <p:sldId id="263" r:id="rId7"/>
+    <p:sldId id="264" r:id="rId8"/>
+    <p:sldId id="262" r:id="rId9"/>
+    <p:sldId id="266" r:id="rId10"/>
+    <p:sldId id="267" r:id="rId11"/>
+    <p:sldId id="285" r:id="rId12"/>
+    <p:sldId id="286" r:id="rId13"/>
+    <p:sldId id="288" r:id="rId14"/>
+    <p:sldId id="271" r:id="rId15"/>
+    <p:sldId id="289" r:id="rId16"/>
+    <p:sldId id="272" r:id="rId17"/>
+    <p:sldId id="290" r:id="rId18"/>
+    <p:sldId id="276" r:id="rId19"/>
+    <p:sldId id="278" r:id="rId20"/>
+    <p:sldId id="279" r:id="rId21"/>
+    <p:sldId id="280" r:id="rId22"/>
+    <p:sldId id="281" r:id="rId23"/>
+    <p:sldId id="284" r:id="rId24"/>
+    <p:sldId id="282" r:id="rId25"/>
+    <p:sldId id="283" r:id="rId26"/>
   </p:sldIdLst>
   <p:sldSz cx="12192000" cy="6858000"/>
   <p:notesSz cx="6858000" cy="9144000"/>
@@ -269,7 +267,7 @@
           <a:p>
             <a:fld id="{4A05C880-6E7A-46CE-A165-4FC6F737E1CB}" type="datetimeFigureOut">
               <a:rPr lang="es-ES" smtClean="0"/>
-              <a:t>27/10/2024</a:t>
+              <a:t>29/10/2024</a:t>
             </a:fld>
             <a:endParaRPr lang="es-ES"/>
           </a:p>
@@ -439,7 +437,7 @@
           <a:p>
             <a:fld id="{4A05C880-6E7A-46CE-A165-4FC6F737E1CB}" type="datetimeFigureOut">
               <a:rPr lang="es-ES" smtClean="0"/>
-              <a:t>27/10/2024</a:t>
+              <a:t>29/10/2024</a:t>
             </a:fld>
             <a:endParaRPr lang="es-ES"/>
           </a:p>
@@ -619,7 +617,7 @@
           <a:p>
             <a:fld id="{4A05C880-6E7A-46CE-A165-4FC6F737E1CB}" type="datetimeFigureOut">
               <a:rPr lang="es-ES" smtClean="0"/>
-              <a:t>27/10/2024</a:t>
+              <a:t>29/10/2024</a:t>
             </a:fld>
             <a:endParaRPr lang="es-ES"/>
           </a:p>
@@ -789,7 +787,7 @@
           <a:p>
             <a:fld id="{4A05C880-6E7A-46CE-A165-4FC6F737E1CB}" type="datetimeFigureOut">
               <a:rPr lang="es-ES" smtClean="0"/>
-              <a:t>27/10/2024</a:t>
+              <a:t>29/10/2024</a:t>
             </a:fld>
             <a:endParaRPr lang="es-ES"/>
           </a:p>
@@ -1035,7 +1033,7 @@
           <a:p>
             <a:fld id="{4A05C880-6E7A-46CE-A165-4FC6F737E1CB}" type="datetimeFigureOut">
               <a:rPr lang="es-ES" smtClean="0"/>
-              <a:t>27/10/2024</a:t>
+              <a:t>29/10/2024</a:t>
             </a:fld>
             <a:endParaRPr lang="es-ES"/>
           </a:p>
@@ -1267,7 +1265,7 @@
           <a:p>
             <a:fld id="{4A05C880-6E7A-46CE-A165-4FC6F737E1CB}" type="datetimeFigureOut">
               <a:rPr lang="es-ES" smtClean="0"/>
-              <a:t>27/10/2024</a:t>
+              <a:t>29/10/2024</a:t>
             </a:fld>
             <a:endParaRPr lang="es-ES"/>
           </a:p>
@@ -1634,7 +1632,7 @@
           <a:p>
             <a:fld id="{4A05C880-6E7A-46CE-A165-4FC6F737E1CB}" type="datetimeFigureOut">
               <a:rPr lang="es-ES" smtClean="0"/>
-              <a:t>27/10/2024</a:t>
+              <a:t>29/10/2024</a:t>
             </a:fld>
             <a:endParaRPr lang="es-ES"/>
           </a:p>
@@ -1752,7 +1750,7 @@
           <a:p>
             <a:fld id="{4A05C880-6E7A-46CE-A165-4FC6F737E1CB}" type="datetimeFigureOut">
               <a:rPr lang="es-ES" smtClean="0"/>
-              <a:t>27/10/2024</a:t>
+              <a:t>29/10/2024</a:t>
             </a:fld>
             <a:endParaRPr lang="es-ES"/>
           </a:p>
@@ -1847,7 +1845,7 @@
           <a:p>
             <a:fld id="{4A05C880-6E7A-46CE-A165-4FC6F737E1CB}" type="datetimeFigureOut">
               <a:rPr lang="es-ES" smtClean="0"/>
-              <a:t>27/10/2024</a:t>
+              <a:t>29/10/2024</a:t>
             </a:fld>
             <a:endParaRPr lang="es-ES"/>
           </a:p>
@@ -2124,7 +2122,7 @@
           <a:p>
             <a:fld id="{4A05C880-6E7A-46CE-A165-4FC6F737E1CB}" type="datetimeFigureOut">
               <a:rPr lang="es-ES" smtClean="0"/>
-              <a:t>27/10/2024</a:t>
+              <a:t>29/10/2024</a:t>
             </a:fld>
             <a:endParaRPr lang="es-ES"/>
           </a:p>
@@ -2377,7 +2375,7 @@
           <a:p>
             <a:fld id="{4A05C880-6E7A-46CE-A165-4FC6F737E1CB}" type="datetimeFigureOut">
               <a:rPr lang="es-ES" smtClean="0"/>
-              <a:t>27/10/2024</a:t>
+              <a:t>29/10/2024</a:t>
             </a:fld>
             <a:endParaRPr lang="es-ES"/>
           </a:p>
@@ -2590,7 +2588,7 @@
           <a:p>
             <a:fld id="{4A05C880-6E7A-46CE-A165-4FC6F737E1CB}" type="datetimeFigureOut">
               <a:rPr lang="es-ES" smtClean="0"/>
-              <a:t>27/10/2024</a:t>
+              <a:t>29/10/2024</a:t>
             </a:fld>
             <a:endParaRPr lang="es-ES"/>
           </a:p>
@@ -3246,733 +3244,6 @@
             <p:ph type="title"/>
           </p:nvPr>
         </p:nvSpPr>
-        <p:spPr>
-          <a:xfrm>
-            <a:off x="838200" y="179825"/>
-            <a:ext cx="10515600" cy="1325563"/>
-          </a:xfrm>
-        </p:spPr>
-        <p:txBody>
-          <a:bodyPr/>
-          <a:lstStyle/>
-          <a:p>
-            <a:r>
-              <a:rPr lang="es-ES" dirty="0" smtClean="0"/>
-              <a:t>Datos y parámetros del presente trabajo.</a:t>
-            </a:r>
-            <a:endParaRPr lang="es-ES" dirty="0"/>
-          </a:p>
-        </p:txBody>
-      </p:sp>
-      <p:sp>
-        <p:nvSpPr>
-          <p:cNvPr id="3" name="Marcador de contenido 2"/>
-          <p:cNvSpPr>
-            <a:spLocks noGrp="1"/>
-          </p:cNvSpPr>
-          <p:nvPr>
-            <p:ph idx="1"/>
-          </p:nvPr>
-        </p:nvSpPr>
-        <p:spPr>
-          <a:xfrm>
-            <a:off x="838200" y="1505388"/>
-            <a:ext cx="10515600" cy="1436190"/>
-          </a:xfrm>
-        </p:spPr>
-        <p:txBody>
-          <a:bodyPr/>
-          <a:lstStyle/>
-          <a:p>
-            <a:r>
-              <a:rPr lang="es-ES" dirty="0" smtClean="0"/>
-              <a:t>Grabaciones del 21 de octubre de 2023 a las 19:00 horas.</a:t>
-            </a:r>
-          </a:p>
-          <a:p>
-            <a:r>
-              <a:rPr lang="es-ES" dirty="0" smtClean="0"/>
-              <a:t>De cada audio se calcula su </a:t>
-            </a:r>
-            <a:r>
-              <a:rPr lang="es-ES" dirty="0" err="1" smtClean="0"/>
-              <a:t>Mel</a:t>
-            </a:r>
-            <a:r>
-              <a:rPr lang="es-ES" dirty="0" smtClean="0"/>
-              <a:t>-Espectrograma con los siguientes parámetros:</a:t>
-            </a:r>
-            <a:endParaRPr lang="es-ES" dirty="0"/>
-          </a:p>
-        </p:txBody>
-      </p:sp>
-      <p:sp>
-        <p:nvSpPr>
-          <p:cNvPr id="4" name="CuadroTexto 3"/>
-          <p:cNvSpPr txBox="1"/>
-          <p:nvPr/>
-        </p:nvSpPr>
-        <p:spPr>
-          <a:xfrm>
-            <a:off x="1783307" y="2941578"/>
-            <a:ext cx="4312693" cy="2308324"/>
-          </a:xfrm>
-          <a:prstGeom prst="rect">
-            <a:avLst/>
-          </a:prstGeom>
-          <a:noFill/>
-        </p:spPr>
-        <p:txBody>
-          <a:bodyPr wrap="square" rtlCol="0">
-            <a:spAutoFit/>
-          </a:bodyPr>
-          <a:lstStyle/>
-          <a:p>
-            <a:pPr marL="285750" indent="-285750">
-              <a:buFont typeface="Wingdings" panose="05000000000000000000" pitchFamily="2" charset="2"/>
-              <a:buChar char="§"/>
-            </a:pPr>
-            <a:r>
-              <a:rPr lang="es-ES" sz="2400" i="1" dirty="0" smtClean="0"/>
-              <a:t>Hop </a:t>
-            </a:r>
-            <a:r>
-              <a:rPr lang="es-ES" sz="2400" i="1" dirty="0" err="1" smtClean="0"/>
-              <a:t>lenght</a:t>
-            </a:r>
-            <a:r>
-              <a:rPr lang="es-ES" sz="2400" dirty="0" smtClean="0"/>
-              <a:t>: 512</a:t>
-            </a:r>
-          </a:p>
-          <a:p>
-            <a:pPr marL="285750" indent="-285750">
-              <a:buFont typeface="Wingdings" panose="05000000000000000000" pitchFamily="2" charset="2"/>
-              <a:buChar char="§"/>
-            </a:pPr>
-            <a:r>
-              <a:rPr lang="es-ES" sz="2400" dirty="0" smtClean="0"/>
-              <a:t>N </a:t>
-            </a:r>
-            <a:r>
-              <a:rPr lang="es-ES" sz="2400" dirty="0" err="1" smtClean="0"/>
-              <a:t>fft</a:t>
-            </a:r>
-            <a:r>
-              <a:rPr lang="es-ES" sz="2400" dirty="0" smtClean="0"/>
-              <a:t>: 6096</a:t>
-            </a:r>
-          </a:p>
-          <a:p>
-            <a:pPr marL="285750" indent="-285750">
-              <a:buFont typeface="Wingdings" panose="05000000000000000000" pitchFamily="2" charset="2"/>
-              <a:buChar char="§"/>
-            </a:pPr>
-            <a:r>
-              <a:rPr lang="es-ES" sz="2400" dirty="0" smtClean="0"/>
-              <a:t>N </a:t>
-            </a:r>
-            <a:r>
-              <a:rPr lang="es-ES" sz="2400" dirty="0" err="1" smtClean="0"/>
-              <a:t>mels</a:t>
-            </a:r>
-            <a:r>
-              <a:rPr lang="es-ES" sz="2400" dirty="0" smtClean="0"/>
-              <a:t>: 128</a:t>
-            </a:r>
-          </a:p>
-          <a:p>
-            <a:pPr marL="285750" indent="-285750">
-              <a:buFont typeface="Wingdings" panose="05000000000000000000" pitchFamily="2" charset="2"/>
-              <a:buChar char="§"/>
-            </a:pPr>
-            <a:r>
-              <a:rPr lang="es-ES" sz="2400" dirty="0" smtClean="0"/>
-              <a:t>F min: 1600</a:t>
-            </a:r>
-          </a:p>
-          <a:p>
-            <a:pPr marL="285750" indent="-285750">
-              <a:buFont typeface="Wingdings" panose="05000000000000000000" pitchFamily="2" charset="2"/>
-              <a:buChar char="§"/>
-            </a:pPr>
-            <a:r>
-              <a:rPr lang="es-ES" sz="2400" dirty="0" smtClean="0"/>
-              <a:t>F </a:t>
-            </a:r>
-            <a:r>
-              <a:rPr lang="es-ES" sz="2400" dirty="0" err="1" smtClean="0"/>
-              <a:t>max</a:t>
-            </a:r>
-            <a:r>
-              <a:rPr lang="es-ES" sz="2400" dirty="0" smtClean="0"/>
-              <a:t>: 4096</a:t>
-            </a:r>
-          </a:p>
-          <a:p>
-            <a:pPr marL="285750" indent="-285750">
-              <a:buFont typeface="Wingdings" panose="05000000000000000000" pitchFamily="2" charset="2"/>
-              <a:buChar char="§"/>
-            </a:pPr>
-            <a:r>
-              <a:rPr lang="es-ES" sz="2400" i="1" dirty="0" err="1" smtClean="0"/>
-              <a:t>Sample</a:t>
-            </a:r>
-            <a:r>
-              <a:rPr lang="es-ES" sz="2400" i="1" dirty="0" smtClean="0"/>
-              <a:t> </a:t>
-            </a:r>
-            <a:r>
-              <a:rPr lang="es-ES" sz="2400" i="1" dirty="0" err="1" smtClean="0"/>
-              <a:t>rate</a:t>
-            </a:r>
-            <a:r>
-              <a:rPr lang="es-ES" sz="2400" dirty="0" smtClean="0"/>
-              <a:t>: 96000</a:t>
-            </a:r>
-            <a:endParaRPr lang="es-ES" sz="2400" dirty="0"/>
-          </a:p>
-        </p:txBody>
-      </p:sp>
-      <p:sp>
-        <p:nvSpPr>
-          <p:cNvPr id="5" name="Marcador de contenido 2"/>
-          <p:cNvSpPr txBox="1">
-            <a:spLocks/>
-          </p:cNvSpPr>
-          <p:nvPr/>
-        </p:nvSpPr>
-        <p:spPr>
-          <a:xfrm>
-            <a:off x="838200" y="5249902"/>
-            <a:ext cx="10515600" cy="1436190"/>
-          </a:xfrm>
-          <a:prstGeom prst="rect">
-            <a:avLst/>
-          </a:prstGeom>
-        </p:spPr>
-        <p:txBody>
-          <a:bodyPr vert="horz" lIns="91440" tIns="45720" rIns="91440" bIns="45720" rtlCol="0">
-            <a:normAutofit fontScale="92500"/>
-          </a:bodyPr>
-          <a:lstStyle>
-            <a:lvl1pPr marL="228600" indent="-228600" algn="l" defTabSz="914400" rtl="0" eaLnBrk="1" latinLnBrk="0" hangingPunct="1">
-              <a:lnSpc>
-                <a:spcPct val="90000"/>
-              </a:lnSpc>
-              <a:spcBef>
-                <a:spcPts val="1000"/>
-              </a:spcBef>
-              <a:buFont typeface="Arial" panose="020B0604020202020204" pitchFamily="34" charset="0"/>
-              <a:buChar char="•"/>
-              <a:defRPr sz="2800" kern="1200">
-                <a:solidFill>
-                  <a:schemeClr val="tx1"/>
-                </a:solidFill>
-                <a:latin typeface="+mn-lt"/>
-                <a:ea typeface="+mn-ea"/>
-                <a:cs typeface="+mn-cs"/>
-              </a:defRPr>
-            </a:lvl1pPr>
-            <a:lvl2pPr marL="685800" indent="-228600" algn="l" defTabSz="914400" rtl="0" eaLnBrk="1" latinLnBrk="0" hangingPunct="1">
-              <a:lnSpc>
-                <a:spcPct val="90000"/>
-              </a:lnSpc>
-              <a:spcBef>
-                <a:spcPts val="500"/>
-              </a:spcBef>
-              <a:buFont typeface="Arial" panose="020B0604020202020204" pitchFamily="34" charset="0"/>
-              <a:buChar char="•"/>
-              <a:defRPr sz="2400" kern="1200">
-                <a:solidFill>
-                  <a:schemeClr val="tx1"/>
-                </a:solidFill>
-                <a:latin typeface="+mn-lt"/>
-                <a:ea typeface="+mn-ea"/>
-                <a:cs typeface="+mn-cs"/>
-              </a:defRPr>
-            </a:lvl2pPr>
-            <a:lvl3pPr marL="1143000" indent="-228600" algn="l" defTabSz="914400" rtl="0" eaLnBrk="1" latinLnBrk="0" hangingPunct="1">
-              <a:lnSpc>
-                <a:spcPct val="90000"/>
-              </a:lnSpc>
-              <a:spcBef>
-                <a:spcPts val="500"/>
-              </a:spcBef>
-              <a:buFont typeface="Arial" panose="020B0604020202020204" pitchFamily="34" charset="0"/>
-              <a:buChar char="•"/>
-              <a:defRPr sz="2000" kern="1200">
-                <a:solidFill>
-                  <a:schemeClr val="tx1"/>
-                </a:solidFill>
-                <a:latin typeface="+mn-lt"/>
-                <a:ea typeface="+mn-ea"/>
-                <a:cs typeface="+mn-cs"/>
-              </a:defRPr>
-            </a:lvl3pPr>
-            <a:lvl4pPr marL="1600200" indent="-228600" algn="l" defTabSz="914400" rtl="0" eaLnBrk="1" latinLnBrk="0" hangingPunct="1">
-              <a:lnSpc>
-                <a:spcPct val="90000"/>
-              </a:lnSpc>
-              <a:spcBef>
-                <a:spcPts val="500"/>
-              </a:spcBef>
-              <a:buFont typeface="Arial" panose="020B0604020202020204" pitchFamily="34" charset="0"/>
-              <a:buChar char="•"/>
-              <a:defRPr sz="1800" kern="1200">
-                <a:solidFill>
-                  <a:schemeClr val="tx1"/>
-                </a:solidFill>
-                <a:latin typeface="+mn-lt"/>
-                <a:ea typeface="+mn-ea"/>
-                <a:cs typeface="+mn-cs"/>
-              </a:defRPr>
-            </a:lvl4pPr>
-            <a:lvl5pPr marL="2057400" indent="-228600" algn="l" defTabSz="914400" rtl="0" eaLnBrk="1" latinLnBrk="0" hangingPunct="1">
-              <a:lnSpc>
-                <a:spcPct val="90000"/>
-              </a:lnSpc>
-              <a:spcBef>
-                <a:spcPts val="500"/>
-              </a:spcBef>
-              <a:buFont typeface="Arial" panose="020B0604020202020204" pitchFamily="34" charset="0"/>
-              <a:buChar char="•"/>
-              <a:defRPr sz="1800" kern="1200">
-                <a:solidFill>
-                  <a:schemeClr val="tx1"/>
-                </a:solidFill>
-                <a:latin typeface="+mn-lt"/>
-                <a:ea typeface="+mn-ea"/>
-                <a:cs typeface="+mn-cs"/>
-              </a:defRPr>
-            </a:lvl5pPr>
-            <a:lvl6pPr marL="2514600" indent="-228600" algn="l" defTabSz="914400" rtl="0" eaLnBrk="1" latinLnBrk="0" hangingPunct="1">
-              <a:lnSpc>
-                <a:spcPct val="90000"/>
-              </a:lnSpc>
-              <a:spcBef>
-                <a:spcPts val="500"/>
-              </a:spcBef>
-              <a:buFont typeface="Arial" panose="020B0604020202020204" pitchFamily="34" charset="0"/>
-              <a:buChar char="•"/>
-              <a:defRPr sz="1800" kern="1200">
-                <a:solidFill>
-                  <a:schemeClr val="tx1"/>
-                </a:solidFill>
-                <a:latin typeface="+mn-lt"/>
-                <a:ea typeface="+mn-ea"/>
-                <a:cs typeface="+mn-cs"/>
-              </a:defRPr>
-            </a:lvl6pPr>
-            <a:lvl7pPr marL="2971800" indent="-228600" algn="l" defTabSz="914400" rtl="0" eaLnBrk="1" latinLnBrk="0" hangingPunct="1">
-              <a:lnSpc>
-                <a:spcPct val="90000"/>
-              </a:lnSpc>
-              <a:spcBef>
-                <a:spcPts val="500"/>
-              </a:spcBef>
-              <a:buFont typeface="Arial" panose="020B0604020202020204" pitchFamily="34" charset="0"/>
-              <a:buChar char="•"/>
-              <a:defRPr sz="1800" kern="1200">
-                <a:solidFill>
-                  <a:schemeClr val="tx1"/>
-                </a:solidFill>
-                <a:latin typeface="+mn-lt"/>
-                <a:ea typeface="+mn-ea"/>
-                <a:cs typeface="+mn-cs"/>
-              </a:defRPr>
-            </a:lvl7pPr>
-            <a:lvl8pPr marL="3429000" indent="-228600" algn="l" defTabSz="914400" rtl="0" eaLnBrk="1" latinLnBrk="0" hangingPunct="1">
-              <a:lnSpc>
-                <a:spcPct val="90000"/>
-              </a:lnSpc>
-              <a:spcBef>
-                <a:spcPts val="500"/>
-              </a:spcBef>
-              <a:buFont typeface="Arial" panose="020B0604020202020204" pitchFamily="34" charset="0"/>
-              <a:buChar char="•"/>
-              <a:defRPr sz="1800" kern="1200">
-                <a:solidFill>
-                  <a:schemeClr val="tx1"/>
-                </a:solidFill>
-                <a:latin typeface="+mn-lt"/>
-                <a:ea typeface="+mn-ea"/>
-                <a:cs typeface="+mn-cs"/>
-              </a:defRPr>
-            </a:lvl8pPr>
-            <a:lvl9pPr marL="3886200" indent="-228600" algn="l" defTabSz="914400" rtl="0" eaLnBrk="1" latinLnBrk="0" hangingPunct="1">
-              <a:lnSpc>
-                <a:spcPct val="90000"/>
-              </a:lnSpc>
-              <a:spcBef>
-                <a:spcPts val="500"/>
-              </a:spcBef>
-              <a:buFont typeface="Arial" panose="020B0604020202020204" pitchFamily="34" charset="0"/>
-              <a:buChar char="•"/>
-              <a:defRPr sz="1800" kern="1200">
-                <a:solidFill>
-                  <a:schemeClr val="tx1"/>
-                </a:solidFill>
-                <a:latin typeface="+mn-lt"/>
-                <a:ea typeface="+mn-ea"/>
-                <a:cs typeface="+mn-cs"/>
-              </a:defRPr>
-            </a:lvl9pPr>
-          </a:lstStyle>
-          <a:p>
-            <a:r>
-              <a:rPr lang="es-ES" dirty="0"/>
-              <a:t>L</a:t>
-            </a:r>
-            <a:r>
-              <a:rPr lang="es-ES" dirty="0" smtClean="0"/>
-              <a:t>os análisis posteriores de los audios siempre se realizarán sobre su </a:t>
-            </a:r>
-            <a:r>
-              <a:rPr lang="es-ES" dirty="0" err="1" smtClean="0"/>
-              <a:t>mel</a:t>
-            </a:r>
-            <a:r>
-              <a:rPr lang="es-ES" dirty="0" smtClean="0"/>
-              <a:t>-espectrograma.</a:t>
-            </a:r>
-          </a:p>
-          <a:p>
-            <a:r>
-              <a:rPr lang="es-ES" dirty="0" smtClean="0"/>
-              <a:t>A cada archivo se le asigna una letra de la “</a:t>
-            </a:r>
-            <a:r>
-              <a:rPr lang="es-ES" i="1" dirty="0" smtClean="0"/>
-              <a:t>a”</a:t>
-            </a:r>
-            <a:r>
-              <a:rPr lang="es-ES" dirty="0" smtClean="0"/>
-              <a:t> a la “</a:t>
-            </a:r>
-            <a:r>
-              <a:rPr lang="es-ES" i="1" dirty="0" smtClean="0"/>
-              <a:t>i”</a:t>
-            </a:r>
-            <a:r>
-              <a:rPr lang="es-ES" dirty="0" smtClean="0"/>
-              <a:t> en el abecedario.</a:t>
-            </a:r>
-            <a:endParaRPr lang="es-ES" dirty="0"/>
-          </a:p>
-        </p:txBody>
-      </p:sp>
-    </p:spTree>
-    <p:extLst>
-      <p:ext uri="{BB962C8B-B14F-4D97-AF65-F5344CB8AC3E}">
-        <p14:creationId xmlns:p14="http://schemas.microsoft.com/office/powerpoint/2010/main" val="2245581433"/>
-      </p:ext>
-    </p:extLst>
-  </p:cSld>
-  <p:clrMapOvr>
-    <a:masterClrMapping/>
-  </p:clrMapOvr>
-  <p:timing>
-    <p:tnLst>
-      <p:par>
-        <p:cTn id="1" dur="indefinite" restart="never" nodeType="tmRoot"/>
-      </p:par>
-    </p:tnLst>
-  </p:timing>
-</p:sld>
-</file>
-
-<file path=ppt/slides/slide11.xml><?xml version="1.0" encoding="utf-8"?>
-<p:sld xmlns:a="http://schemas.openxmlformats.org/drawingml/2006/main" xmlns:r="http://schemas.openxmlformats.org/officeDocument/2006/relationships" xmlns:p="http://schemas.openxmlformats.org/presentationml/2006/main">
-  <p:cSld>
-    <p:spTree>
-      <p:nvGrpSpPr>
-        <p:cNvPr id="1" name=""/>
-        <p:cNvGrpSpPr/>
-        <p:nvPr/>
-      </p:nvGrpSpPr>
-      <p:grpSpPr>
-        <a:xfrm>
-          <a:off x="0" y="0"/>
-          <a:ext cx="0" cy="0"/>
-          <a:chOff x="0" y="0"/>
-          <a:chExt cx="0" cy="0"/>
-        </a:xfrm>
-      </p:grpSpPr>
-      <p:sp>
-        <p:nvSpPr>
-          <p:cNvPr id="2" name="Título 1"/>
-          <p:cNvSpPr>
-            <a:spLocks noGrp="1"/>
-          </p:cNvSpPr>
-          <p:nvPr>
-            <p:ph type="title"/>
-          </p:nvPr>
-        </p:nvSpPr>
-        <p:spPr/>
-        <p:txBody>
-          <a:bodyPr/>
-          <a:lstStyle/>
-          <a:p>
-            <a:r>
-              <a:rPr lang="es-ES" dirty="0" smtClean="0"/>
-              <a:t>Sincronización a través de un método </a:t>
-            </a:r>
-            <a:r>
-              <a:rPr lang="es-ES" dirty="0" err="1" smtClean="0"/>
-              <a:t>semi</a:t>
-            </a:r>
-            <a:r>
-              <a:rPr lang="es-ES" dirty="0" smtClean="0"/>
-              <a:t>-automático con Correlación Cruzada.</a:t>
-            </a:r>
-            <a:endParaRPr lang="es-ES" dirty="0"/>
-          </a:p>
-        </p:txBody>
-      </p:sp>
-      <p:sp>
-        <p:nvSpPr>
-          <p:cNvPr id="3" name="Marcador de contenido 2"/>
-          <p:cNvSpPr>
-            <a:spLocks noGrp="1"/>
-          </p:cNvSpPr>
-          <p:nvPr>
-            <p:ph idx="1"/>
-          </p:nvPr>
-        </p:nvSpPr>
-        <p:spPr/>
-        <p:txBody>
-          <a:bodyPr/>
-          <a:lstStyle/>
-          <a:p>
-            <a:r>
-              <a:rPr lang="es-ES" dirty="0" smtClean="0"/>
-              <a:t>Selecci</a:t>
-            </a:r>
-            <a:r>
-              <a:rPr lang="es-ES" dirty="0"/>
-              <a:t>ó</a:t>
-            </a:r>
-            <a:r>
-              <a:rPr lang="es-ES" dirty="0" smtClean="0"/>
-              <a:t>n </a:t>
-            </a:r>
-            <a:r>
-              <a:rPr lang="es-ES" dirty="0"/>
-              <a:t>de un rango de bandas de frecuencia y un pivote</a:t>
-            </a:r>
-            <a:r>
-              <a:rPr lang="es-ES" dirty="0" smtClean="0"/>
-              <a:t>.</a:t>
-            </a:r>
-          </a:p>
-          <a:p>
-            <a:r>
-              <a:rPr lang="es-ES" dirty="0" smtClean="0"/>
-              <a:t>C</a:t>
-            </a:r>
-            <a:r>
-              <a:rPr lang="es-ES" dirty="0"/>
-              <a:t>á</a:t>
-            </a:r>
-            <a:r>
-              <a:rPr lang="es-ES" dirty="0" smtClean="0"/>
-              <a:t>lculo </a:t>
-            </a:r>
-            <a:r>
-              <a:rPr lang="es-ES" dirty="0"/>
-              <a:t>de las </a:t>
-            </a:r>
-            <a:r>
-              <a:rPr lang="es-ES" dirty="0" smtClean="0"/>
-              <a:t>energ</a:t>
-            </a:r>
-            <a:r>
-              <a:rPr lang="es-ES" dirty="0"/>
-              <a:t>í</a:t>
-            </a:r>
-            <a:r>
-              <a:rPr lang="es-ES" dirty="0" smtClean="0"/>
-              <a:t>as </a:t>
-            </a:r>
-            <a:r>
-              <a:rPr lang="es-ES" dirty="0"/>
-              <a:t>temporales de </a:t>
-            </a:r>
-            <a:r>
-              <a:rPr lang="es-ES" dirty="0" smtClean="0"/>
-              <a:t>cada archivo.</a:t>
-            </a:r>
-          </a:p>
-          <a:p>
-            <a:r>
-              <a:rPr lang="es-ES" dirty="0" smtClean="0"/>
-              <a:t>Eliminación de ruido.</a:t>
-            </a:r>
-          </a:p>
-          <a:p>
-            <a:r>
-              <a:rPr lang="es-ES" dirty="0" smtClean="0"/>
-              <a:t>Identificación </a:t>
-            </a:r>
-            <a:r>
-              <a:rPr lang="es-ES" dirty="0"/>
-              <a:t>de picos de </a:t>
-            </a:r>
-            <a:r>
-              <a:rPr lang="es-ES" dirty="0" smtClean="0"/>
-              <a:t>energía </a:t>
-            </a:r>
-            <a:r>
-              <a:rPr lang="es-ES" dirty="0"/>
-              <a:t>en </a:t>
-            </a:r>
-            <a:r>
-              <a:rPr lang="es-ES" dirty="0" smtClean="0"/>
-              <a:t>las señales.</a:t>
-            </a:r>
-          </a:p>
-          <a:p>
-            <a:r>
-              <a:rPr lang="es-ES" dirty="0" smtClean="0"/>
-              <a:t>C</a:t>
-            </a:r>
-            <a:r>
-              <a:rPr lang="es-ES" dirty="0"/>
-              <a:t>á</a:t>
-            </a:r>
-            <a:r>
-              <a:rPr lang="es-ES" dirty="0" smtClean="0"/>
-              <a:t>lculo </a:t>
-            </a:r>
-            <a:r>
-              <a:rPr lang="es-ES" dirty="0"/>
-              <a:t>de los desfases (</a:t>
-            </a:r>
-            <a:r>
-              <a:rPr lang="es-ES" i="1" dirty="0" err="1" smtClean="0"/>
-              <a:t>lags</a:t>
-            </a:r>
-            <a:r>
-              <a:rPr lang="es-ES" dirty="0" smtClean="0"/>
-              <a:t>) </a:t>
-            </a:r>
-            <a:r>
-              <a:rPr lang="es-ES" dirty="0"/>
-              <a:t>entre los </a:t>
-            </a:r>
-            <a:r>
-              <a:rPr lang="es-ES" dirty="0" smtClean="0"/>
-              <a:t>picos de </a:t>
-            </a:r>
-            <a:r>
-              <a:rPr lang="es-ES" dirty="0"/>
-              <a:t>los archivos y el archivo pivote </a:t>
-            </a:r>
-            <a:r>
-              <a:rPr lang="es-ES" dirty="0" smtClean="0"/>
-              <a:t>mediante Correlación </a:t>
-            </a:r>
-            <a:r>
-              <a:rPr lang="es-ES" dirty="0"/>
-              <a:t>Cruzada</a:t>
-            </a:r>
-            <a:r>
-              <a:rPr lang="es-ES" dirty="0" smtClean="0"/>
-              <a:t>.</a:t>
-            </a:r>
-          </a:p>
-          <a:p>
-            <a:r>
-              <a:rPr lang="es-ES" dirty="0" smtClean="0"/>
-              <a:t>Aplicaci</a:t>
-            </a:r>
-            <a:r>
-              <a:rPr lang="es-ES" dirty="0"/>
-              <a:t>ó</a:t>
-            </a:r>
-            <a:r>
-              <a:rPr lang="es-ES" dirty="0" smtClean="0"/>
-              <a:t>n </a:t>
-            </a:r>
-            <a:r>
-              <a:rPr lang="es-ES" dirty="0"/>
-              <a:t>de los desfases a los </a:t>
-            </a:r>
-            <a:r>
-              <a:rPr lang="es-ES" dirty="0" smtClean="0"/>
-              <a:t>archivos originales </a:t>
-            </a:r>
-            <a:r>
-              <a:rPr lang="es-ES" dirty="0"/>
-              <a:t>para su </a:t>
-            </a:r>
-            <a:r>
-              <a:rPr lang="es-ES" dirty="0" smtClean="0"/>
-              <a:t>sincronizaci</a:t>
-            </a:r>
-            <a:r>
-              <a:rPr lang="es-ES" dirty="0"/>
-              <a:t>ó</a:t>
-            </a:r>
-            <a:r>
-              <a:rPr lang="es-ES" dirty="0" smtClean="0"/>
-              <a:t>n</a:t>
-            </a:r>
-            <a:r>
-              <a:rPr lang="es-ES" dirty="0"/>
-              <a:t>.</a:t>
-            </a:r>
-          </a:p>
-        </p:txBody>
-      </p:sp>
-    </p:spTree>
-    <p:extLst>
-      <p:ext uri="{BB962C8B-B14F-4D97-AF65-F5344CB8AC3E}">
-        <p14:creationId xmlns:p14="http://schemas.microsoft.com/office/powerpoint/2010/main" val="2464089617"/>
-      </p:ext>
-    </p:extLst>
-  </p:cSld>
-  <p:clrMapOvr>
-    <a:masterClrMapping/>
-  </p:clrMapOvr>
-  <p:timing>
-    <p:tnLst>
-      <p:par>
-        <p:cTn id="1" dur="indefinite" restart="never" nodeType="tmRoot"/>
-      </p:par>
-    </p:tnLst>
-  </p:timing>
-</p:sld>
-</file>
-
-<file path=ppt/slides/slide12.xml><?xml version="1.0" encoding="utf-8"?>
-<p:sld xmlns:a="http://schemas.openxmlformats.org/drawingml/2006/main" xmlns:r="http://schemas.openxmlformats.org/officeDocument/2006/relationships" xmlns:p="http://schemas.openxmlformats.org/presentationml/2006/main">
-  <p:cSld>
-    <p:spTree>
-      <p:nvGrpSpPr>
-        <p:cNvPr id="1" name=""/>
-        <p:cNvGrpSpPr/>
-        <p:nvPr/>
-      </p:nvGrpSpPr>
-      <p:grpSpPr>
-        <a:xfrm>
-          <a:off x="0" y="0"/>
-          <a:ext cx="0" cy="0"/>
-          <a:chOff x="0" y="0"/>
-          <a:chExt cx="0" cy="0"/>
-        </a:xfrm>
-      </p:grpSpPr>
-      <p:sp>
-        <p:nvSpPr>
-          <p:cNvPr id="2" name="Título 1"/>
-          <p:cNvSpPr>
-            <a:spLocks noGrp="1"/>
-          </p:cNvSpPr>
-          <p:nvPr>
-            <p:ph type="title"/>
-          </p:nvPr>
-        </p:nvSpPr>
         <p:spPr/>
         <p:txBody>
           <a:bodyPr>
@@ -4146,6 +3417,783 @@
 </p:sld>
 </file>
 
+<file path=ppt/slides/slide11.xml><?xml version="1.0" encoding="utf-8"?>
+<p:sld xmlns:a="http://schemas.openxmlformats.org/drawingml/2006/main" xmlns:r="http://schemas.openxmlformats.org/officeDocument/2006/relationships" xmlns:p="http://schemas.openxmlformats.org/presentationml/2006/main">
+  <p:cSld>
+    <p:spTree>
+      <p:nvGrpSpPr>
+        <p:cNvPr id="1" name=""/>
+        <p:cNvGrpSpPr/>
+        <p:nvPr/>
+      </p:nvGrpSpPr>
+      <p:grpSpPr>
+        <a:xfrm>
+          <a:off x="0" y="0"/>
+          <a:ext cx="0" cy="0"/>
+          <a:chOff x="0" y="0"/>
+          <a:chExt cx="0" cy="0"/>
+        </a:xfrm>
+      </p:grpSpPr>
+      <p:sp>
+        <p:nvSpPr>
+          <p:cNvPr id="2" name="Título 1"/>
+          <p:cNvSpPr>
+            <a:spLocks noGrp="1"/>
+          </p:cNvSpPr>
+          <p:nvPr>
+            <p:ph type="title"/>
+          </p:nvPr>
+        </p:nvSpPr>
+        <p:spPr/>
+        <p:txBody>
+          <a:bodyPr/>
+          <a:lstStyle/>
+          <a:p>
+            <a:r>
+              <a:rPr lang="es-ES" dirty="0" smtClean="0"/>
+              <a:t>Sincronización a través de un método </a:t>
+            </a:r>
+            <a:r>
+              <a:rPr lang="es-ES" dirty="0" err="1" smtClean="0"/>
+              <a:t>semi</a:t>
+            </a:r>
+            <a:r>
+              <a:rPr lang="es-ES" dirty="0" smtClean="0"/>
+              <a:t>-automático con Correlación Cruzada.</a:t>
+            </a:r>
+            <a:endParaRPr lang="es-ES" dirty="0"/>
+          </a:p>
+        </p:txBody>
+      </p:sp>
+      <p:sp>
+        <p:nvSpPr>
+          <p:cNvPr id="3" name="Marcador de contenido 2"/>
+          <p:cNvSpPr>
+            <a:spLocks noGrp="1"/>
+          </p:cNvSpPr>
+          <p:nvPr>
+            <p:ph idx="1"/>
+          </p:nvPr>
+        </p:nvSpPr>
+        <p:spPr/>
+        <p:txBody>
+          <a:bodyPr/>
+          <a:lstStyle/>
+          <a:p>
+            <a:r>
+              <a:rPr lang="es-ES" dirty="0" smtClean="0"/>
+              <a:t>Selecci</a:t>
+            </a:r>
+            <a:r>
+              <a:rPr lang="es-ES" dirty="0"/>
+              <a:t>ó</a:t>
+            </a:r>
+            <a:r>
+              <a:rPr lang="es-ES" dirty="0" smtClean="0"/>
+              <a:t>n </a:t>
+            </a:r>
+            <a:r>
+              <a:rPr lang="es-ES" dirty="0"/>
+              <a:t>de un rango de bandas de frecuencia y un pivote</a:t>
+            </a:r>
+            <a:r>
+              <a:rPr lang="es-ES" dirty="0" smtClean="0"/>
+              <a:t>.</a:t>
+            </a:r>
+          </a:p>
+          <a:p>
+            <a:r>
+              <a:rPr lang="es-ES" dirty="0" smtClean="0"/>
+              <a:t>C</a:t>
+            </a:r>
+            <a:r>
+              <a:rPr lang="es-ES" dirty="0"/>
+              <a:t>á</a:t>
+            </a:r>
+            <a:r>
+              <a:rPr lang="es-ES" dirty="0" smtClean="0"/>
+              <a:t>lculo </a:t>
+            </a:r>
+            <a:r>
+              <a:rPr lang="es-ES" dirty="0"/>
+              <a:t>de las </a:t>
+            </a:r>
+            <a:r>
+              <a:rPr lang="es-ES" dirty="0" smtClean="0"/>
+              <a:t>energ</a:t>
+            </a:r>
+            <a:r>
+              <a:rPr lang="es-ES" dirty="0"/>
+              <a:t>í</a:t>
+            </a:r>
+            <a:r>
+              <a:rPr lang="es-ES" dirty="0" smtClean="0"/>
+              <a:t>as </a:t>
+            </a:r>
+            <a:r>
+              <a:rPr lang="es-ES" dirty="0"/>
+              <a:t>temporales de </a:t>
+            </a:r>
+            <a:r>
+              <a:rPr lang="es-ES" dirty="0" smtClean="0"/>
+              <a:t>cada archivo.</a:t>
+            </a:r>
+          </a:p>
+          <a:p>
+            <a:r>
+              <a:rPr lang="es-ES" dirty="0" smtClean="0">
+                <a:solidFill>
+                  <a:schemeClr val="accent3"/>
+                </a:solidFill>
+              </a:rPr>
+              <a:t>Eliminación de ruido.</a:t>
+            </a:r>
+          </a:p>
+          <a:p>
+            <a:r>
+              <a:rPr lang="es-ES" dirty="0" smtClean="0">
+                <a:solidFill>
+                  <a:schemeClr val="accent3"/>
+                </a:solidFill>
+              </a:rPr>
+              <a:t>Identificación </a:t>
+            </a:r>
+            <a:r>
+              <a:rPr lang="es-ES" dirty="0">
+                <a:solidFill>
+                  <a:schemeClr val="accent3"/>
+                </a:solidFill>
+              </a:rPr>
+              <a:t>de picos de </a:t>
+            </a:r>
+            <a:r>
+              <a:rPr lang="es-ES" dirty="0" smtClean="0">
+                <a:solidFill>
+                  <a:schemeClr val="accent3"/>
+                </a:solidFill>
+              </a:rPr>
+              <a:t>energía </a:t>
+            </a:r>
+            <a:r>
+              <a:rPr lang="es-ES" dirty="0">
+                <a:solidFill>
+                  <a:schemeClr val="accent3"/>
+                </a:solidFill>
+              </a:rPr>
+              <a:t>en </a:t>
+            </a:r>
+            <a:r>
+              <a:rPr lang="es-ES" dirty="0" smtClean="0">
+                <a:solidFill>
+                  <a:schemeClr val="accent3"/>
+                </a:solidFill>
+              </a:rPr>
+              <a:t>las señales.</a:t>
+            </a:r>
+          </a:p>
+          <a:p>
+            <a:r>
+              <a:rPr lang="es-ES" dirty="0" smtClean="0">
+                <a:solidFill>
+                  <a:schemeClr val="accent3"/>
+                </a:solidFill>
+              </a:rPr>
+              <a:t>C</a:t>
+            </a:r>
+            <a:r>
+              <a:rPr lang="es-ES" dirty="0">
+                <a:solidFill>
+                  <a:schemeClr val="accent3"/>
+                </a:solidFill>
+              </a:rPr>
+              <a:t>á</a:t>
+            </a:r>
+            <a:r>
+              <a:rPr lang="es-ES" dirty="0" smtClean="0">
+                <a:solidFill>
+                  <a:schemeClr val="accent3"/>
+                </a:solidFill>
+              </a:rPr>
+              <a:t>lculo </a:t>
+            </a:r>
+            <a:r>
+              <a:rPr lang="es-ES" dirty="0">
+                <a:solidFill>
+                  <a:schemeClr val="accent3"/>
+                </a:solidFill>
+              </a:rPr>
+              <a:t>de los desfases (</a:t>
+            </a:r>
+            <a:r>
+              <a:rPr lang="es-ES" i="1" dirty="0" err="1" smtClean="0">
+                <a:solidFill>
+                  <a:schemeClr val="accent3"/>
+                </a:solidFill>
+              </a:rPr>
+              <a:t>lags</a:t>
+            </a:r>
+            <a:r>
+              <a:rPr lang="es-ES" dirty="0" smtClean="0">
+                <a:solidFill>
+                  <a:schemeClr val="accent3"/>
+                </a:solidFill>
+              </a:rPr>
+              <a:t>) </a:t>
+            </a:r>
+            <a:r>
+              <a:rPr lang="es-ES" dirty="0">
+                <a:solidFill>
+                  <a:schemeClr val="accent3"/>
+                </a:solidFill>
+              </a:rPr>
+              <a:t>entre los </a:t>
+            </a:r>
+            <a:r>
+              <a:rPr lang="es-ES" dirty="0" smtClean="0">
+                <a:solidFill>
+                  <a:schemeClr val="accent3"/>
+                </a:solidFill>
+              </a:rPr>
+              <a:t>picos de </a:t>
+            </a:r>
+            <a:r>
+              <a:rPr lang="es-ES" dirty="0">
+                <a:solidFill>
+                  <a:schemeClr val="accent3"/>
+                </a:solidFill>
+              </a:rPr>
+              <a:t>los archivos y el archivo pivote </a:t>
+            </a:r>
+            <a:r>
+              <a:rPr lang="es-ES" dirty="0" smtClean="0">
+                <a:solidFill>
+                  <a:schemeClr val="accent3"/>
+                </a:solidFill>
+              </a:rPr>
+              <a:t>mediante Correlación </a:t>
+            </a:r>
+            <a:r>
+              <a:rPr lang="es-ES" dirty="0">
+                <a:solidFill>
+                  <a:schemeClr val="accent3"/>
+                </a:solidFill>
+              </a:rPr>
+              <a:t>Cruzada</a:t>
+            </a:r>
+            <a:r>
+              <a:rPr lang="es-ES" dirty="0" smtClean="0">
+                <a:solidFill>
+                  <a:schemeClr val="accent3"/>
+                </a:solidFill>
+              </a:rPr>
+              <a:t>.</a:t>
+            </a:r>
+          </a:p>
+          <a:p>
+            <a:r>
+              <a:rPr lang="es-ES" dirty="0" smtClean="0">
+                <a:solidFill>
+                  <a:schemeClr val="accent3"/>
+                </a:solidFill>
+              </a:rPr>
+              <a:t>Aplicaci</a:t>
+            </a:r>
+            <a:r>
+              <a:rPr lang="es-ES" dirty="0">
+                <a:solidFill>
+                  <a:schemeClr val="accent3"/>
+                </a:solidFill>
+              </a:rPr>
+              <a:t>ó</a:t>
+            </a:r>
+            <a:r>
+              <a:rPr lang="es-ES" dirty="0" smtClean="0">
+                <a:solidFill>
+                  <a:schemeClr val="accent3"/>
+                </a:solidFill>
+              </a:rPr>
+              <a:t>n </a:t>
+            </a:r>
+            <a:r>
+              <a:rPr lang="es-ES" dirty="0">
+                <a:solidFill>
+                  <a:schemeClr val="accent3"/>
+                </a:solidFill>
+              </a:rPr>
+              <a:t>de los desfases a los </a:t>
+            </a:r>
+            <a:r>
+              <a:rPr lang="es-ES" dirty="0" smtClean="0">
+                <a:solidFill>
+                  <a:schemeClr val="accent3"/>
+                </a:solidFill>
+              </a:rPr>
+              <a:t>archivos originales </a:t>
+            </a:r>
+            <a:r>
+              <a:rPr lang="es-ES" dirty="0">
+                <a:solidFill>
+                  <a:schemeClr val="accent3"/>
+                </a:solidFill>
+              </a:rPr>
+              <a:t>para su </a:t>
+            </a:r>
+            <a:r>
+              <a:rPr lang="es-ES" dirty="0" smtClean="0">
+                <a:solidFill>
+                  <a:schemeClr val="accent3"/>
+                </a:solidFill>
+              </a:rPr>
+              <a:t>sincronizaci</a:t>
+            </a:r>
+            <a:r>
+              <a:rPr lang="es-ES" dirty="0">
+                <a:solidFill>
+                  <a:schemeClr val="accent3"/>
+                </a:solidFill>
+              </a:rPr>
+              <a:t>ó</a:t>
+            </a:r>
+            <a:r>
+              <a:rPr lang="es-ES" dirty="0" smtClean="0">
+                <a:solidFill>
+                  <a:schemeClr val="accent3"/>
+                </a:solidFill>
+              </a:rPr>
+              <a:t>n</a:t>
+            </a:r>
+            <a:r>
+              <a:rPr lang="es-ES" dirty="0">
+                <a:solidFill>
+                  <a:schemeClr val="accent3"/>
+                </a:solidFill>
+              </a:rPr>
+              <a:t>.</a:t>
+            </a:r>
+          </a:p>
+        </p:txBody>
+      </p:sp>
+      <p:pic>
+        <p:nvPicPr>
+          <p:cNvPr id="4" name="Imagen 3"/>
+          <p:cNvPicPr>
+            <a:picLocks noChangeAspect="1"/>
+          </p:cNvPicPr>
+          <p:nvPr/>
+        </p:nvPicPr>
+        <p:blipFill rotWithShape="1">
+          <a:blip r:embed="rId2" cstate="print">
+            <a:extLst>
+              <a:ext uri="{28A0092B-C50C-407E-A947-70E740481C1C}">
+                <a14:useLocalDpi xmlns:a14="http://schemas.microsoft.com/office/drawing/2010/main" val="0"/>
+              </a:ext>
+            </a:extLst>
+          </a:blip>
+          <a:srcRect l="16960" t="14596" r="15496" b="20296"/>
+          <a:stretch/>
+        </p:blipFill>
+        <p:spPr>
+          <a:xfrm>
+            <a:off x="8789159" y="2311614"/>
+            <a:ext cx="2292823" cy="777922"/>
+          </a:xfrm>
+          <a:prstGeom prst="rect">
+            <a:avLst/>
+          </a:prstGeom>
+        </p:spPr>
+      </p:pic>
+    </p:spTree>
+    <p:extLst>
+      <p:ext uri="{BB962C8B-B14F-4D97-AF65-F5344CB8AC3E}">
+        <p14:creationId xmlns:p14="http://schemas.microsoft.com/office/powerpoint/2010/main" val="4073993235"/>
+      </p:ext>
+    </p:extLst>
+  </p:cSld>
+  <p:clrMapOvr>
+    <a:masterClrMapping/>
+  </p:clrMapOvr>
+  <p:timing>
+    <p:tnLst>
+      <p:par>
+        <p:cTn id="1" dur="indefinite" restart="never" nodeType="tmRoot"/>
+      </p:par>
+    </p:tnLst>
+  </p:timing>
+</p:sld>
+</file>
+
+<file path=ppt/slides/slide12.xml><?xml version="1.0" encoding="utf-8"?>
+<p:sld xmlns:a="http://schemas.openxmlformats.org/drawingml/2006/main" xmlns:r="http://schemas.openxmlformats.org/officeDocument/2006/relationships" xmlns:p="http://schemas.openxmlformats.org/presentationml/2006/main">
+  <p:cSld>
+    <p:spTree>
+      <p:nvGrpSpPr>
+        <p:cNvPr id="1" name=""/>
+        <p:cNvGrpSpPr/>
+        <p:nvPr/>
+      </p:nvGrpSpPr>
+      <p:grpSpPr>
+        <a:xfrm>
+          <a:off x="0" y="0"/>
+          <a:ext cx="0" cy="0"/>
+          <a:chOff x="0" y="0"/>
+          <a:chExt cx="0" cy="0"/>
+        </a:xfrm>
+      </p:grpSpPr>
+      <p:sp>
+        <p:nvSpPr>
+          <p:cNvPr id="2" name="Título 1"/>
+          <p:cNvSpPr>
+            <a:spLocks noGrp="1"/>
+          </p:cNvSpPr>
+          <p:nvPr>
+            <p:ph type="title"/>
+          </p:nvPr>
+        </p:nvSpPr>
+        <p:spPr/>
+        <p:txBody>
+          <a:bodyPr/>
+          <a:lstStyle/>
+          <a:p>
+            <a:r>
+              <a:rPr lang="es-ES" dirty="0" smtClean="0"/>
+              <a:t>Sincronización a través de un método </a:t>
+            </a:r>
+            <a:r>
+              <a:rPr lang="es-ES" dirty="0" err="1" smtClean="0"/>
+              <a:t>semi</a:t>
+            </a:r>
+            <a:r>
+              <a:rPr lang="es-ES" dirty="0" smtClean="0"/>
+              <a:t>-automático con Correlación Cruzada.</a:t>
+            </a:r>
+            <a:endParaRPr lang="es-ES" dirty="0"/>
+          </a:p>
+        </p:txBody>
+      </p:sp>
+      <p:sp>
+        <p:nvSpPr>
+          <p:cNvPr id="3" name="Marcador de contenido 2"/>
+          <p:cNvSpPr>
+            <a:spLocks noGrp="1"/>
+          </p:cNvSpPr>
+          <p:nvPr>
+            <p:ph idx="1"/>
+          </p:nvPr>
+        </p:nvSpPr>
+        <p:spPr/>
+        <p:txBody>
+          <a:bodyPr/>
+          <a:lstStyle/>
+          <a:p>
+            <a:r>
+              <a:rPr lang="es-ES" dirty="0" smtClean="0"/>
+              <a:t>Selecci</a:t>
+            </a:r>
+            <a:r>
+              <a:rPr lang="es-ES" dirty="0"/>
+              <a:t>ó</a:t>
+            </a:r>
+            <a:r>
+              <a:rPr lang="es-ES" dirty="0" smtClean="0"/>
+              <a:t>n </a:t>
+            </a:r>
+            <a:r>
+              <a:rPr lang="es-ES" dirty="0"/>
+              <a:t>de un rango de bandas de frecuencia y un pivote</a:t>
+            </a:r>
+            <a:r>
+              <a:rPr lang="es-ES" dirty="0" smtClean="0"/>
+              <a:t>.</a:t>
+            </a:r>
+          </a:p>
+          <a:p>
+            <a:r>
+              <a:rPr lang="es-ES" dirty="0" smtClean="0"/>
+              <a:t>C</a:t>
+            </a:r>
+            <a:r>
+              <a:rPr lang="es-ES" dirty="0"/>
+              <a:t>á</a:t>
+            </a:r>
+            <a:r>
+              <a:rPr lang="es-ES" dirty="0" smtClean="0"/>
+              <a:t>lculo </a:t>
+            </a:r>
+            <a:r>
+              <a:rPr lang="es-ES" dirty="0"/>
+              <a:t>de las </a:t>
+            </a:r>
+            <a:r>
+              <a:rPr lang="es-ES" dirty="0" smtClean="0"/>
+              <a:t>energ</a:t>
+            </a:r>
+            <a:r>
+              <a:rPr lang="es-ES" dirty="0"/>
+              <a:t>í</a:t>
+            </a:r>
+            <a:r>
+              <a:rPr lang="es-ES" dirty="0" smtClean="0"/>
+              <a:t>as </a:t>
+            </a:r>
+            <a:r>
+              <a:rPr lang="es-ES" dirty="0"/>
+              <a:t>temporales de </a:t>
+            </a:r>
+            <a:r>
+              <a:rPr lang="es-ES" dirty="0" smtClean="0"/>
+              <a:t>cada archivo.</a:t>
+            </a:r>
+          </a:p>
+          <a:p>
+            <a:r>
+              <a:rPr lang="es-ES" dirty="0" smtClean="0"/>
+              <a:t>Eliminación de ruido.</a:t>
+            </a:r>
+          </a:p>
+          <a:p>
+            <a:r>
+              <a:rPr lang="es-ES" dirty="0" smtClean="0">
+                <a:solidFill>
+                  <a:schemeClr val="accent3"/>
+                </a:solidFill>
+              </a:rPr>
+              <a:t>Identificación </a:t>
+            </a:r>
+            <a:r>
+              <a:rPr lang="es-ES" dirty="0">
+                <a:solidFill>
+                  <a:schemeClr val="accent3"/>
+                </a:solidFill>
+              </a:rPr>
+              <a:t>de picos de </a:t>
+            </a:r>
+            <a:r>
+              <a:rPr lang="es-ES" dirty="0" smtClean="0">
+                <a:solidFill>
+                  <a:schemeClr val="accent3"/>
+                </a:solidFill>
+              </a:rPr>
+              <a:t>energía </a:t>
+            </a:r>
+            <a:r>
+              <a:rPr lang="es-ES" dirty="0">
+                <a:solidFill>
+                  <a:schemeClr val="accent3"/>
+                </a:solidFill>
+              </a:rPr>
+              <a:t>en </a:t>
+            </a:r>
+            <a:r>
+              <a:rPr lang="es-ES" dirty="0" smtClean="0">
+                <a:solidFill>
+                  <a:schemeClr val="accent3"/>
+                </a:solidFill>
+              </a:rPr>
+              <a:t>las señales.</a:t>
+            </a:r>
+          </a:p>
+          <a:p>
+            <a:r>
+              <a:rPr lang="es-ES" dirty="0" smtClean="0">
+                <a:solidFill>
+                  <a:schemeClr val="accent3"/>
+                </a:solidFill>
+              </a:rPr>
+              <a:t>C</a:t>
+            </a:r>
+            <a:r>
+              <a:rPr lang="es-ES" dirty="0">
+                <a:solidFill>
+                  <a:schemeClr val="accent3"/>
+                </a:solidFill>
+              </a:rPr>
+              <a:t>á</a:t>
+            </a:r>
+            <a:r>
+              <a:rPr lang="es-ES" dirty="0" smtClean="0">
+                <a:solidFill>
+                  <a:schemeClr val="accent3"/>
+                </a:solidFill>
+              </a:rPr>
+              <a:t>lculo </a:t>
+            </a:r>
+            <a:r>
+              <a:rPr lang="es-ES" dirty="0">
+                <a:solidFill>
+                  <a:schemeClr val="accent3"/>
+                </a:solidFill>
+              </a:rPr>
+              <a:t>de los desfases (</a:t>
+            </a:r>
+            <a:r>
+              <a:rPr lang="es-ES" i="1" dirty="0" err="1" smtClean="0">
+                <a:solidFill>
+                  <a:schemeClr val="accent3"/>
+                </a:solidFill>
+              </a:rPr>
+              <a:t>lags</a:t>
+            </a:r>
+            <a:r>
+              <a:rPr lang="es-ES" dirty="0" smtClean="0">
+                <a:solidFill>
+                  <a:schemeClr val="accent3"/>
+                </a:solidFill>
+              </a:rPr>
+              <a:t>) </a:t>
+            </a:r>
+            <a:r>
+              <a:rPr lang="es-ES" dirty="0">
+                <a:solidFill>
+                  <a:schemeClr val="accent3"/>
+                </a:solidFill>
+              </a:rPr>
+              <a:t>entre los </a:t>
+            </a:r>
+            <a:r>
+              <a:rPr lang="es-ES" dirty="0" smtClean="0">
+                <a:solidFill>
+                  <a:schemeClr val="accent3"/>
+                </a:solidFill>
+              </a:rPr>
+              <a:t>picos de </a:t>
+            </a:r>
+            <a:r>
+              <a:rPr lang="es-ES" dirty="0">
+                <a:solidFill>
+                  <a:schemeClr val="accent3"/>
+                </a:solidFill>
+              </a:rPr>
+              <a:t>los archivos y el archivo pivote </a:t>
+            </a:r>
+            <a:r>
+              <a:rPr lang="es-ES" dirty="0" smtClean="0">
+                <a:solidFill>
+                  <a:schemeClr val="accent3"/>
+                </a:solidFill>
+              </a:rPr>
+              <a:t>mediante Correlación </a:t>
+            </a:r>
+            <a:r>
+              <a:rPr lang="es-ES" dirty="0">
+                <a:solidFill>
+                  <a:schemeClr val="accent3"/>
+                </a:solidFill>
+              </a:rPr>
+              <a:t>Cruzada</a:t>
+            </a:r>
+            <a:r>
+              <a:rPr lang="es-ES" dirty="0" smtClean="0">
+                <a:solidFill>
+                  <a:schemeClr val="accent3"/>
+                </a:solidFill>
+              </a:rPr>
+              <a:t>.</a:t>
+            </a:r>
+          </a:p>
+          <a:p>
+            <a:r>
+              <a:rPr lang="es-ES" dirty="0" smtClean="0">
+                <a:solidFill>
+                  <a:schemeClr val="accent3"/>
+                </a:solidFill>
+              </a:rPr>
+              <a:t>Aplicaci</a:t>
+            </a:r>
+            <a:r>
+              <a:rPr lang="es-ES" dirty="0">
+                <a:solidFill>
+                  <a:schemeClr val="accent3"/>
+                </a:solidFill>
+              </a:rPr>
+              <a:t>ó</a:t>
+            </a:r>
+            <a:r>
+              <a:rPr lang="es-ES" dirty="0" smtClean="0">
+                <a:solidFill>
+                  <a:schemeClr val="accent3"/>
+                </a:solidFill>
+              </a:rPr>
+              <a:t>n </a:t>
+            </a:r>
+            <a:r>
+              <a:rPr lang="es-ES" dirty="0">
+                <a:solidFill>
+                  <a:schemeClr val="accent3"/>
+                </a:solidFill>
+              </a:rPr>
+              <a:t>de los desfases a los </a:t>
+            </a:r>
+            <a:r>
+              <a:rPr lang="es-ES" dirty="0" smtClean="0">
+                <a:solidFill>
+                  <a:schemeClr val="accent3"/>
+                </a:solidFill>
+              </a:rPr>
+              <a:t>archivos originales </a:t>
+            </a:r>
+            <a:r>
+              <a:rPr lang="es-ES" dirty="0">
+                <a:solidFill>
+                  <a:schemeClr val="accent3"/>
+                </a:solidFill>
+              </a:rPr>
+              <a:t>para su </a:t>
+            </a:r>
+            <a:r>
+              <a:rPr lang="es-ES" dirty="0" smtClean="0">
+                <a:solidFill>
+                  <a:schemeClr val="accent3"/>
+                </a:solidFill>
+              </a:rPr>
+              <a:t>sincronizaci</a:t>
+            </a:r>
+            <a:r>
+              <a:rPr lang="es-ES" dirty="0">
+                <a:solidFill>
+                  <a:schemeClr val="accent3"/>
+                </a:solidFill>
+              </a:rPr>
+              <a:t>ó</a:t>
+            </a:r>
+            <a:r>
+              <a:rPr lang="es-ES" dirty="0" smtClean="0">
+                <a:solidFill>
+                  <a:schemeClr val="accent3"/>
+                </a:solidFill>
+              </a:rPr>
+              <a:t>n</a:t>
+            </a:r>
+            <a:r>
+              <a:rPr lang="es-ES" dirty="0">
+                <a:solidFill>
+                  <a:schemeClr val="accent3"/>
+                </a:solidFill>
+              </a:rPr>
+              <a:t>.</a:t>
+            </a:r>
+          </a:p>
+        </p:txBody>
+      </p:sp>
+    </p:spTree>
+    <p:extLst>
+      <p:ext uri="{BB962C8B-B14F-4D97-AF65-F5344CB8AC3E}">
+        <p14:creationId xmlns:p14="http://schemas.microsoft.com/office/powerpoint/2010/main" val="3073489184"/>
+      </p:ext>
+    </p:extLst>
+  </p:cSld>
+  <p:clrMapOvr>
+    <a:masterClrMapping/>
+  </p:clrMapOvr>
+  <p:timing>
+    <p:tnLst>
+      <p:par>
+        <p:cTn id="1" dur="indefinite" restart="never" nodeType="tmRoot"/>
+      </p:par>
+    </p:tnLst>
+  </p:timing>
+</p:sld>
+</file>
+
 <file path=ppt/slides/slide13.xml><?xml version="1.0" encoding="utf-8"?>
 <p:sld xmlns:a="http://schemas.openxmlformats.org/drawingml/2006/main" xmlns:r="http://schemas.openxmlformats.org/officeDocument/2006/relationships" xmlns:p="http://schemas.openxmlformats.org/presentationml/2006/main">
   <p:cSld>
@@ -4175,55 +4223,313 @@
         </p:nvSpPr>
         <p:spPr/>
         <p:txBody>
-          <a:bodyPr>
-            <a:normAutofit fontScale="90000"/>
-          </a:bodyPr>
-          <a:lstStyle/>
-          <a:p>
+          <a:bodyPr/>
+          <a:lstStyle/>
+          <a:p>
+            <a:r>
+              <a:rPr lang="es-ES" dirty="0" smtClean="0"/>
+              <a:t>Sincronización a través de un método </a:t>
+            </a:r>
+            <a:r>
+              <a:rPr lang="es-ES" dirty="0" err="1" smtClean="0"/>
+              <a:t>semi</a:t>
+            </a:r>
+            <a:r>
+              <a:rPr lang="es-ES" dirty="0" smtClean="0"/>
+              <a:t>-automático con Correlación Cruzada.</a:t>
+            </a:r>
+            <a:endParaRPr lang="es-ES" dirty="0"/>
+          </a:p>
+        </p:txBody>
+      </p:sp>
+      <p:sp>
+        <p:nvSpPr>
+          <p:cNvPr id="3" name="Marcador de contenido 2"/>
+          <p:cNvSpPr>
+            <a:spLocks noGrp="1"/>
+          </p:cNvSpPr>
+          <p:nvPr>
+            <p:ph idx="1"/>
+          </p:nvPr>
+        </p:nvSpPr>
+        <p:spPr/>
+        <p:txBody>
+          <a:bodyPr/>
+          <a:lstStyle/>
+          <a:p>
+            <a:r>
+              <a:rPr lang="es-ES" dirty="0" smtClean="0"/>
+              <a:t>Selecci</a:t>
+            </a:r>
             <a:r>
               <a:rPr lang="es-ES" dirty="0"/>
-              <a:t>Cálculo de las energías temporales de cada archivo.</a:t>
-            </a:r>
-            <a:br>
+              <a:t>ó</a:t>
+            </a:r>
+            <a:r>
+              <a:rPr lang="es-ES" dirty="0" smtClean="0"/>
+              <a:t>n </a:t>
+            </a:r>
+            <a:r>
               <a:rPr lang="es-ES" dirty="0"/>
-            </a:br>
-            <a:endParaRPr lang="es-ES" dirty="0"/>
-          </a:p>
-        </p:txBody>
-      </p:sp>
-      <p:pic>
-        <p:nvPicPr>
-          <p:cNvPr id="4" name="Marcador de contenido 3"/>
-          <p:cNvPicPr>
-            <a:picLocks noGrp="1" noChangeAspect="1"/>
-          </p:cNvPicPr>
-          <p:nvPr>
-            <p:ph idx="1"/>
-          </p:nvPr>
-        </p:nvPicPr>
-        <p:blipFill>
-          <a:blip r:embed="rId2">
-            <a:extLst>
-              <a:ext uri="{28A0092B-C50C-407E-A947-70E740481C1C}">
-                <a14:useLocalDpi xmlns:a14="http://schemas.microsoft.com/office/drawing/2010/main" val="0"/>
-              </a:ext>
-            </a:extLst>
-          </a:blip>
-          <a:stretch>
-            <a:fillRect/>
-          </a:stretch>
-        </p:blipFill>
-        <p:spPr>
-          <a:xfrm>
-            <a:off x="0" y="1323831"/>
-            <a:ext cx="11152756" cy="5534169"/>
-          </a:xfrm>
-        </p:spPr>
-      </p:pic>
+              <a:t>de un rango de bandas de frecuencia y un pivote</a:t>
+            </a:r>
+            <a:r>
+              <a:rPr lang="es-ES" dirty="0" smtClean="0"/>
+              <a:t>.</a:t>
+            </a:r>
+          </a:p>
+          <a:p>
+            <a:r>
+              <a:rPr lang="es-ES" dirty="0" smtClean="0"/>
+              <a:t>C</a:t>
+            </a:r>
+            <a:r>
+              <a:rPr lang="es-ES" dirty="0"/>
+              <a:t>á</a:t>
+            </a:r>
+            <a:r>
+              <a:rPr lang="es-ES" dirty="0" smtClean="0"/>
+              <a:t>lculo </a:t>
+            </a:r>
+            <a:r>
+              <a:rPr lang="es-ES" dirty="0"/>
+              <a:t>de las </a:t>
+            </a:r>
+            <a:r>
+              <a:rPr lang="es-ES" dirty="0" smtClean="0"/>
+              <a:t>energ</a:t>
+            </a:r>
+            <a:r>
+              <a:rPr lang="es-ES" dirty="0"/>
+              <a:t>í</a:t>
+            </a:r>
+            <a:r>
+              <a:rPr lang="es-ES" dirty="0" smtClean="0"/>
+              <a:t>as </a:t>
+            </a:r>
+            <a:r>
+              <a:rPr lang="es-ES" dirty="0"/>
+              <a:t>temporales de </a:t>
+            </a:r>
+            <a:r>
+              <a:rPr lang="es-ES" dirty="0" smtClean="0"/>
+              <a:t>cada archivo.</a:t>
+            </a:r>
+          </a:p>
+          <a:p>
+            <a:r>
+              <a:rPr lang="es-ES" dirty="0" smtClean="0"/>
+              <a:t>Eliminación de ruido.</a:t>
+            </a:r>
+          </a:p>
+          <a:p>
+            <a:r>
+              <a:rPr lang="es-ES" dirty="0" smtClean="0"/>
+              <a:t>Identificación </a:t>
+            </a:r>
+            <a:r>
+              <a:rPr lang="es-ES" dirty="0"/>
+              <a:t>de picos de </a:t>
+            </a:r>
+            <a:r>
+              <a:rPr lang="es-ES" dirty="0" smtClean="0"/>
+              <a:t>energía </a:t>
+            </a:r>
+            <a:r>
+              <a:rPr lang="es-ES" dirty="0"/>
+              <a:t>en </a:t>
+            </a:r>
+            <a:r>
+              <a:rPr lang="es-ES" dirty="0" smtClean="0"/>
+              <a:t>las señales.</a:t>
+            </a:r>
+          </a:p>
+          <a:p>
+            <a:r>
+              <a:rPr lang="es-ES" dirty="0" smtClean="0">
+                <a:solidFill>
+                  <a:schemeClr val="accent3"/>
+                </a:solidFill>
+              </a:rPr>
+              <a:t>C</a:t>
+            </a:r>
+            <a:r>
+              <a:rPr lang="es-ES" dirty="0">
+                <a:solidFill>
+                  <a:schemeClr val="accent3"/>
+                </a:solidFill>
+              </a:rPr>
+              <a:t>á</a:t>
+            </a:r>
+            <a:r>
+              <a:rPr lang="es-ES" dirty="0" smtClean="0">
+                <a:solidFill>
+                  <a:schemeClr val="accent3"/>
+                </a:solidFill>
+              </a:rPr>
+              <a:t>lculo </a:t>
+            </a:r>
+            <a:r>
+              <a:rPr lang="es-ES" dirty="0">
+                <a:solidFill>
+                  <a:schemeClr val="accent3"/>
+                </a:solidFill>
+              </a:rPr>
+              <a:t>de los desfases (</a:t>
+            </a:r>
+            <a:r>
+              <a:rPr lang="es-ES" i="1" dirty="0" err="1" smtClean="0">
+                <a:solidFill>
+                  <a:schemeClr val="accent3"/>
+                </a:solidFill>
+              </a:rPr>
+              <a:t>lags</a:t>
+            </a:r>
+            <a:r>
+              <a:rPr lang="es-ES" dirty="0" smtClean="0">
+                <a:solidFill>
+                  <a:schemeClr val="accent3"/>
+                </a:solidFill>
+              </a:rPr>
+              <a:t>) </a:t>
+            </a:r>
+            <a:r>
+              <a:rPr lang="es-ES" dirty="0">
+                <a:solidFill>
+                  <a:schemeClr val="accent3"/>
+                </a:solidFill>
+              </a:rPr>
+              <a:t>entre los </a:t>
+            </a:r>
+            <a:r>
+              <a:rPr lang="es-ES" dirty="0" smtClean="0">
+                <a:solidFill>
+                  <a:schemeClr val="accent3"/>
+                </a:solidFill>
+              </a:rPr>
+              <a:t>picos de </a:t>
+            </a:r>
+            <a:r>
+              <a:rPr lang="es-ES" dirty="0">
+                <a:solidFill>
+                  <a:schemeClr val="accent3"/>
+                </a:solidFill>
+              </a:rPr>
+              <a:t>los archivos y el archivo pivote </a:t>
+            </a:r>
+            <a:r>
+              <a:rPr lang="es-ES" dirty="0" smtClean="0">
+                <a:solidFill>
+                  <a:schemeClr val="accent3"/>
+                </a:solidFill>
+              </a:rPr>
+              <a:t>mediante Correlación </a:t>
+            </a:r>
+            <a:r>
+              <a:rPr lang="es-ES" dirty="0">
+                <a:solidFill>
+                  <a:schemeClr val="accent3"/>
+                </a:solidFill>
+              </a:rPr>
+              <a:t>Cruzada</a:t>
+            </a:r>
+            <a:r>
+              <a:rPr lang="es-ES" dirty="0" smtClean="0">
+                <a:solidFill>
+                  <a:schemeClr val="accent3"/>
+                </a:solidFill>
+              </a:rPr>
+              <a:t>.</a:t>
+            </a:r>
+          </a:p>
+          <a:p>
+            <a:r>
+              <a:rPr lang="es-ES" dirty="0" smtClean="0">
+                <a:solidFill>
+                  <a:schemeClr val="accent3"/>
+                </a:solidFill>
+              </a:rPr>
+              <a:t>Aplicaci</a:t>
+            </a:r>
+            <a:r>
+              <a:rPr lang="es-ES" dirty="0">
+                <a:solidFill>
+                  <a:schemeClr val="accent3"/>
+                </a:solidFill>
+              </a:rPr>
+              <a:t>ó</a:t>
+            </a:r>
+            <a:r>
+              <a:rPr lang="es-ES" dirty="0" smtClean="0">
+                <a:solidFill>
+                  <a:schemeClr val="accent3"/>
+                </a:solidFill>
+              </a:rPr>
+              <a:t>n </a:t>
+            </a:r>
+            <a:r>
+              <a:rPr lang="es-ES" dirty="0">
+                <a:solidFill>
+                  <a:schemeClr val="accent3"/>
+                </a:solidFill>
+              </a:rPr>
+              <a:t>de los desfases a los </a:t>
+            </a:r>
+            <a:r>
+              <a:rPr lang="es-ES" dirty="0" smtClean="0">
+                <a:solidFill>
+                  <a:schemeClr val="accent3"/>
+                </a:solidFill>
+              </a:rPr>
+              <a:t>archivos originales </a:t>
+            </a:r>
+            <a:r>
+              <a:rPr lang="es-ES" dirty="0">
+                <a:solidFill>
+                  <a:schemeClr val="accent3"/>
+                </a:solidFill>
+              </a:rPr>
+              <a:t>para su </a:t>
+            </a:r>
+            <a:r>
+              <a:rPr lang="es-ES" dirty="0" smtClean="0">
+                <a:solidFill>
+                  <a:schemeClr val="accent3"/>
+                </a:solidFill>
+              </a:rPr>
+              <a:t>sincronizaci</a:t>
+            </a:r>
+            <a:r>
+              <a:rPr lang="es-ES" dirty="0">
+                <a:solidFill>
+                  <a:schemeClr val="accent3"/>
+                </a:solidFill>
+              </a:rPr>
+              <a:t>ó</a:t>
+            </a:r>
+            <a:r>
+              <a:rPr lang="es-ES" dirty="0" smtClean="0">
+                <a:solidFill>
+                  <a:schemeClr val="accent3"/>
+                </a:solidFill>
+              </a:rPr>
+              <a:t>n</a:t>
+            </a:r>
+            <a:r>
+              <a:rPr lang="es-ES" dirty="0">
+                <a:solidFill>
+                  <a:schemeClr val="accent3"/>
+                </a:solidFill>
+              </a:rPr>
+              <a:t>.</a:t>
+            </a:r>
+          </a:p>
+        </p:txBody>
+      </p:sp>
     </p:spTree>
     <p:extLst>
       <p:ext uri="{BB962C8B-B14F-4D97-AF65-F5344CB8AC3E}">
-        <p14:creationId xmlns:p14="http://schemas.microsoft.com/office/powerpoint/2010/main" val="3892155893"/>
+        <p14:creationId xmlns:p14="http://schemas.microsoft.com/office/powerpoint/2010/main" val="3905511028"/>
       </p:ext>
     </p:extLst>
   </p:cSld>
@@ -4241,289 +4547,6 @@
 </file>
 
 <file path=ppt/slides/slide14.xml><?xml version="1.0" encoding="utf-8"?>
-<p:sld xmlns:a="http://schemas.openxmlformats.org/drawingml/2006/main" xmlns:r="http://schemas.openxmlformats.org/officeDocument/2006/relationships" xmlns:p="http://schemas.openxmlformats.org/presentationml/2006/main">
-  <p:cSld>
-    <p:spTree>
-      <p:nvGrpSpPr>
-        <p:cNvPr id="1" name=""/>
-        <p:cNvGrpSpPr/>
-        <p:nvPr/>
-      </p:nvGrpSpPr>
-      <p:grpSpPr>
-        <a:xfrm>
-          <a:off x="0" y="0"/>
-          <a:ext cx="0" cy="0"/>
-          <a:chOff x="0" y="0"/>
-          <a:chExt cx="0" cy="0"/>
-        </a:xfrm>
-      </p:grpSpPr>
-      <p:sp>
-        <p:nvSpPr>
-          <p:cNvPr id="2" name="Título 1"/>
-          <p:cNvSpPr>
-            <a:spLocks noGrp="1"/>
-          </p:cNvSpPr>
-          <p:nvPr>
-            <p:ph type="title"/>
-          </p:nvPr>
-        </p:nvSpPr>
-        <p:spPr/>
-        <p:txBody>
-          <a:bodyPr>
-            <a:normAutofit fontScale="90000"/>
-          </a:bodyPr>
-          <a:lstStyle/>
-          <a:p>
-            <a:r>
-              <a:rPr lang="es-ES" dirty="0"/>
-              <a:t>Cálculo de las energías temporales de cada archivo.</a:t>
-            </a:r>
-            <a:br>
-              <a:rPr lang="es-ES" dirty="0"/>
-            </a:br>
-            <a:endParaRPr lang="es-ES" dirty="0"/>
-          </a:p>
-        </p:txBody>
-      </p:sp>
-      <p:pic>
-        <p:nvPicPr>
-          <p:cNvPr id="4" name="Marcador de contenido 3"/>
-          <p:cNvPicPr>
-            <a:picLocks noGrp="1" noChangeAspect="1"/>
-          </p:cNvPicPr>
-          <p:nvPr>
-            <p:ph idx="1"/>
-          </p:nvPr>
-        </p:nvPicPr>
-        <p:blipFill>
-          <a:blip r:embed="rId2">
-            <a:extLst>
-              <a:ext uri="{28A0092B-C50C-407E-A947-70E740481C1C}">
-                <a14:useLocalDpi xmlns:a14="http://schemas.microsoft.com/office/drawing/2010/main" val="0"/>
-              </a:ext>
-            </a:extLst>
-          </a:blip>
-          <a:stretch>
-            <a:fillRect/>
-          </a:stretch>
-        </p:blipFill>
-        <p:spPr>
-          <a:xfrm>
-            <a:off x="0" y="1323831"/>
-            <a:ext cx="11152756" cy="5534169"/>
-          </a:xfrm>
-        </p:spPr>
-      </p:pic>
-      <p:pic>
-        <p:nvPicPr>
-          <p:cNvPr id="7" name="Imagen 6"/>
-          <p:cNvPicPr>
-            <a:picLocks noChangeAspect="1"/>
-          </p:cNvPicPr>
-          <p:nvPr/>
-        </p:nvPicPr>
-        <p:blipFill rotWithShape="1">
-          <a:blip r:embed="rId3" cstate="print">
-            <a:extLst>
-              <a:ext uri="{28A0092B-C50C-407E-A947-70E740481C1C}">
-                <a14:useLocalDpi xmlns:a14="http://schemas.microsoft.com/office/drawing/2010/main" val="0"/>
-              </a:ext>
-            </a:extLst>
-          </a:blip>
-          <a:srcRect l="6474" t="21432" r="6696" b="16961"/>
-          <a:stretch/>
-        </p:blipFill>
-        <p:spPr>
-          <a:xfrm>
-            <a:off x="5268036" y="3425588"/>
-            <a:ext cx="5308979" cy="1255594"/>
-          </a:xfrm>
-          <a:prstGeom prst="rect">
-            <a:avLst/>
-          </a:prstGeom>
-        </p:spPr>
-      </p:pic>
-      <p:pic>
-        <p:nvPicPr>
-          <p:cNvPr id="5" name="Imagen 4"/>
-          <p:cNvPicPr>
-            <a:picLocks noChangeAspect="1"/>
-          </p:cNvPicPr>
-          <p:nvPr/>
-        </p:nvPicPr>
-        <p:blipFill rotWithShape="1">
-          <a:blip r:embed="rId4" cstate="print">
-            <a:extLst>
-              <a:ext uri="{28A0092B-C50C-407E-A947-70E740481C1C}">
-                <a14:useLocalDpi xmlns:a14="http://schemas.microsoft.com/office/drawing/2010/main" val="0"/>
-              </a:ext>
-            </a:extLst>
-          </a:blip>
-          <a:srcRect l="16960" t="14596" r="15496" b="20296"/>
-          <a:stretch/>
-        </p:blipFill>
-        <p:spPr>
-          <a:xfrm>
-            <a:off x="5268036" y="2557274"/>
-            <a:ext cx="2292823" cy="777922"/>
-          </a:xfrm>
-          <a:prstGeom prst="rect">
-            <a:avLst/>
-          </a:prstGeom>
-        </p:spPr>
-      </p:pic>
-    </p:spTree>
-    <p:extLst>
-      <p:ext uri="{BB962C8B-B14F-4D97-AF65-F5344CB8AC3E}">
-        <p14:creationId xmlns:p14="http://schemas.microsoft.com/office/powerpoint/2010/main" val="645425804"/>
-      </p:ext>
-    </p:extLst>
-  </p:cSld>
-  <p:clrMapOvr>
-    <a:masterClrMapping/>
-  </p:clrMapOvr>
-  <p:timing>
-    <p:tnLst>
-      <p:par>
-        <p:cTn id="1" dur="indefinite" restart="never" nodeType="tmRoot"/>
-      </p:par>
-    </p:tnLst>
-  </p:timing>
-</p:sld>
-</file>
-
-<file path=ppt/slides/slide15.xml><?xml version="1.0" encoding="utf-8"?>
-<p:sld xmlns:a="http://schemas.openxmlformats.org/drawingml/2006/main" xmlns:r="http://schemas.openxmlformats.org/officeDocument/2006/relationships" xmlns:p="http://schemas.openxmlformats.org/presentationml/2006/main">
-  <p:cSld>
-    <p:spTree>
-      <p:nvGrpSpPr>
-        <p:cNvPr id="1" name=""/>
-        <p:cNvGrpSpPr/>
-        <p:nvPr/>
-      </p:nvGrpSpPr>
-      <p:grpSpPr>
-        <a:xfrm>
-          <a:off x="0" y="0"/>
-          <a:ext cx="0" cy="0"/>
-          <a:chOff x="0" y="0"/>
-          <a:chExt cx="0" cy="0"/>
-        </a:xfrm>
-      </p:grpSpPr>
-      <p:sp>
-        <p:nvSpPr>
-          <p:cNvPr id="2" name="Título 1"/>
-          <p:cNvSpPr>
-            <a:spLocks noGrp="1"/>
-          </p:cNvSpPr>
-          <p:nvPr>
-            <p:ph type="title"/>
-          </p:nvPr>
-        </p:nvSpPr>
-        <p:spPr>
-          <a:xfrm>
-            <a:off x="838200" y="52859"/>
-            <a:ext cx="10515600" cy="1325563"/>
-          </a:xfrm>
-        </p:spPr>
-        <p:txBody>
-          <a:bodyPr/>
-          <a:lstStyle/>
-          <a:p>
-            <a:r>
-              <a:rPr lang="es-ES" dirty="0" smtClean="0"/>
-              <a:t>Eliminación de ruido.</a:t>
-            </a:r>
-            <a:endParaRPr lang="es-ES" dirty="0"/>
-          </a:p>
-        </p:txBody>
-      </p:sp>
-      <p:pic>
-        <p:nvPicPr>
-          <p:cNvPr id="4" name="Marcador de contenido 3"/>
-          <p:cNvPicPr>
-            <a:picLocks noGrp="1" noChangeAspect="1"/>
-          </p:cNvPicPr>
-          <p:nvPr>
-            <p:ph idx="1"/>
-          </p:nvPr>
-        </p:nvPicPr>
-        <p:blipFill rotWithShape="1">
-          <a:blip r:embed="rId2" cstate="print">
-            <a:extLst>
-              <a:ext uri="{28A0092B-C50C-407E-A947-70E740481C1C}">
-                <a14:useLocalDpi xmlns:a14="http://schemas.microsoft.com/office/drawing/2010/main" val="0"/>
-              </a:ext>
-            </a:extLst>
-          </a:blip>
-          <a:srcRect l="33523" t="66968" r="33654" b="249"/>
-          <a:stretch/>
-        </p:blipFill>
-        <p:spPr>
-          <a:xfrm>
-            <a:off x="183108" y="1378422"/>
-            <a:ext cx="5479575" cy="5479578"/>
-          </a:xfrm>
-        </p:spPr>
-      </p:pic>
-      <p:sp>
-        <p:nvSpPr>
-          <p:cNvPr id="5" name="CuadroTexto 4"/>
-          <p:cNvSpPr txBox="1"/>
-          <p:nvPr/>
-        </p:nvSpPr>
-        <p:spPr>
-          <a:xfrm>
-            <a:off x="5662684" y="1569492"/>
-            <a:ext cx="6292756" cy="1815882"/>
-          </a:xfrm>
-          <a:prstGeom prst="rect">
-            <a:avLst/>
-          </a:prstGeom>
-          <a:noFill/>
-        </p:spPr>
-        <p:txBody>
-          <a:bodyPr wrap="square" rtlCol="0">
-            <a:spAutoFit/>
-          </a:bodyPr>
-          <a:lstStyle/>
-          <a:p>
-            <a:r>
-              <a:rPr lang="es-ES" sz="2800" dirty="0" smtClean="0"/>
-              <a:t>Se calcula, para cada archivo, el ancho del primer </a:t>
-            </a:r>
-            <a:r>
-              <a:rPr lang="es-ES" sz="2800" i="1" dirty="0" err="1" smtClean="0"/>
-              <a:t>bin</a:t>
-            </a:r>
-            <a:r>
-              <a:rPr lang="es-ES" sz="2800" dirty="0" smtClean="0"/>
-              <a:t> y  dicho valor se establece como mínimo de energía admisible para el archivo correspondiente.</a:t>
-            </a:r>
-            <a:endParaRPr lang="es-ES" sz="2800" dirty="0"/>
-          </a:p>
-        </p:txBody>
-      </p:sp>
-    </p:spTree>
-    <p:extLst>
-      <p:ext uri="{BB962C8B-B14F-4D97-AF65-F5344CB8AC3E}">
-        <p14:creationId xmlns:p14="http://schemas.microsoft.com/office/powerpoint/2010/main" val="194099205"/>
-      </p:ext>
-    </p:extLst>
-  </p:cSld>
-  <p:clrMapOvr>
-    <a:masterClrMapping/>
-  </p:clrMapOvr>
-  <p:timing>
-    <p:tnLst>
-      <p:par>
-        <p:cTn id="1" dur="indefinite" restart="never" nodeType="tmRoot"/>
-      </p:par>
-    </p:tnLst>
-  </p:timing>
-</p:sld>
-</file>
-
-<file path=ppt/slides/slide16.xml><?xml version="1.0" encoding="utf-8"?>
 <p:sld xmlns:a="http://schemas.openxmlformats.org/drawingml/2006/main" xmlns:r="http://schemas.openxmlformats.org/officeDocument/2006/relationships" xmlns:p="http://schemas.openxmlformats.org/presentationml/2006/main">
   <p:cSld>
     <p:spTree>
@@ -4617,6 +4640,505 @@
 </p:sld>
 </file>
 
+<file path=ppt/slides/slide15.xml><?xml version="1.0" encoding="utf-8"?>
+<p:sld xmlns:a="http://schemas.openxmlformats.org/drawingml/2006/main" xmlns:r="http://schemas.openxmlformats.org/officeDocument/2006/relationships" xmlns:p="http://schemas.openxmlformats.org/presentationml/2006/main">
+  <p:cSld>
+    <p:spTree>
+      <p:nvGrpSpPr>
+        <p:cNvPr id="1" name=""/>
+        <p:cNvGrpSpPr/>
+        <p:nvPr/>
+      </p:nvGrpSpPr>
+      <p:grpSpPr>
+        <a:xfrm>
+          <a:off x="0" y="0"/>
+          <a:ext cx="0" cy="0"/>
+          <a:chOff x="0" y="0"/>
+          <a:chExt cx="0" cy="0"/>
+        </a:xfrm>
+      </p:grpSpPr>
+      <p:sp>
+        <p:nvSpPr>
+          <p:cNvPr id="2" name="Título 1"/>
+          <p:cNvSpPr>
+            <a:spLocks noGrp="1"/>
+          </p:cNvSpPr>
+          <p:nvPr>
+            <p:ph type="title"/>
+          </p:nvPr>
+        </p:nvSpPr>
+        <p:spPr/>
+        <p:txBody>
+          <a:bodyPr/>
+          <a:lstStyle/>
+          <a:p>
+            <a:r>
+              <a:rPr lang="es-ES" dirty="0" smtClean="0"/>
+              <a:t>Sincronización a través de un método </a:t>
+            </a:r>
+            <a:r>
+              <a:rPr lang="es-ES" dirty="0" err="1" smtClean="0"/>
+              <a:t>semi</a:t>
+            </a:r>
+            <a:r>
+              <a:rPr lang="es-ES" dirty="0" smtClean="0"/>
+              <a:t>-automático con Correlación Cruzada.</a:t>
+            </a:r>
+            <a:endParaRPr lang="es-ES" dirty="0"/>
+          </a:p>
+        </p:txBody>
+      </p:sp>
+      <p:sp>
+        <p:nvSpPr>
+          <p:cNvPr id="3" name="Marcador de contenido 2"/>
+          <p:cNvSpPr>
+            <a:spLocks noGrp="1"/>
+          </p:cNvSpPr>
+          <p:nvPr>
+            <p:ph idx="1"/>
+          </p:nvPr>
+        </p:nvSpPr>
+        <p:spPr/>
+        <p:txBody>
+          <a:bodyPr/>
+          <a:lstStyle/>
+          <a:p>
+            <a:r>
+              <a:rPr lang="es-ES" dirty="0" smtClean="0"/>
+              <a:t>Selecci</a:t>
+            </a:r>
+            <a:r>
+              <a:rPr lang="es-ES" dirty="0"/>
+              <a:t>ó</a:t>
+            </a:r>
+            <a:r>
+              <a:rPr lang="es-ES" dirty="0" smtClean="0"/>
+              <a:t>n </a:t>
+            </a:r>
+            <a:r>
+              <a:rPr lang="es-ES" dirty="0"/>
+              <a:t>de un rango de bandas de frecuencia y un pivote</a:t>
+            </a:r>
+            <a:r>
+              <a:rPr lang="es-ES" dirty="0" smtClean="0"/>
+              <a:t>.</a:t>
+            </a:r>
+          </a:p>
+          <a:p>
+            <a:r>
+              <a:rPr lang="es-ES" dirty="0" smtClean="0"/>
+              <a:t>C</a:t>
+            </a:r>
+            <a:r>
+              <a:rPr lang="es-ES" dirty="0"/>
+              <a:t>á</a:t>
+            </a:r>
+            <a:r>
+              <a:rPr lang="es-ES" dirty="0" smtClean="0"/>
+              <a:t>lculo </a:t>
+            </a:r>
+            <a:r>
+              <a:rPr lang="es-ES" dirty="0"/>
+              <a:t>de las </a:t>
+            </a:r>
+            <a:r>
+              <a:rPr lang="es-ES" dirty="0" smtClean="0"/>
+              <a:t>energ</a:t>
+            </a:r>
+            <a:r>
+              <a:rPr lang="es-ES" dirty="0"/>
+              <a:t>í</a:t>
+            </a:r>
+            <a:r>
+              <a:rPr lang="es-ES" dirty="0" smtClean="0"/>
+              <a:t>as </a:t>
+            </a:r>
+            <a:r>
+              <a:rPr lang="es-ES" dirty="0"/>
+              <a:t>temporales de </a:t>
+            </a:r>
+            <a:r>
+              <a:rPr lang="es-ES" dirty="0" smtClean="0"/>
+              <a:t>cada archivo.</a:t>
+            </a:r>
+          </a:p>
+          <a:p>
+            <a:r>
+              <a:rPr lang="es-ES" dirty="0" smtClean="0"/>
+              <a:t>Eliminación de ruido.</a:t>
+            </a:r>
+          </a:p>
+          <a:p>
+            <a:r>
+              <a:rPr lang="es-ES" dirty="0" smtClean="0"/>
+              <a:t>Identificación </a:t>
+            </a:r>
+            <a:r>
+              <a:rPr lang="es-ES" dirty="0"/>
+              <a:t>de picos de </a:t>
+            </a:r>
+            <a:r>
+              <a:rPr lang="es-ES" dirty="0" smtClean="0"/>
+              <a:t>energía </a:t>
+            </a:r>
+            <a:r>
+              <a:rPr lang="es-ES" dirty="0"/>
+              <a:t>en </a:t>
+            </a:r>
+            <a:r>
+              <a:rPr lang="es-ES" dirty="0" smtClean="0"/>
+              <a:t>las señales.</a:t>
+            </a:r>
+          </a:p>
+          <a:p>
+            <a:r>
+              <a:rPr lang="es-ES" dirty="0" smtClean="0"/>
+              <a:t>C</a:t>
+            </a:r>
+            <a:r>
+              <a:rPr lang="es-ES" dirty="0"/>
+              <a:t>á</a:t>
+            </a:r>
+            <a:r>
+              <a:rPr lang="es-ES" dirty="0" smtClean="0"/>
+              <a:t>lculo </a:t>
+            </a:r>
+            <a:r>
+              <a:rPr lang="es-ES" dirty="0"/>
+              <a:t>de los desfases (</a:t>
+            </a:r>
+            <a:r>
+              <a:rPr lang="es-ES" i="1" dirty="0" err="1" smtClean="0"/>
+              <a:t>lags</a:t>
+            </a:r>
+            <a:r>
+              <a:rPr lang="es-ES" dirty="0" smtClean="0"/>
+              <a:t>) </a:t>
+            </a:r>
+            <a:r>
+              <a:rPr lang="es-ES" dirty="0"/>
+              <a:t>entre los </a:t>
+            </a:r>
+            <a:r>
+              <a:rPr lang="es-ES" dirty="0" smtClean="0"/>
+              <a:t>picos de </a:t>
+            </a:r>
+            <a:r>
+              <a:rPr lang="es-ES" dirty="0"/>
+              <a:t>los archivos y el archivo pivote </a:t>
+            </a:r>
+            <a:r>
+              <a:rPr lang="es-ES" dirty="0" smtClean="0"/>
+              <a:t>mediante Correlación </a:t>
+            </a:r>
+            <a:r>
+              <a:rPr lang="es-ES" dirty="0"/>
+              <a:t>Cruzada</a:t>
+            </a:r>
+            <a:r>
+              <a:rPr lang="es-ES" dirty="0" smtClean="0"/>
+              <a:t>.</a:t>
+            </a:r>
+          </a:p>
+          <a:p>
+            <a:r>
+              <a:rPr lang="es-ES" dirty="0" smtClean="0">
+                <a:solidFill>
+                  <a:schemeClr val="accent3"/>
+                </a:solidFill>
+              </a:rPr>
+              <a:t>Aplicaci</a:t>
+            </a:r>
+            <a:r>
+              <a:rPr lang="es-ES" dirty="0">
+                <a:solidFill>
+                  <a:schemeClr val="accent3"/>
+                </a:solidFill>
+              </a:rPr>
+              <a:t>ó</a:t>
+            </a:r>
+            <a:r>
+              <a:rPr lang="es-ES" dirty="0" smtClean="0">
+                <a:solidFill>
+                  <a:schemeClr val="accent3"/>
+                </a:solidFill>
+              </a:rPr>
+              <a:t>n </a:t>
+            </a:r>
+            <a:r>
+              <a:rPr lang="es-ES" dirty="0">
+                <a:solidFill>
+                  <a:schemeClr val="accent3"/>
+                </a:solidFill>
+              </a:rPr>
+              <a:t>de los desfases a los </a:t>
+            </a:r>
+            <a:r>
+              <a:rPr lang="es-ES" dirty="0" smtClean="0">
+                <a:solidFill>
+                  <a:schemeClr val="accent3"/>
+                </a:solidFill>
+              </a:rPr>
+              <a:t>archivos originales </a:t>
+            </a:r>
+            <a:r>
+              <a:rPr lang="es-ES" dirty="0">
+                <a:solidFill>
+                  <a:schemeClr val="accent3"/>
+                </a:solidFill>
+              </a:rPr>
+              <a:t>para su </a:t>
+            </a:r>
+            <a:r>
+              <a:rPr lang="es-ES" dirty="0" smtClean="0">
+                <a:solidFill>
+                  <a:schemeClr val="accent3"/>
+                </a:solidFill>
+              </a:rPr>
+              <a:t>sincronizaci</a:t>
+            </a:r>
+            <a:r>
+              <a:rPr lang="es-ES" dirty="0">
+                <a:solidFill>
+                  <a:schemeClr val="accent3"/>
+                </a:solidFill>
+              </a:rPr>
+              <a:t>ó</a:t>
+            </a:r>
+            <a:r>
+              <a:rPr lang="es-ES" dirty="0" smtClean="0">
+                <a:solidFill>
+                  <a:schemeClr val="accent3"/>
+                </a:solidFill>
+              </a:rPr>
+              <a:t>n</a:t>
+            </a:r>
+            <a:r>
+              <a:rPr lang="es-ES" dirty="0">
+                <a:solidFill>
+                  <a:schemeClr val="accent3"/>
+                </a:solidFill>
+              </a:rPr>
+              <a:t>.</a:t>
+            </a:r>
+          </a:p>
+        </p:txBody>
+      </p:sp>
+    </p:spTree>
+    <p:extLst>
+      <p:ext uri="{BB962C8B-B14F-4D97-AF65-F5344CB8AC3E}">
+        <p14:creationId xmlns:p14="http://schemas.microsoft.com/office/powerpoint/2010/main" val="803454970"/>
+      </p:ext>
+    </p:extLst>
+  </p:cSld>
+  <p:clrMapOvr>
+    <a:masterClrMapping/>
+  </p:clrMapOvr>
+  <p:timing>
+    <p:tnLst>
+      <p:par>
+        <p:cTn id="1" dur="indefinite" restart="never" nodeType="tmRoot"/>
+      </p:par>
+    </p:tnLst>
+  </p:timing>
+</p:sld>
+</file>
+
+<file path=ppt/slides/slide16.xml><?xml version="1.0" encoding="utf-8"?>
+<p:sld xmlns:a="http://schemas.openxmlformats.org/drawingml/2006/main" xmlns:r="http://schemas.openxmlformats.org/officeDocument/2006/relationships" xmlns:p="http://schemas.openxmlformats.org/presentationml/2006/main">
+  <p:cSld>
+    <p:spTree>
+      <p:nvGrpSpPr>
+        <p:cNvPr id="1" name=""/>
+        <p:cNvGrpSpPr/>
+        <p:nvPr/>
+      </p:nvGrpSpPr>
+      <p:grpSpPr>
+        <a:xfrm>
+          <a:off x="0" y="0"/>
+          <a:ext cx="0" cy="0"/>
+          <a:chOff x="0" y="0"/>
+          <a:chExt cx="0" cy="0"/>
+        </a:xfrm>
+      </p:grpSpPr>
+      <p:sp>
+        <p:nvSpPr>
+          <p:cNvPr id="2" name="Título 1"/>
+          <p:cNvSpPr>
+            <a:spLocks noGrp="1"/>
+          </p:cNvSpPr>
+          <p:nvPr>
+            <p:ph type="title"/>
+          </p:nvPr>
+        </p:nvSpPr>
+        <p:spPr>
+          <a:xfrm>
+            <a:off x="0" y="365125"/>
+            <a:ext cx="12192000" cy="1325563"/>
+          </a:xfrm>
+        </p:spPr>
+        <p:txBody>
+          <a:bodyPr>
+            <a:normAutofit fontScale="90000"/>
+          </a:bodyPr>
+          <a:lstStyle/>
+          <a:p>
+            <a:r>
+              <a:rPr lang="es-ES" dirty="0"/>
+              <a:t>Cálculo de los desfases (</a:t>
+            </a:r>
+            <a:r>
+              <a:rPr lang="es-ES" i="1" dirty="0" err="1"/>
+              <a:t>lags</a:t>
+            </a:r>
+            <a:r>
+              <a:rPr lang="es-ES" dirty="0"/>
+              <a:t>) entre los picos de los archivos y el archivo pivote mediante Correlación Cruzada.</a:t>
+            </a:r>
+            <a:br>
+              <a:rPr lang="es-ES" dirty="0"/>
+            </a:br>
+            <a:endParaRPr lang="es-ES" dirty="0"/>
+          </a:p>
+        </p:txBody>
+      </p:sp>
+      <p:pic>
+        <p:nvPicPr>
+          <p:cNvPr id="6" name="Imagen 5"/>
+          <p:cNvPicPr>
+            <a:picLocks noChangeAspect="1"/>
+          </p:cNvPicPr>
+          <p:nvPr/>
+        </p:nvPicPr>
+        <p:blipFill rotWithShape="1">
+          <a:blip r:embed="rId2">
+            <a:extLst>
+              <a:ext uri="{28A0092B-C50C-407E-A947-70E740481C1C}">
+                <a14:useLocalDpi xmlns:a14="http://schemas.microsoft.com/office/drawing/2010/main" val="0"/>
+              </a:ext>
+            </a:extLst>
+          </a:blip>
+          <a:srcRect t="9276" b="8856"/>
+          <a:stretch/>
+        </p:blipFill>
+        <p:spPr>
+          <a:xfrm>
+            <a:off x="1801504" y="1395071"/>
+            <a:ext cx="10058400" cy="2606722"/>
+          </a:xfrm>
+          <a:prstGeom prst="rect">
+            <a:avLst/>
+          </a:prstGeom>
+        </p:spPr>
+      </p:pic>
+      <p:pic>
+        <p:nvPicPr>
+          <p:cNvPr id="5" name="Marcador de contenido 4"/>
+          <p:cNvPicPr>
+            <a:picLocks noGrp="1" noChangeAspect="1"/>
+          </p:cNvPicPr>
+          <p:nvPr>
+            <p:ph idx="1"/>
+          </p:nvPr>
+        </p:nvPicPr>
+        <p:blipFill rotWithShape="1">
+          <a:blip r:embed="rId3">
+            <a:extLst>
+              <a:ext uri="{28A0092B-C50C-407E-A947-70E740481C1C}">
+                <a14:useLocalDpi xmlns:a14="http://schemas.microsoft.com/office/drawing/2010/main" val="0"/>
+              </a:ext>
+            </a:extLst>
+          </a:blip>
+          <a:srcRect t="8717" b="3413"/>
+          <a:stretch/>
+        </p:blipFill>
+        <p:spPr>
+          <a:xfrm>
+            <a:off x="1801504" y="4060209"/>
+            <a:ext cx="10058400" cy="2797791"/>
+          </a:xfrm>
+        </p:spPr>
+      </p:pic>
+      <p:sp>
+        <p:nvSpPr>
+          <p:cNvPr id="7" name="CuadroTexto 6"/>
+          <p:cNvSpPr txBox="1"/>
+          <p:nvPr/>
+        </p:nvSpPr>
+        <p:spPr>
+          <a:xfrm>
+            <a:off x="559558" y="2006221"/>
+            <a:ext cx="982639" cy="461665"/>
+          </a:xfrm>
+          <a:prstGeom prst="rect">
+            <a:avLst/>
+          </a:prstGeom>
+          <a:noFill/>
+        </p:spPr>
+        <p:txBody>
+          <a:bodyPr wrap="square" rtlCol="0">
+            <a:spAutoFit/>
+          </a:bodyPr>
+          <a:lstStyle/>
+          <a:p>
+            <a:r>
+              <a:rPr lang="es-ES" sz="2400" dirty="0" smtClean="0"/>
+              <a:t>Antes</a:t>
+            </a:r>
+            <a:endParaRPr lang="es-ES" dirty="0"/>
+          </a:p>
+        </p:txBody>
+      </p:sp>
+      <p:sp>
+        <p:nvSpPr>
+          <p:cNvPr id="8" name="CuadroTexto 7"/>
+          <p:cNvSpPr txBox="1"/>
+          <p:nvPr/>
+        </p:nvSpPr>
+        <p:spPr>
+          <a:xfrm>
+            <a:off x="559557" y="4778991"/>
+            <a:ext cx="1241947" cy="461665"/>
+          </a:xfrm>
+          <a:prstGeom prst="rect">
+            <a:avLst/>
+          </a:prstGeom>
+          <a:noFill/>
+        </p:spPr>
+        <p:txBody>
+          <a:bodyPr wrap="square" rtlCol="0">
+            <a:spAutoFit/>
+          </a:bodyPr>
+          <a:lstStyle/>
+          <a:p>
+            <a:r>
+              <a:rPr lang="es-ES" sz="2400" dirty="0" smtClean="0"/>
+              <a:t>Después</a:t>
+            </a:r>
+            <a:endParaRPr lang="es-ES" sz="2400" dirty="0"/>
+          </a:p>
+        </p:txBody>
+      </p:sp>
+    </p:spTree>
+    <p:extLst>
+      <p:ext uri="{BB962C8B-B14F-4D97-AF65-F5344CB8AC3E}">
+        <p14:creationId xmlns:p14="http://schemas.microsoft.com/office/powerpoint/2010/main" val="3398197842"/>
+      </p:ext>
+    </p:extLst>
+  </p:cSld>
+  <p:clrMapOvr>
+    <a:masterClrMapping/>
+  </p:clrMapOvr>
+  <p:timing>
+    <p:tnLst>
+      <p:par>
+        <p:cTn id="1" dur="indefinite" restart="never" nodeType="tmRoot"/>
+      </p:par>
+    </p:tnLst>
+  </p:timing>
+</p:sld>
+</file>
+
 <file path=ppt/slides/slide17.xml><?xml version="1.0" encoding="utf-8"?>
 <p:sld xmlns:a="http://schemas.openxmlformats.org/drawingml/2006/main" xmlns:r="http://schemas.openxmlformats.org/officeDocument/2006/relationships" xmlns:p="http://schemas.openxmlformats.org/presentationml/2006/main">
   <p:cSld>
@@ -4644,70 +5166,227 @@
             <p:ph type="title"/>
           </p:nvPr>
         </p:nvSpPr>
-        <p:spPr>
-          <a:xfrm>
-            <a:off x="0" y="365125"/>
-            <a:ext cx="12192000" cy="1325563"/>
-          </a:xfrm>
-        </p:spPr>
-        <p:txBody>
-          <a:bodyPr>
-            <a:normAutofit fontScale="90000"/>
-          </a:bodyPr>
-          <a:lstStyle/>
-          <a:p>
+        <p:spPr/>
+        <p:txBody>
+          <a:bodyPr/>
+          <a:lstStyle/>
+          <a:p>
+            <a:r>
+              <a:rPr lang="es-ES" dirty="0" smtClean="0"/>
+              <a:t>Sincronización a través de un método </a:t>
+            </a:r>
+            <a:r>
+              <a:rPr lang="es-ES" dirty="0" err="1" smtClean="0"/>
+              <a:t>semi</a:t>
+            </a:r>
+            <a:r>
+              <a:rPr lang="es-ES" dirty="0" smtClean="0"/>
+              <a:t>-automático con Correlación Cruzada.</a:t>
+            </a:r>
+            <a:endParaRPr lang="es-ES" dirty="0"/>
+          </a:p>
+        </p:txBody>
+      </p:sp>
+      <p:sp>
+        <p:nvSpPr>
+          <p:cNvPr id="3" name="Marcador de contenido 2"/>
+          <p:cNvSpPr>
+            <a:spLocks noGrp="1"/>
+          </p:cNvSpPr>
+          <p:nvPr>
+            <p:ph idx="1"/>
+          </p:nvPr>
+        </p:nvSpPr>
+        <p:spPr/>
+        <p:txBody>
+          <a:bodyPr/>
+          <a:lstStyle/>
+          <a:p>
+            <a:r>
+              <a:rPr lang="es-ES" dirty="0" smtClean="0"/>
+              <a:t>Selecci</a:t>
+            </a:r>
             <a:r>
               <a:rPr lang="es-ES" dirty="0"/>
-              <a:t>Cálculo de los desfases (</a:t>
-            </a:r>
-            <a:r>
-              <a:rPr lang="es-ES" i="1" dirty="0" err="1"/>
+              <a:t>ó</a:t>
+            </a:r>
+            <a:r>
+              <a:rPr lang="es-ES" dirty="0" smtClean="0"/>
+              <a:t>n </a:t>
+            </a:r>
+            <a:r>
+              <a:rPr lang="es-ES" dirty="0"/>
+              <a:t>de un rango de bandas de frecuencia y un pivote</a:t>
+            </a:r>
+            <a:r>
+              <a:rPr lang="es-ES" dirty="0" smtClean="0"/>
+              <a:t>.</a:t>
+            </a:r>
+          </a:p>
+          <a:p>
+            <a:r>
+              <a:rPr lang="es-ES" dirty="0" smtClean="0"/>
+              <a:t>C</a:t>
+            </a:r>
+            <a:r>
+              <a:rPr lang="es-ES" dirty="0"/>
+              <a:t>á</a:t>
+            </a:r>
+            <a:r>
+              <a:rPr lang="es-ES" dirty="0" smtClean="0"/>
+              <a:t>lculo </a:t>
+            </a:r>
+            <a:r>
+              <a:rPr lang="es-ES" dirty="0"/>
+              <a:t>de las </a:t>
+            </a:r>
+            <a:r>
+              <a:rPr lang="es-ES" dirty="0" smtClean="0"/>
+              <a:t>energ</a:t>
+            </a:r>
+            <a:r>
+              <a:rPr lang="es-ES" dirty="0"/>
+              <a:t>í</a:t>
+            </a:r>
+            <a:r>
+              <a:rPr lang="es-ES" dirty="0" smtClean="0"/>
+              <a:t>as </a:t>
+            </a:r>
+            <a:r>
+              <a:rPr lang="es-ES" dirty="0"/>
+              <a:t>temporales de </a:t>
+            </a:r>
+            <a:r>
+              <a:rPr lang="es-ES" dirty="0" smtClean="0"/>
+              <a:t>cada archivo.</a:t>
+            </a:r>
+          </a:p>
+          <a:p>
+            <a:r>
+              <a:rPr lang="es-ES" dirty="0" smtClean="0"/>
+              <a:t>Eliminación de ruido.</a:t>
+            </a:r>
+          </a:p>
+          <a:p>
+            <a:r>
+              <a:rPr lang="es-ES" dirty="0" smtClean="0"/>
+              <a:t>Identificación </a:t>
+            </a:r>
+            <a:r>
+              <a:rPr lang="es-ES" dirty="0"/>
+              <a:t>de picos de </a:t>
+            </a:r>
+            <a:r>
+              <a:rPr lang="es-ES" dirty="0" smtClean="0"/>
+              <a:t>energía </a:t>
+            </a:r>
+            <a:r>
+              <a:rPr lang="es-ES" dirty="0"/>
+              <a:t>en </a:t>
+            </a:r>
+            <a:r>
+              <a:rPr lang="es-ES" dirty="0" smtClean="0"/>
+              <a:t>las señales.</a:t>
+            </a:r>
+          </a:p>
+          <a:p>
+            <a:r>
+              <a:rPr lang="es-ES" dirty="0" smtClean="0"/>
+              <a:t>C</a:t>
+            </a:r>
+            <a:r>
+              <a:rPr lang="es-ES" dirty="0"/>
+              <a:t>á</a:t>
+            </a:r>
+            <a:r>
+              <a:rPr lang="es-ES" dirty="0" smtClean="0"/>
+              <a:t>lculo </a:t>
+            </a:r>
+            <a:r>
+              <a:rPr lang="es-ES" dirty="0"/>
+              <a:t>de los desfases (</a:t>
+            </a:r>
+            <a:r>
+              <a:rPr lang="es-ES" i="1" dirty="0" err="1" smtClean="0"/>
               <a:t>lags</a:t>
             </a:r>
             <a:r>
+              <a:rPr lang="es-ES" dirty="0" smtClean="0"/>
+              <a:t>) </a:t>
+            </a:r>
+            <a:r>
               <a:rPr lang="es-ES" dirty="0"/>
-              <a:t>) entre los picos de los archivos y el archivo pivote mediante Correlación Cruzada.</a:t>
-            </a:r>
-            <a:br>
+              <a:t>entre los </a:t>
+            </a:r>
+            <a:r>
+              <a:rPr lang="es-ES" dirty="0" smtClean="0"/>
+              <a:t>picos de </a:t>
+            </a:r>
+            <a:r>
               <a:rPr lang="es-ES" dirty="0"/>
-            </a:br>
-            <a:endParaRPr lang="es-ES" dirty="0"/>
-          </a:p>
-        </p:txBody>
-      </p:sp>
-      <p:pic>
-        <p:nvPicPr>
-          <p:cNvPr id="4" name="Marcador de contenido 3"/>
-          <p:cNvPicPr>
-            <a:picLocks noGrp="1" noChangeAspect="1"/>
-          </p:cNvPicPr>
-          <p:nvPr>
-            <p:ph idx="1"/>
-          </p:nvPr>
-        </p:nvPicPr>
-        <p:blipFill>
-          <a:blip r:embed="rId2">
-            <a:extLst>
-              <a:ext uri="{28A0092B-C50C-407E-A947-70E740481C1C}">
-                <a14:useLocalDpi xmlns:a14="http://schemas.microsoft.com/office/drawing/2010/main" val="0"/>
-              </a:ext>
-            </a:extLst>
-          </a:blip>
-          <a:stretch>
-            <a:fillRect/>
-          </a:stretch>
-        </p:blipFill>
-        <p:spPr>
-          <a:xfrm>
-            <a:off x="464024" y="1225299"/>
-            <a:ext cx="11546005" cy="5691014"/>
-          </a:xfrm>
-        </p:spPr>
-      </p:pic>
+              <a:t>los archivos y el archivo pivote </a:t>
+            </a:r>
+            <a:r>
+              <a:rPr lang="es-ES" dirty="0" smtClean="0"/>
+              <a:t>mediante Correlación </a:t>
+            </a:r>
+            <a:r>
+              <a:rPr lang="es-ES" dirty="0"/>
+              <a:t>Cruzada</a:t>
+            </a:r>
+            <a:r>
+              <a:rPr lang="es-ES" dirty="0" smtClean="0"/>
+              <a:t>.</a:t>
+            </a:r>
+          </a:p>
+          <a:p>
+            <a:r>
+              <a:rPr lang="es-ES" dirty="0" smtClean="0"/>
+              <a:t>Aplicaci</a:t>
+            </a:r>
+            <a:r>
+              <a:rPr lang="es-ES" dirty="0"/>
+              <a:t>ó</a:t>
+            </a:r>
+            <a:r>
+              <a:rPr lang="es-ES" dirty="0" smtClean="0"/>
+              <a:t>n </a:t>
+            </a:r>
+            <a:r>
+              <a:rPr lang="es-ES" dirty="0"/>
+              <a:t>de los desfases a los </a:t>
+            </a:r>
+            <a:r>
+              <a:rPr lang="es-ES" dirty="0" smtClean="0"/>
+              <a:t>archivos originales </a:t>
+            </a:r>
+            <a:r>
+              <a:rPr lang="es-ES" dirty="0"/>
+              <a:t>para su </a:t>
+            </a:r>
+            <a:r>
+              <a:rPr lang="es-ES" dirty="0" smtClean="0"/>
+              <a:t>sincronizaci</a:t>
+            </a:r>
+            <a:r>
+              <a:rPr lang="es-ES" dirty="0"/>
+              <a:t>ó</a:t>
+            </a:r>
+            <a:r>
+              <a:rPr lang="es-ES" dirty="0" smtClean="0"/>
+              <a:t>n</a:t>
+            </a:r>
+            <a:r>
+              <a:rPr lang="es-ES" dirty="0"/>
+              <a:t>.</a:t>
+            </a:r>
+          </a:p>
+        </p:txBody>
+      </p:sp>
     </p:spTree>
     <p:extLst>
       <p:ext uri="{BB962C8B-B14F-4D97-AF65-F5344CB8AC3E}">
-        <p14:creationId xmlns:p14="http://schemas.microsoft.com/office/powerpoint/2010/main" val="3398197842"/>
+        <p14:creationId xmlns:p14="http://schemas.microsoft.com/office/powerpoint/2010/main" val="2721313914"/>
       </p:ext>
     </p:extLst>
   </p:cSld>
@@ -4751,57 +5430,320 @@
             <p:ph type="title"/>
           </p:nvPr>
         </p:nvSpPr>
-        <p:spPr/>
-        <p:txBody>
-          <a:bodyPr/>
-          <a:lstStyle/>
-          <a:p>
-            <a:r>
-              <a:rPr lang="es-ES" dirty="0"/>
-              <a:t>Aplicación de los desfases a los </a:t>
-            </a:r>
-            <a:r>
-              <a:rPr lang="es-ES" dirty="0" smtClean="0"/>
-              <a:t>archivos originales.</a:t>
-            </a:r>
-            <a:endParaRPr lang="es-ES" dirty="0"/>
-          </a:p>
-        </p:txBody>
-      </p:sp>
-      <p:sp>
-        <p:nvSpPr>
-          <p:cNvPr id="3" name="Marcador de contenido 2"/>
-          <p:cNvSpPr>
-            <a:spLocks noGrp="1"/>
-          </p:cNvSpPr>
-          <p:nvPr>
-            <p:ph idx="1"/>
-          </p:nvPr>
-        </p:nvSpPr>
         <p:spPr>
           <a:xfrm>
-            <a:off x="838200" y="2603547"/>
-            <a:ext cx="10515600" cy="2023044"/>
+            <a:off x="685800" y="3295578"/>
+            <a:ext cx="11506200" cy="730511"/>
           </a:xfrm>
         </p:spPr>
         <p:txBody>
+          <a:bodyPr>
+            <a:normAutofit/>
+          </a:bodyPr>
+          <a:lstStyle/>
+          <a:p>
+            <a:r>
+              <a:rPr lang="es-ES" sz="3600" dirty="0" smtClean="0"/>
+              <a:t>Identificación del </a:t>
+            </a:r>
+            <a:r>
+              <a:rPr lang="es-ES" sz="3600" dirty="0"/>
+              <a:t>individuo más cercano a cada micrófono</a:t>
+            </a:r>
+            <a:r>
+              <a:rPr lang="es-ES" sz="3600" b="1" dirty="0" smtClean="0"/>
+              <a:t>.</a:t>
+            </a:r>
+            <a:endParaRPr lang="es-ES" sz="3600" b="1" dirty="0"/>
+          </a:p>
+        </p:txBody>
+      </p:sp>
+      <p:sp>
+        <p:nvSpPr>
+          <p:cNvPr id="3" name="Marcador de contenido 2"/>
+          <p:cNvSpPr>
+            <a:spLocks noGrp="1"/>
+          </p:cNvSpPr>
+          <p:nvPr>
+            <p:ph idx="1"/>
+          </p:nvPr>
+        </p:nvSpPr>
+        <p:spPr>
+          <a:xfrm>
+            <a:off x="838200" y="1223892"/>
+            <a:ext cx="10515600" cy="1951440"/>
+          </a:xfrm>
+        </p:spPr>
+        <p:txBody>
           <a:bodyPr/>
           <a:lstStyle/>
           <a:p>
-            <a:pPr marL="0" indent="0">
+            <a:r>
+              <a:rPr lang="es-ES" dirty="0" smtClean="0"/>
+              <a:t>A partir de ahora cada procesamiento de los datos se realiza en paralelo en los LIN y los CO.</a:t>
+            </a:r>
+          </a:p>
+          <a:p>
+            <a:r>
+              <a:rPr lang="es-ES" dirty="0" smtClean="0"/>
+              <a:t>Se calculan las energías temporales como mismo en la sincronización.</a:t>
+            </a:r>
+          </a:p>
+          <a:p>
+            <a:r>
+              <a:rPr lang="es-ES" dirty="0" smtClean="0"/>
+              <a:t>Se elimina el ruido de manera análoga también.</a:t>
+            </a:r>
+          </a:p>
+          <a:p>
+            <a:endParaRPr lang="es-ES" dirty="0"/>
+          </a:p>
+        </p:txBody>
+      </p:sp>
+      <p:sp>
+        <p:nvSpPr>
+          <p:cNvPr id="4" name="Título 1"/>
+          <p:cNvSpPr txBox="1">
+            <a:spLocks/>
+          </p:cNvSpPr>
+          <p:nvPr/>
+        </p:nvSpPr>
+        <p:spPr>
+          <a:xfrm>
+            <a:off x="963304" y="143538"/>
+            <a:ext cx="10515600" cy="1325563"/>
+          </a:xfrm>
+          <a:prstGeom prst="rect">
+            <a:avLst/>
+          </a:prstGeom>
+        </p:spPr>
+        <p:txBody>
+          <a:bodyPr vert="horz" lIns="91440" tIns="45720" rIns="91440" bIns="45720" rtlCol="0" anchor="ctr">
+            <a:normAutofit/>
+          </a:bodyPr>
+          <a:lstStyle>
+            <a:lvl1pPr algn="l" defTabSz="914400" rtl="0" eaLnBrk="1" latinLnBrk="0" hangingPunct="1">
+              <a:lnSpc>
+                <a:spcPct val="90000"/>
+              </a:lnSpc>
+              <a:spcBef>
+                <a:spcPct val="0"/>
+              </a:spcBef>
               <a:buNone/>
-            </a:pPr>
-            <a:r>
-              <a:rPr lang="es-ES" dirty="0" smtClean="0"/>
-              <a:t>Finalmente se aplican los desfases a las matrices de los </a:t>
-            </a:r>
-            <a:r>
-              <a:rPr lang="es-ES" dirty="0" err="1" smtClean="0"/>
-              <a:t>mel</a:t>
-            </a:r>
-            <a:r>
-              <a:rPr lang="es-ES" dirty="0" smtClean="0"/>
-              <a:t>-espectrogramas de los archivos de audio para realizar los análisis posteriores sobre los nuevos archivos alineados.</a:t>
+              <a:defRPr sz="4400" kern="1200">
+                <a:solidFill>
+                  <a:schemeClr val="tx1"/>
+                </a:solidFill>
+                <a:latin typeface="+mj-lt"/>
+                <a:ea typeface="+mj-ea"/>
+                <a:cs typeface="+mj-cs"/>
+              </a:defRPr>
+            </a:lvl1pPr>
+          </a:lstStyle>
+          <a:p>
+            <a:r>
+              <a:rPr lang="es-ES" dirty="0" smtClean="0"/>
+              <a:t>Obtención de secuencias de cantos.</a:t>
+            </a:r>
+            <a:endParaRPr lang="es-ES" dirty="0"/>
+          </a:p>
+        </p:txBody>
+      </p:sp>
+      <p:sp>
+        <p:nvSpPr>
+          <p:cNvPr id="5" name="Marcador de contenido 2"/>
+          <p:cNvSpPr txBox="1">
+            <a:spLocks/>
+          </p:cNvSpPr>
+          <p:nvPr/>
+        </p:nvSpPr>
+        <p:spPr>
+          <a:xfrm>
+            <a:off x="838200" y="4146335"/>
+            <a:ext cx="10515600" cy="2159520"/>
+          </a:xfrm>
+          <a:prstGeom prst="rect">
+            <a:avLst/>
+          </a:prstGeom>
+        </p:spPr>
+        <p:txBody>
+          <a:bodyPr vert="horz" lIns="91440" tIns="45720" rIns="91440" bIns="45720" rtlCol="0">
+            <a:normAutofit/>
+          </a:bodyPr>
+          <a:lstStyle>
+            <a:lvl1pPr marL="228600" indent="-228600" algn="l" defTabSz="914400" rtl="0" eaLnBrk="1" latinLnBrk="0" hangingPunct="1">
+              <a:lnSpc>
+                <a:spcPct val="90000"/>
+              </a:lnSpc>
+              <a:spcBef>
+                <a:spcPts val="1000"/>
+              </a:spcBef>
+              <a:buFont typeface="Arial" panose="020B0604020202020204" pitchFamily="34" charset="0"/>
+              <a:buChar char="•"/>
+              <a:defRPr sz="2800" kern="1200">
+                <a:solidFill>
+                  <a:schemeClr val="tx1"/>
+                </a:solidFill>
+                <a:latin typeface="+mn-lt"/>
+                <a:ea typeface="+mn-ea"/>
+                <a:cs typeface="+mn-cs"/>
+              </a:defRPr>
+            </a:lvl1pPr>
+            <a:lvl2pPr marL="685800" indent="-228600" algn="l" defTabSz="914400" rtl="0" eaLnBrk="1" latinLnBrk="0" hangingPunct="1">
+              <a:lnSpc>
+                <a:spcPct val="90000"/>
+              </a:lnSpc>
+              <a:spcBef>
+                <a:spcPts val="500"/>
+              </a:spcBef>
+              <a:buFont typeface="Arial" panose="020B0604020202020204" pitchFamily="34" charset="0"/>
+              <a:buChar char="•"/>
+              <a:defRPr sz="2400" kern="1200">
+                <a:solidFill>
+                  <a:schemeClr val="tx1"/>
+                </a:solidFill>
+                <a:latin typeface="+mn-lt"/>
+                <a:ea typeface="+mn-ea"/>
+                <a:cs typeface="+mn-cs"/>
+              </a:defRPr>
+            </a:lvl2pPr>
+            <a:lvl3pPr marL="1143000" indent="-228600" algn="l" defTabSz="914400" rtl="0" eaLnBrk="1" latinLnBrk="0" hangingPunct="1">
+              <a:lnSpc>
+                <a:spcPct val="90000"/>
+              </a:lnSpc>
+              <a:spcBef>
+                <a:spcPts val="500"/>
+              </a:spcBef>
+              <a:buFont typeface="Arial" panose="020B0604020202020204" pitchFamily="34" charset="0"/>
+              <a:buChar char="•"/>
+              <a:defRPr sz="2000" kern="1200">
+                <a:solidFill>
+                  <a:schemeClr val="tx1"/>
+                </a:solidFill>
+                <a:latin typeface="+mn-lt"/>
+                <a:ea typeface="+mn-ea"/>
+                <a:cs typeface="+mn-cs"/>
+              </a:defRPr>
+            </a:lvl3pPr>
+            <a:lvl4pPr marL="1600200" indent="-228600" algn="l" defTabSz="914400" rtl="0" eaLnBrk="1" latinLnBrk="0" hangingPunct="1">
+              <a:lnSpc>
+                <a:spcPct val="90000"/>
+              </a:lnSpc>
+              <a:spcBef>
+                <a:spcPts val="500"/>
+              </a:spcBef>
+              <a:buFont typeface="Arial" panose="020B0604020202020204" pitchFamily="34" charset="0"/>
+              <a:buChar char="•"/>
+              <a:defRPr sz="1800" kern="1200">
+                <a:solidFill>
+                  <a:schemeClr val="tx1"/>
+                </a:solidFill>
+                <a:latin typeface="+mn-lt"/>
+                <a:ea typeface="+mn-ea"/>
+                <a:cs typeface="+mn-cs"/>
+              </a:defRPr>
+            </a:lvl4pPr>
+            <a:lvl5pPr marL="2057400" indent="-228600" algn="l" defTabSz="914400" rtl="0" eaLnBrk="1" latinLnBrk="0" hangingPunct="1">
+              <a:lnSpc>
+                <a:spcPct val="90000"/>
+              </a:lnSpc>
+              <a:spcBef>
+                <a:spcPts val="500"/>
+              </a:spcBef>
+              <a:buFont typeface="Arial" panose="020B0604020202020204" pitchFamily="34" charset="0"/>
+              <a:buChar char="•"/>
+              <a:defRPr sz="1800" kern="1200">
+                <a:solidFill>
+                  <a:schemeClr val="tx1"/>
+                </a:solidFill>
+                <a:latin typeface="+mn-lt"/>
+                <a:ea typeface="+mn-ea"/>
+                <a:cs typeface="+mn-cs"/>
+              </a:defRPr>
+            </a:lvl5pPr>
+            <a:lvl6pPr marL="2514600" indent="-228600" algn="l" defTabSz="914400" rtl="0" eaLnBrk="1" latinLnBrk="0" hangingPunct="1">
+              <a:lnSpc>
+                <a:spcPct val="90000"/>
+              </a:lnSpc>
+              <a:spcBef>
+                <a:spcPts val="500"/>
+              </a:spcBef>
+              <a:buFont typeface="Arial" panose="020B0604020202020204" pitchFamily="34" charset="0"/>
+              <a:buChar char="•"/>
+              <a:defRPr sz="1800" kern="1200">
+                <a:solidFill>
+                  <a:schemeClr val="tx1"/>
+                </a:solidFill>
+                <a:latin typeface="+mn-lt"/>
+                <a:ea typeface="+mn-ea"/>
+                <a:cs typeface="+mn-cs"/>
+              </a:defRPr>
+            </a:lvl6pPr>
+            <a:lvl7pPr marL="2971800" indent="-228600" algn="l" defTabSz="914400" rtl="0" eaLnBrk="1" latinLnBrk="0" hangingPunct="1">
+              <a:lnSpc>
+                <a:spcPct val="90000"/>
+              </a:lnSpc>
+              <a:spcBef>
+                <a:spcPts val="500"/>
+              </a:spcBef>
+              <a:buFont typeface="Arial" panose="020B0604020202020204" pitchFamily="34" charset="0"/>
+              <a:buChar char="•"/>
+              <a:defRPr sz="1800" kern="1200">
+                <a:solidFill>
+                  <a:schemeClr val="tx1"/>
+                </a:solidFill>
+                <a:latin typeface="+mn-lt"/>
+                <a:ea typeface="+mn-ea"/>
+                <a:cs typeface="+mn-cs"/>
+              </a:defRPr>
+            </a:lvl7pPr>
+            <a:lvl8pPr marL="3429000" indent="-228600" algn="l" defTabSz="914400" rtl="0" eaLnBrk="1" latinLnBrk="0" hangingPunct="1">
+              <a:lnSpc>
+                <a:spcPct val="90000"/>
+              </a:lnSpc>
+              <a:spcBef>
+                <a:spcPts val="500"/>
+              </a:spcBef>
+              <a:buFont typeface="Arial" panose="020B0604020202020204" pitchFamily="34" charset="0"/>
+              <a:buChar char="•"/>
+              <a:defRPr sz="1800" kern="1200">
+                <a:solidFill>
+                  <a:schemeClr val="tx1"/>
+                </a:solidFill>
+                <a:latin typeface="+mn-lt"/>
+                <a:ea typeface="+mn-ea"/>
+                <a:cs typeface="+mn-cs"/>
+              </a:defRPr>
+            </a:lvl8pPr>
+            <a:lvl9pPr marL="3886200" indent="-228600" algn="l" defTabSz="914400" rtl="0" eaLnBrk="1" latinLnBrk="0" hangingPunct="1">
+              <a:lnSpc>
+                <a:spcPct val="90000"/>
+              </a:lnSpc>
+              <a:spcBef>
+                <a:spcPts val="500"/>
+              </a:spcBef>
+              <a:buFont typeface="Arial" panose="020B0604020202020204" pitchFamily="34" charset="0"/>
+              <a:buChar char="•"/>
+              <a:defRPr sz="1800" kern="1200">
+                <a:solidFill>
+                  <a:schemeClr val="tx1"/>
+                </a:solidFill>
+                <a:latin typeface="+mn-lt"/>
+                <a:ea typeface="+mn-ea"/>
+                <a:cs typeface="+mn-cs"/>
+              </a:defRPr>
+            </a:lvl9pPr>
+          </a:lstStyle>
+          <a:p>
+            <a:r>
+              <a:rPr lang="es-ES" dirty="0" smtClean="0"/>
+              <a:t>Para cada micrófono, los cantos del individuo más cercano deben ser registrados con las mayores energías relativas a dicho micrófono.</a:t>
+            </a:r>
+          </a:p>
+          <a:p>
+            <a:r>
+              <a:rPr lang="es-ES" dirty="0" smtClean="0"/>
+              <a:t>Si en cada uno se identifican las energías grandes y se elimina la información de esos cantos de las demás grabaciones, se obtendrán por separado los datos que se buscan.</a:t>
             </a:r>
             <a:endParaRPr lang="es-ES" dirty="0"/>
           </a:p>
@@ -4810,7 +5752,7 @@
     </p:spTree>
     <p:extLst>
       <p:ext uri="{BB962C8B-B14F-4D97-AF65-F5344CB8AC3E}">
-        <p14:creationId xmlns:p14="http://schemas.microsoft.com/office/powerpoint/2010/main" val="89444292"/>
+        <p14:creationId xmlns:p14="http://schemas.microsoft.com/office/powerpoint/2010/main" val="2478703115"/>
       </p:ext>
     </p:extLst>
   </p:cSld>
@@ -4856,100 +5798,110 @@
         </p:nvSpPr>
         <p:spPr/>
         <p:txBody>
+          <a:bodyPr/>
+          <a:lstStyle/>
+          <a:p>
+            <a:r>
+              <a:rPr lang="es-ES" dirty="0" smtClean="0"/>
+              <a:t>Idea del algoritmo.</a:t>
+            </a:r>
+            <a:endParaRPr lang="es-ES" dirty="0"/>
+          </a:p>
+        </p:txBody>
+      </p:sp>
+      <p:sp>
+        <p:nvSpPr>
+          <p:cNvPr id="3" name="Marcador de contenido 2"/>
+          <p:cNvSpPr>
+            <a:spLocks noGrp="1"/>
+          </p:cNvSpPr>
+          <p:nvPr>
+            <p:ph idx="1"/>
+          </p:nvPr>
+        </p:nvSpPr>
+        <p:spPr>
+          <a:xfrm>
+            <a:off x="838200" y="4764775"/>
+            <a:ext cx="10515600" cy="1504429"/>
+          </a:xfrm>
+        </p:spPr>
+        <p:txBody>
           <a:bodyPr>
             <a:normAutofit/>
           </a:bodyPr>
           <a:lstStyle/>
           <a:p>
             <a:r>
-              <a:rPr lang="es-ES" dirty="0" smtClean="0"/>
-              <a:t>Obtención de secuencias de cantos.</a:t>
-            </a:r>
-            <a:r>
               <a:rPr lang="es-ES" dirty="0"/>
-              <a:t/>
-            </a:r>
-            <a:br>
+              <a:t>Se repite el proceso anterior hasta que en </a:t>
+            </a:r>
+            <a:r>
+              <a:rPr lang="es-ES" dirty="0" smtClean="0"/>
+              <a:t>cada </a:t>
+            </a:r>
+            <a:r>
+              <a:rPr lang="es-ES" i="1" dirty="0" err="1" smtClean="0"/>
+              <a:t>array</a:t>
+            </a:r>
+            <a:r>
+              <a:rPr lang="es-ES" dirty="0" smtClean="0"/>
+              <a:t> </a:t>
+            </a:r>
+            <a:r>
               <a:rPr lang="es-ES" dirty="0"/>
-            </a:br>
+              <a:t>de </a:t>
+            </a:r>
+            <a:r>
+              <a:rPr lang="es-ES" dirty="0" smtClean="0"/>
+              <a:t>energ</a:t>
+            </a:r>
+            <a:r>
+              <a:rPr lang="es-ES" dirty="0"/>
+              <a:t>í</a:t>
+            </a:r>
+            <a:r>
+              <a:rPr lang="es-ES" dirty="0" smtClean="0"/>
+              <a:t>a </a:t>
+            </a:r>
+            <a:r>
+              <a:rPr lang="es-ES" dirty="0"/>
+              <a:t>temporal solo queden valores </a:t>
+            </a:r>
+            <a:r>
+              <a:rPr lang="es-ES" dirty="0" smtClean="0"/>
+              <a:t>por debajo </a:t>
+            </a:r>
+            <a:r>
+              <a:rPr lang="es-ES" dirty="0"/>
+              <a:t>de su respectivo umbral</a:t>
+            </a:r>
+            <a:r>
+              <a:rPr lang="es-ES" dirty="0" smtClean="0"/>
+              <a:t>.</a:t>
+            </a:r>
+          </a:p>
+          <a:p>
+            <a:r>
+              <a:rPr lang="es-ES" dirty="0"/>
+              <a:t>Finalmente se guardan los resultados.</a:t>
+            </a:r>
+            <a:endParaRPr lang="es-ES" dirty="0" smtClean="0"/>
+          </a:p>
+          <a:p>
             <a:endParaRPr lang="es-ES" dirty="0"/>
           </a:p>
         </p:txBody>
       </p:sp>
-      <p:pic>
-        <p:nvPicPr>
-          <p:cNvPr id="4" name="Marcador de contenido 3"/>
-          <p:cNvPicPr>
-            <a:picLocks noGrp="1" noChangeAspect="1"/>
-          </p:cNvPicPr>
-          <p:nvPr>
-            <p:ph idx="1"/>
-          </p:nvPr>
-        </p:nvPicPr>
-        <p:blipFill>
-          <a:blip r:embed="rId2">
-            <a:extLst>
-              <a:ext uri="{28A0092B-C50C-407E-A947-70E740481C1C}">
-                <a14:useLocalDpi xmlns:a14="http://schemas.microsoft.com/office/drawing/2010/main" val="0"/>
-              </a:ext>
-            </a:extLst>
-          </a:blip>
-          <a:stretch>
-            <a:fillRect/>
-          </a:stretch>
-        </p:blipFill>
+      <p:sp>
+        <p:nvSpPr>
+          <p:cNvPr id="4" name="CuadroTexto 3"/>
+          <p:cNvSpPr txBox="1"/>
+          <p:nvPr/>
+        </p:nvSpPr>
         <p:spPr>
           <a:xfrm>
-            <a:off x="0" y="1257850"/>
-            <a:ext cx="9198591" cy="5600150"/>
-          </a:xfrm>
-        </p:spPr>
-      </p:pic>
-      <p:cxnSp>
-        <p:nvCxnSpPr>
-          <p:cNvPr id="8" name="Conector recto 7"/>
-          <p:cNvCxnSpPr/>
-          <p:nvPr/>
-        </p:nvCxnSpPr>
-        <p:spPr>
-          <a:xfrm>
-            <a:off x="879144" y="4050285"/>
-            <a:ext cx="7200331" cy="7640"/>
-          </a:xfrm>
-          <a:prstGeom prst="line">
-            <a:avLst/>
-          </a:prstGeom>
-          <a:ln w="57150">
-            <a:solidFill>
-              <a:srgbClr val="FF0000"/>
-            </a:solidFill>
-          </a:ln>
-        </p:spPr>
-        <p:style>
-          <a:lnRef idx="1">
-            <a:schemeClr val="accent1"/>
-          </a:lnRef>
-          <a:fillRef idx="0">
-            <a:schemeClr val="accent1"/>
-          </a:fillRef>
-          <a:effectRef idx="0">
-            <a:schemeClr val="accent1"/>
-          </a:effectRef>
-          <a:fontRef idx="minor">
-            <a:schemeClr val="tx1"/>
-          </a:fontRef>
-        </p:style>
-      </p:cxnSp>
-      <p:sp>
-        <p:nvSpPr>
-          <p:cNvPr id="13" name="CuadroTexto 12"/>
-          <p:cNvSpPr txBox="1"/>
-          <p:nvPr/>
-        </p:nvSpPr>
-        <p:spPr>
-          <a:xfrm>
-            <a:off x="9198592" y="1924956"/>
-            <a:ext cx="2993408" cy="830997"/>
+            <a:off x="1214650" y="3195116"/>
+            <a:ext cx="10977350" cy="1569660"/>
           </a:xfrm>
           <a:prstGeom prst="rect">
             <a:avLst/>
@@ -4962,18 +5914,343 @@
           </a:bodyPr>
           <a:lstStyle/>
           <a:p>
+            <a:pPr marL="285750" indent="-285750">
+              <a:buFont typeface="Wingdings" panose="05000000000000000000" pitchFamily="2" charset="2"/>
+              <a:buChar char="§"/>
+            </a:pPr>
+            <a:r>
+              <a:rPr lang="es-ES" sz="2400" dirty="0"/>
+              <a:t>En é</a:t>
+            </a:r>
             <a:r>
               <a:rPr lang="es-ES" sz="2400" dirty="0" smtClean="0"/>
-              <a:t>Separación en LIN y CO</a:t>
-            </a:r>
-            <a:endParaRPr lang="es-ES" sz="2400" dirty="0"/>
+              <a:t>l </a:t>
+            </a:r>
+            <a:r>
+              <a:rPr lang="es-ES" sz="2400" dirty="0"/>
+              <a:t>se selecciona el í</a:t>
+            </a:r>
+            <a:r>
+              <a:rPr lang="es-ES" sz="2400" dirty="0" smtClean="0"/>
+              <a:t>ndice </a:t>
+            </a:r>
+            <a:r>
+              <a:rPr lang="es-ES" sz="2400" dirty="0"/>
+              <a:t>donde se </a:t>
+            </a:r>
+            <a:r>
+              <a:rPr lang="es-ES" sz="2400" dirty="0" smtClean="0"/>
+              <a:t>registra la energ</a:t>
+            </a:r>
+            <a:r>
+              <a:rPr lang="es-ES" sz="2400" dirty="0"/>
+              <a:t>í</a:t>
+            </a:r>
+            <a:r>
+              <a:rPr lang="es-ES" sz="2400" dirty="0" smtClean="0"/>
+              <a:t>a máxima.</a:t>
+            </a:r>
+          </a:p>
+          <a:p>
+            <a:pPr marL="285750" indent="-285750">
+              <a:buFont typeface="Wingdings" panose="05000000000000000000" pitchFamily="2" charset="2"/>
+              <a:buChar char="§"/>
+            </a:pPr>
+            <a:r>
+              <a:rPr lang="es-ES" sz="2400" dirty="0"/>
+              <a:t>Si la </a:t>
+            </a:r>
+            <a:r>
+              <a:rPr lang="es-ES" sz="2400" dirty="0" smtClean="0"/>
+              <a:t>energ</a:t>
+            </a:r>
+            <a:r>
+              <a:rPr lang="es-ES" sz="2400" dirty="0"/>
+              <a:t>í</a:t>
+            </a:r>
+            <a:r>
+              <a:rPr lang="es-ES" sz="2400" dirty="0" smtClean="0"/>
+              <a:t>a </a:t>
+            </a:r>
+            <a:r>
+              <a:rPr lang="es-ES" sz="2400" dirty="0"/>
+              <a:t>es mayor que el umbral para </a:t>
+            </a:r>
+            <a:r>
+              <a:rPr lang="es-ES" sz="2400" dirty="0" smtClean="0"/>
+              <a:t>el archivo </a:t>
+            </a:r>
+            <a:r>
+              <a:rPr lang="es-ES" sz="2400" dirty="0"/>
+              <a:t>seleccionado, se copia su valor en </a:t>
+            </a:r>
+            <a:r>
+              <a:rPr lang="es-ES" sz="2400" dirty="0" smtClean="0"/>
+              <a:t>el índice </a:t>
+            </a:r>
+            <a:r>
+              <a:rPr lang="es-ES" sz="2400" dirty="0"/>
+              <a:t>del archivo </a:t>
+            </a:r>
+            <a:r>
+              <a:rPr lang="es-ES" sz="2400" dirty="0" smtClean="0"/>
+              <a:t>vac</a:t>
+            </a:r>
+            <a:r>
+              <a:rPr lang="es-ES" sz="2400" dirty="0"/>
+              <a:t>í</a:t>
+            </a:r>
+            <a:r>
+              <a:rPr lang="es-ES" sz="2400" dirty="0" smtClean="0"/>
+              <a:t>o </a:t>
+            </a:r>
+            <a:r>
+              <a:rPr lang="es-ES" sz="2400" dirty="0"/>
+              <a:t>correspondiente</a:t>
+            </a:r>
+            <a:r>
+              <a:rPr lang="es-ES" sz="2400" dirty="0" smtClean="0"/>
+              <a:t>.</a:t>
+            </a:r>
+          </a:p>
+          <a:p>
+            <a:pPr marL="285750" indent="-285750">
+              <a:buFont typeface="Wingdings" panose="05000000000000000000" pitchFamily="2" charset="2"/>
+              <a:buChar char="§"/>
+            </a:pPr>
+            <a:r>
+              <a:rPr lang="es-ES" sz="2400" dirty="0"/>
+              <a:t>Se borra el valor que exista en dicho í</a:t>
+            </a:r>
+            <a:r>
+              <a:rPr lang="es-ES" sz="2400" dirty="0" smtClean="0"/>
+              <a:t>ndice en </a:t>
+            </a:r>
+            <a:r>
+              <a:rPr lang="es-ES" sz="2400" dirty="0"/>
+              <a:t>los 9 archivos (se coloca un 0</a:t>
+            </a:r>
+            <a:r>
+              <a:rPr lang="es-ES" sz="2400" dirty="0" smtClean="0"/>
+              <a:t>).</a:t>
+            </a:r>
+          </a:p>
+        </p:txBody>
+      </p:sp>
+      <p:sp>
+        <p:nvSpPr>
+          <p:cNvPr id="5" name="Marcador de contenido 2"/>
+          <p:cNvSpPr txBox="1">
+            <a:spLocks/>
+          </p:cNvSpPr>
+          <p:nvPr/>
+        </p:nvSpPr>
+        <p:spPr>
+          <a:xfrm>
+            <a:off x="838200" y="1690688"/>
+            <a:ext cx="10515600" cy="1504429"/>
+          </a:xfrm>
+          <a:prstGeom prst="rect">
+            <a:avLst/>
+          </a:prstGeom>
+        </p:spPr>
+        <p:txBody>
+          <a:bodyPr vert="horz" lIns="91440" tIns="45720" rIns="91440" bIns="45720" rtlCol="0">
+            <a:normAutofit/>
+          </a:bodyPr>
+          <a:lstStyle>
+            <a:lvl1pPr marL="228600" indent="-228600" algn="l" defTabSz="914400" rtl="0" eaLnBrk="1" latinLnBrk="0" hangingPunct="1">
+              <a:lnSpc>
+                <a:spcPct val="90000"/>
+              </a:lnSpc>
+              <a:spcBef>
+                <a:spcPts val="1000"/>
+              </a:spcBef>
+              <a:buFont typeface="Arial" panose="020B0604020202020204" pitchFamily="34" charset="0"/>
+              <a:buChar char="•"/>
+              <a:defRPr sz="2800" kern="1200">
+                <a:solidFill>
+                  <a:schemeClr val="tx1"/>
+                </a:solidFill>
+                <a:latin typeface="+mn-lt"/>
+                <a:ea typeface="+mn-ea"/>
+                <a:cs typeface="+mn-cs"/>
+              </a:defRPr>
+            </a:lvl1pPr>
+            <a:lvl2pPr marL="685800" indent="-228600" algn="l" defTabSz="914400" rtl="0" eaLnBrk="1" latinLnBrk="0" hangingPunct="1">
+              <a:lnSpc>
+                <a:spcPct val="90000"/>
+              </a:lnSpc>
+              <a:spcBef>
+                <a:spcPts val="500"/>
+              </a:spcBef>
+              <a:buFont typeface="Arial" panose="020B0604020202020204" pitchFamily="34" charset="0"/>
+              <a:buChar char="•"/>
+              <a:defRPr sz="2400" kern="1200">
+                <a:solidFill>
+                  <a:schemeClr val="tx1"/>
+                </a:solidFill>
+                <a:latin typeface="+mn-lt"/>
+                <a:ea typeface="+mn-ea"/>
+                <a:cs typeface="+mn-cs"/>
+              </a:defRPr>
+            </a:lvl2pPr>
+            <a:lvl3pPr marL="1143000" indent="-228600" algn="l" defTabSz="914400" rtl="0" eaLnBrk="1" latinLnBrk="0" hangingPunct="1">
+              <a:lnSpc>
+                <a:spcPct val="90000"/>
+              </a:lnSpc>
+              <a:spcBef>
+                <a:spcPts val="500"/>
+              </a:spcBef>
+              <a:buFont typeface="Arial" panose="020B0604020202020204" pitchFamily="34" charset="0"/>
+              <a:buChar char="•"/>
+              <a:defRPr sz="2000" kern="1200">
+                <a:solidFill>
+                  <a:schemeClr val="tx1"/>
+                </a:solidFill>
+                <a:latin typeface="+mn-lt"/>
+                <a:ea typeface="+mn-ea"/>
+                <a:cs typeface="+mn-cs"/>
+              </a:defRPr>
+            </a:lvl3pPr>
+            <a:lvl4pPr marL="1600200" indent="-228600" algn="l" defTabSz="914400" rtl="0" eaLnBrk="1" latinLnBrk="0" hangingPunct="1">
+              <a:lnSpc>
+                <a:spcPct val="90000"/>
+              </a:lnSpc>
+              <a:spcBef>
+                <a:spcPts val="500"/>
+              </a:spcBef>
+              <a:buFont typeface="Arial" panose="020B0604020202020204" pitchFamily="34" charset="0"/>
+              <a:buChar char="•"/>
+              <a:defRPr sz="1800" kern="1200">
+                <a:solidFill>
+                  <a:schemeClr val="tx1"/>
+                </a:solidFill>
+                <a:latin typeface="+mn-lt"/>
+                <a:ea typeface="+mn-ea"/>
+                <a:cs typeface="+mn-cs"/>
+              </a:defRPr>
+            </a:lvl4pPr>
+            <a:lvl5pPr marL="2057400" indent="-228600" algn="l" defTabSz="914400" rtl="0" eaLnBrk="1" latinLnBrk="0" hangingPunct="1">
+              <a:lnSpc>
+                <a:spcPct val="90000"/>
+              </a:lnSpc>
+              <a:spcBef>
+                <a:spcPts val="500"/>
+              </a:spcBef>
+              <a:buFont typeface="Arial" panose="020B0604020202020204" pitchFamily="34" charset="0"/>
+              <a:buChar char="•"/>
+              <a:defRPr sz="1800" kern="1200">
+                <a:solidFill>
+                  <a:schemeClr val="tx1"/>
+                </a:solidFill>
+                <a:latin typeface="+mn-lt"/>
+                <a:ea typeface="+mn-ea"/>
+                <a:cs typeface="+mn-cs"/>
+              </a:defRPr>
+            </a:lvl5pPr>
+            <a:lvl6pPr marL="2514600" indent="-228600" algn="l" defTabSz="914400" rtl="0" eaLnBrk="1" latinLnBrk="0" hangingPunct="1">
+              <a:lnSpc>
+                <a:spcPct val="90000"/>
+              </a:lnSpc>
+              <a:spcBef>
+                <a:spcPts val="500"/>
+              </a:spcBef>
+              <a:buFont typeface="Arial" panose="020B0604020202020204" pitchFamily="34" charset="0"/>
+              <a:buChar char="•"/>
+              <a:defRPr sz="1800" kern="1200">
+                <a:solidFill>
+                  <a:schemeClr val="tx1"/>
+                </a:solidFill>
+                <a:latin typeface="+mn-lt"/>
+                <a:ea typeface="+mn-ea"/>
+                <a:cs typeface="+mn-cs"/>
+              </a:defRPr>
+            </a:lvl6pPr>
+            <a:lvl7pPr marL="2971800" indent="-228600" algn="l" defTabSz="914400" rtl="0" eaLnBrk="1" latinLnBrk="0" hangingPunct="1">
+              <a:lnSpc>
+                <a:spcPct val="90000"/>
+              </a:lnSpc>
+              <a:spcBef>
+                <a:spcPts val="500"/>
+              </a:spcBef>
+              <a:buFont typeface="Arial" panose="020B0604020202020204" pitchFamily="34" charset="0"/>
+              <a:buChar char="•"/>
+              <a:defRPr sz="1800" kern="1200">
+                <a:solidFill>
+                  <a:schemeClr val="tx1"/>
+                </a:solidFill>
+                <a:latin typeface="+mn-lt"/>
+                <a:ea typeface="+mn-ea"/>
+                <a:cs typeface="+mn-cs"/>
+              </a:defRPr>
+            </a:lvl7pPr>
+            <a:lvl8pPr marL="3429000" indent="-228600" algn="l" defTabSz="914400" rtl="0" eaLnBrk="1" latinLnBrk="0" hangingPunct="1">
+              <a:lnSpc>
+                <a:spcPct val="90000"/>
+              </a:lnSpc>
+              <a:spcBef>
+                <a:spcPts val="500"/>
+              </a:spcBef>
+              <a:buFont typeface="Arial" panose="020B0604020202020204" pitchFamily="34" charset="0"/>
+              <a:buChar char="•"/>
+              <a:defRPr sz="1800" kern="1200">
+                <a:solidFill>
+                  <a:schemeClr val="tx1"/>
+                </a:solidFill>
+                <a:latin typeface="+mn-lt"/>
+                <a:ea typeface="+mn-ea"/>
+                <a:cs typeface="+mn-cs"/>
+              </a:defRPr>
+            </a:lvl8pPr>
+            <a:lvl9pPr marL="3886200" indent="-228600" algn="l" defTabSz="914400" rtl="0" eaLnBrk="1" latinLnBrk="0" hangingPunct="1">
+              <a:lnSpc>
+                <a:spcPct val="90000"/>
+              </a:lnSpc>
+              <a:spcBef>
+                <a:spcPts val="500"/>
+              </a:spcBef>
+              <a:buFont typeface="Arial" panose="020B0604020202020204" pitchFamily="34" charset="0"/>
+              <a:buChar char="•"/>
+              <a:defRPr sz="1800" kern="1200">
+                <a:solidFill>
+                  <a:schemeClr val="tx1"/>
+                </a:solidFill>
+                <a:latin typeface="+mn-lt"/>
+                <a:ea typeface="+mn-ea"/>
+                <a:cs typeface="+mn-cs"/>
+              </a:defRPr>
+            </a:lvl9pPr>
+          </a:lstStyle>
+          <a:p>
+            <a:r>
+              <a:rPr lang="es-ES" dirty="0" smtClean="0"/>
+              <a:t>Se guardan copias vacías (llenas de ceros) de los </a:t>
+            </a:r>
+            <a:r>
+              <a:rPr lang="es-ES" i="1" dirty="0" err="1" smtClean="0"/>
+              <a:t>arrays</a:t>
+            </a:r>
+            <a:r>
+              <a:rPr lang="es-ES" dirty="0" smtClean="0"/>
+              <a:t> de energías temporales.</a:t>
+            </a:r>
+          </a:p>
+          <a:p>
+            <a:r>
+              <a:rPr lang="es-ES" dirty="0" smtClean="0"/>
+              <a:t>Se selecciona de forma aleatoria uno de los 9 archivos.</a:t>
+            </a:r>
+          </a:p>
+          <a:p>
+            <a:endParaRPr lang="es-ES" dirty="0"/>
           </a:p>
         </p:txBody>
       </p:sp>
     </p:spTree>
     <p:extLst>
       <p:ext uri="{BB962C8B-B14F-4D97-AF65-F5344CB8AC3E}">
-        <p14:creationId xmlns:p14="http://schemas.microsoft.com/office/powerpoint/2010/main" val="1033704376"/>
+        <p14:creationId xmlns:p14="http://schemas.microsoft.com/office/powerpoint/2010/main" val="310721540"/>
       </p:ext>
     </p:extLst>
   </p:cSld>
@@ -5077,32 +6354,19 @@
           <a:p>
             <a:r>
               <a:rPr lang="es-ES" dirty="0" smtClean="0"/>
-              <a:t>Su canto característico (Colín) consiste en una señal que tiene 2 </a:t>
-            </a:r>
-            <a:r>
-              <a:rPr lang="es-ES" dirty="0" smtClean="0"/>
-              <a:t>momentos:</a:t>
-            </a:r>
-            <a:endParaRPr lang="es-ES" dirty="0" smtClean="0"/>
-          </a:p>
-          <a:p>
-            <a:r>
-              <a:rPr lang="es-ES" dirty="0" smtClean="0"/>
-              <a:t>Un </a:t>
-            </a:r>
-            <a:r>
-              <a:rPr lang="es-ES" dirty="0" smtClean="0"/>
-              <a:t>momento de baja frecuencia (CO).</a:t>
-            </a:r>
-          </a:p>
-          <a:p>
-            <a:r>
-              <a:rPr lang="es-ES" dirty="0" smtClean="0"/>
-              <a:t>Un momento de alta frecuencia (LIN</a:t>
-            </a:r>
-            <a:r>
-              <a:rPr lang="es-ES" dirty="0" smtClean="0"/>
-              <a:t>).</a:t>
+              <a:t>Su canto característico (Colín) consiste en una señal que tiene 2 momentos:</a:t>
+            </a:r>
+          </a:p>
+          <a:p>
+            <a:r>
+              <a:rPr lang="es-ES" dirty="0" smtClean="0"/>
+              <a:t>Un momento de baja frecuencia (CO).</a:t>
+            </a:r>
+          </a:p>
+          <a:p>
+            <a:r>
+              <a:rPr lang="es-ES" dirty="0" smtClean="0"/>
+              <a:t>Un momento de alta frecuencia (LIN).</a:t>
             </a:r>
           </a:p>
           <a:p>
@@ -5110,7 +6374,6 @@
               <a:rPr lang="es-ES" dirty="0" smtClean="0"/>
               <a:t>Ejemplo de sonido producido: </a:t>
             </a:r>
-            <a:endParaRPr lang="es-ES" dirty="0" smtClean="0"/>
           </a:p>
           <a:p>
             <a:endParaRPr lang="es-ES" dirty="0"/>
@@ -5283,853 +6546,6 @@
           <a:lstStyle/>
           <a:p>
             <a:r>
-              <a:rPr lang="es-ES" dirty="0"/>
-              <a:t>Obtención de secuencias de cantos</a:t>
-            </a:r>
-            <a:r>
-              <a:rPr lang="es-ES" dirty="0" smtClean="0"/>
-              <a:t>.</a:t>
-            </a:r>
-            <a:endParaRPr lang="es-ES" dirty="0"/>
-          </a:p>
-        </p:txBody>
-      </p:sp>
-      <p:sp>
-        <p:nvSpPr>
-          <p:cNvPr id="3" name="Marcador de contenido 2"/>
-          <p:cNvSpPr>
-            <a:spLocks noGrp="1"/>
-          </p:cNvSpPr>
-          <p:nvPr>
-            <p:ph idx="1"/>
-          </p:nvPr>
-        </p:nvSpPr>
-        <p:spPr/>
-        <p:txBody>
-          <a:bodyPr/>
-          <a:lstStyle/>
-          <a:p>
-            <a:r>
-              <a:rPr lang="es-ES" dirty="0" smtClean="0"/>
-              <a:t>A partir de ahora cada procesamiento de los datos se realiza en paralelo en los LIN y los CO.</a:t>
-            </a:r>
-          </a:p>
-          <a:p>
-            <a:r>
-              <a:rPr lang="es-ES" dirty="0" smtClean="0"/>
-              <a:t>Se calculan las energías temporales como mismo en la sincronización.</a:t>
-            </a:r>
-          </a:p>
-          <a:p>
-            <a:r>
-              <a:rPr lang="es-ES" dirty="0" smtClean="0"/>
-              <a:t>Se elimina el ruido de manera análoga también.</a:t>
-            </a:r>
-          </a:p>
-          <a:p>
-            <a:endParaRPr lang="es-ES" dirty="0"/>
-          </a:p>
-        </p:txBody>
-      </p:sp>
-    </p:spTree>
-    <p:extLst>
-      <p:ext uri="{BB962C8B-B14F-4D97-AF65-F5344CB8AC3E}">
-        <p14:creationId xmlns:p14="http://schemas.microsoft.com/office/powerpoint/2010/main" val="2478703115"/>
-      </p:ext>
-    </p:extLst>
-  </p:cSld>
-  <p:clrMapOvr>
-    <a:masterClrMapping/>
-  </p:clrMapOvr>
-  <p:timing>
-    <p:tnLst>
-      <p:par>
-        <p:cTn id="1" dur="indefinite" restart="never" nodeType="tmRoot"/>
-      </p:par>
-    </p:tnLst>
-  </p:timing>
-</p:sld>
-</file>
-
-<file path=ppt/slides/slide21.xml><?xml version="1.0" encoding="utf-8"?>
-<p:sld xmlns:a="http://schemas.openxmlformats.org/drawingml/2006/main" xmlns:r="http://schemas.openxmlformats.org/officeDocument/2006/relationships" xmlns:p="http://schemas.openxmlformats.org/presentationml/2006/main">
-  <p:cSld>
-    <p:spTree>
-      <p:nvGrpSpPr>
-        <p:cNvPr id="1" name=""/>
-        <p:cNvGrpSpPr/>
-        <p:nvPr/>
-      </p:nvGrpSpPr>
-      <p:grpSpPr>
-        <a:xfrm>
-          <a:off x="0" y="0"/>
-          <a:ext cx="0" cy="0"/>
-          <a:chOff x="0" y="0"/>
-          <a:chExt cx="0" cy="0"/>
-        </a:xfrm>
-      </p:grpSpPr>
-      <p:sp>
-        <p:nvSpPr>
-          <p:cNvPr id="2" name="Título 1"/>
-          <p:cNvSpPr>
-            <a:spLocks noGrp="1"/>
-          </p:cNvSpPr>
-          <p:nvPr>
-            <p:ph type="title"/>
-          </p:nvPr>
-        </p:nvSpPr>
-        <p:spPr>
-          <a:xfrm>
-            <a:off x="313899" y="395786"/>
-            <a:ext cx="11737074" cy="1690688"/>
-          </a:xfrm>
-        </p:spPr>
-        <p:txBody>
-          <a:bodyPr>
-            <a:normAutofit fontScale="90000"/>
-          </a:bodyPr>
-          <a:lstStyle/>
-          <a:p>
-            <a:r>
-              <a:rPr lang="es-ES" dirty="0" smtClean="0"/>
-              <a:t>Suposición sobre la que se sustenta el </a:t>
-            </a:r>
-            <a:r>
-              <a:rPr lang="es-ES" dirty="0"/>
-              <a:t>método propuesto para </a:t>
-            </a:r>
-            <a:r>
-              <a:rPr lang="es-ES" dirty="0" smtClean="0"/>
-              <a:t>identificar el individuo m</a:t>
-            </a:r>
-            <a:r>
-              <a:rPr lang="es-ES" dirty="0"/>
-              <a:t>á</a:t>
-            </a:r>
-            <a:r>
-              <a:rPr lang="es-ES" dirty="0" smtClean="0"/>
-              <a:t>s </a:t>
-            </a:r>
-            <a:r>
-              <a:rPr lang="es-ES" dirty="0"/>
-              <a:t>cercano a cada </a:t>
-            </a:r>
-            <a:r>
-              <a:rPr lang="es-ES" dirty="0" smtClean="0"/>
-              <a:t>micrófono</a:t>
-            </a:r>
-            <a:r>
-              <a:rPr lang="es-ES" dirty="0"/>
-              <a:t>.</a:t>
-            </a:r>
-          </a:p>
-        </p:txBody>
-      </p:sp>
-      <p:sp>
-        <p:nvSpPr>
-          <p:cNvPr id="3" name="Marcador de contenido 2"/>
-          <p:cNvSpPr>
-            <a:spLocks noGrp="1"/>
-          </p:cNvSpPr>
-          <p:nvPr>
-            <p:ph idx="1"/>
-          </p:nvPr>
-        </p:nvSpPr>
-        <p:spPr>
-          <a:xfrm>
-            <a:off x="924636" y="2398832"/>
-            <a:ext cx="10515600" cy="4351338"/>
-          </a:xfrm>
-        </p:spPr>
-        <p:txBody>
-          <a:bodyPr/>
-          <a:lstStyle/>
-          <a:p>
-            <a:r>
-              <a:rPr lang="es-ES" dirty="0" smtClean="0"/>
-              <a:t>Para </a:t>
-            </a:r>
-            <a:r>
-              <a:rPr lang="es-ES" dirty="0"/>
-              <a:t>cada micrófono, los cantos </a:t>
-            </a:r>
-            <a:r>
-              <a:rPr lang="es-ES" dirty="0" smtClean="0"/>
-              <a:t>del individuo m</a:t>
-            </a:r>
-            <a:r>
-              <a:rPr lang="es-ES" dirty="0"/>
-              <a:t>á</a:t>
-            </a:r>
-            <a:r>
-              <a:rPr lang="es-ES" dirty="0" smtClean="0"/>
-              <a:t>s </a:t>
-            </a:r>
-            <a:r>
-              <a:rPr lang="es-ES" dirty="0"/>
-              <a:t>cercano deben ser registrados con </a:t>
-            </a:r>
-            <a:r>
-              <a:rPr lang="es-ES" dirty="0" smtClean="0"/>
-              <a:t>las mayores energ</a:t>
-            </a:r>
-            <a:r>
-              <a:rPr lang="es-ES" dirty="0"/>
-              <a:t>í</a:t>
-            </a:r>
-            <a:r>
-              <a:rPr lang="es-ES" dirty="0" smtClean="0"/>
-              <a:t>as </a:t>
-            </a:r>
-            <a:r>
-              <a:rPr lang="es-ES" dirty="0"/>
-              <a:t>relativas a dicho </a:t>
-            </a:r>
-            <a:r>
-              <a:rPr lang="es-ES" dirty="0" smtClean="0"/>
-              <a:t>micr</a:t>
-            </a:r>
-            <a:r>
-              <a:rPr lang="es-ES" dirty="0"/>
-              <a:t>ó</a:t>
-            </a:r>
-            <a:r>
-              <a:rPr lang="es-ES" dirty="0" smtClean="0"/>
-              <a:t>fono.</a:t>
-            </a:r>
-          </a:p>
-          <a:p>
-            <a:r>
-              <a:rPr lang="es-ES" dirty="0" smtClean="0"/>
-              <a:t>Si </a:t>
-            </a:r>
-            <a:r>
-              <a:rPr lang="es-ES" dirty="0"/>
-              <a:t>en cada uno se </a:t>
-            </a:r>
-            <a:r>
-              <a:rPr lang="es-ES" dirty="0" smtClean="0"/>
-              <a:t>identifican </a:t>
-            </a:r>
-            <a:r>
-              <a:rPr lang="es-ES" dirty="0"/>
-              <a:t>las </a:t>
-            </a:r>
-            <a:r>
-              <a:rPr lang="es-ES" dirty="0" smtClean="0"/>
-              <a:t>energ</a:t>
-            </a:r>
-            <a:r>
-              <a:rPr lang="es-ES" dirty="0"/>
-              <a:t>í</a:t>
-            </a:r>
-            <a:r>
-              <a:rPr lang="es-ES" dirty="0" smtClean="0"/>
-              <a:t>as </a:t>
-            </a:r>
-            <a:r>
-              <a:rPr lang="es-ES" dirty="0"/>
-              <a:t>grandes y se elimina la </a:t>
-            </a:r>
-            <a:r>
-              <a:rPr lang="es-ES" dirty="0" smtClean="0"/>
-              <a:t>informaci</a:t>
-            </a:r>
-            <a:r>
-              <a:rPr lang="es-ES" dirty="0"/>
-              <a:t>ó</a:t>
-            </a:r>
-            <a:r>
-              <a:rPr lang="es-ES" dirty="0" smtClean="0"/>
-              <a:t>n </a:t>
-            </a:r>
-            <a:r>
-              <a:rPr lang="es-ES" dirty="0"/>
-              <a:t>de esos cantos de </a:t>
-            </a:r>
-            <a:r>
-              <a:rPr lang="es-ES" dirty="0" smtClean="0"/>
-              <a:t>las demás </a:t>
-            </a:r>
-            <a:r>
-              <a:rPr lang="es-ES" dirty="0"/>
-              <a:t>grabaciones, se </a:t>
-            </a:r>
-            <a:r>
-              <a:rPr lang="es-ES" dirty="0" smtClean="0"/>
-              <a:t>obtendr</a:t>
-            </a:r>
-            <a:r>
-              <a:rPr lang="es-ES" dirty="0"/>
-              <a:t>á</a:t>
-            </a:r>
-            <a:r>
-              <a:rPr lang="es-ES" dirty="0" smtClean="0"/>
-              <a:t>n </a:t>
-            </a:r>
-            <a:r>
-              <a:rPr lang="es-ES" dirty="0"/>
-              <a:t>por separado los datos que se </a:t>
-            </a:r>
-            <a:r>
-              <a:rPr lang="es-ES" dirty="0" smtClean="0"/>
-              <a:t>buscan.</a:t>
-            </a:r>
-            <a:endParaRPr lang="es-ES" dirty="0"/>
-          </a:p>
-        </p:txBody>
-      </p:sp>
-    </p:spTree>
-    <p:extLst>
-      <p:ext uri="{BB962C8B-B14F-4D97-AF65-F5344CB8AC3E}">
-        <p14:creationId xmlns:p14="http://schemas.microsoft.com/office/powerpoint/2010/main" val="1802627195"/>
-      </p:ext>
-    </p:extLst>
-  </p:cSld>
-  <p:clrMapOvr>
-    <a:masterClrMapping/>
-  </p:clrMapOvr>
-  <p:timing>
-    <p:tnLst>
-      <p:par>
-        <p:cTn id="1" dur="indefinite" restart="never" nodeType="tmRoot"/>
-      </p:par>
-    </p:tnLst>
-  </p:timing>
-</p:sld>
-</file>
-
-<file path=ppt/slides/slide22.xml><?xml version="1.0" encoding="utf-8"?>
-<p:sld xmlns:a="http://schemas.openxmlformats.org/drawingml/2006/main" xmlns:r="http://schemas.openxmlformats.org/officeDocument/2006/relationships" xmlns:p="http://schemas.openxmlformats.org/presentationml/2006/main">
-  <p:cSld>
-    <p:spTree>
-      <p:nvGrpSpPr>
-        <p:cNvPr id="1" name=""/>
-        <p:cNvGrpSpPr/>
-        <p:nvPr/>
-      </p:nvGrpSpPr>
-      <p:grpSpPr>
-        <a:xfrm>
-          <a:off x="0" y="0"/>
-          <a:ext cx="0" cy="0"/>
-          <a:chOff x="0" y="0"/>
-          <a:chExt cx="0" cy="0"/>
-        </a:xfrm>
-      </p:grpSpPr>
-      <p:sp>
-        <p:nvSpPr>
-          <p:cNvPr id="2" name="Título 1"/>
-          <p:cNvSpPr>
-            <a:spLocks noGrp="1"/>
-          </p:cNvSpPr>
-          <p:nvPr>
-            <p:ph type="title"/>
-          </p:nvPr>
-        </p:nvSpPr>
-        <p:spPr/>
-        <p:txBody>
-          <a:bodyPr/>
-          <a:lstStyle/>
-          <a:p>
-            <a:r>
-              <a:rPr lang="es-ES" dirty="0" smtClean="0"/>
-              <a:t>Idea del algoritmo.</a:t>
-            </a:r>
-            <a:endParaRPr lang="es-ES" dirty="0"/>
-          </a:p>
-        </p:txBody>
-      </p:sp>
-      <p:sp>
-        <p:nvSpPr>
-          <p:cNvPr id="3" name="Marcador de contenido 2"/>
-          <p:cNvSpPr>
-            <a:spLocks noGrp="1"/>
-          </p:cNvSpPr>
-          <p:nvPr>
-            <p:ph idx="1"/>
-          </p:nvPr>
-        </p:nvSpPr>
-        <p:spPr>
-          <a:xfrm>
-            <a:off x="838200" y="4764775"/>
-            <a:ext cx="10515600" cy="1504429"/>
-          </a:xfrm>
-        </p:spPr>
-        <p:txBody>
-          <a:bodyPr>
-            <a:normAutofit/>
-          </a:bodyPr>
-          <a:lstStyle/>
-          <a:p>
-            <a:r>
-              <a:rPr lang="es-ES" dirty="0"/>
-              <a:t>Se repite el proceso anterior hasta que en </a:t>
-            </a:r>
-            <a:r>
-              <a:rPr lang="es-ES" dirty="0" smtClean="0"/>
-              <a:t>cada </a:t>
-            </a:r>
-            <a:r>
-              <a:rPr lang="es-ES" i="1" dirty="0" err="1" smtClean="0"/>
-              <a:t>array</a:t>
-            </a:r>
-            <a:r>
-              <a:rPr lang="es-ES" dirty="0" smtClean="0"/>
-              <a:t> </a:t>
-            </a:r>
-            <a:r>
-              <a:rPr lang="es-ES" dirty="0"/>
-              <a:t>de </a:t>
-            </a:r>
-            <a:r>
-              <a:rPr lang="es-ES" dirty="0" smtClean="0"/>
-              <a:t>energ</a:t>
-            </a:r>
-            <a:r>
-              <a:rPr lang="es-ES" dirty="0"/>
-              <a:t>í</a:t>
-            </a:r>
-            <a:r>
-              <a:rPr lang="es-ES" dirty="0" smtClean="0"/>
-              <a:t>a </a:t>
-            </a:r>
-            <a:r>
-              <a:rPr lang="es-ES" dirty="0"/>
-              <a:t>temporal solo queden valores </a:t>
-            </a:r>
-            <a:r>
-              <a:rPr lang="es-ES" dirty="0" smtClean="0"/>
-              <a:t>por debajo </a:t>
-            </a:r>
-            <a:r>
-              <a:rPr lang="es-ES" dirty="0"/>
-              <a:t>de su respectivo umbral</a:t>
-            </a:r>
-            <a:r>
-              <a:rPr lang="es-ES" dirty="0" smtClean="0"/>
-              <a:t>.</a:t>
-            </a:r>
-          </a:p>
-          <a:p>
-            <a:r>
-              <a:rPr lang="es-ES" dirty="0"/>
-              <a:t>Finalmente se guardan los resultados.</a:t>
-            </a:r>
-            <a:endParaRPr lang="es-ES" dirty="0" smtClean="0"/>
-          </a:p>
-          <a:p>
-            <a:endParaRPr lang="es-ES" dirty="0"/>
-          </a:p>
-        </p:txBody>
-      </p:sp>
-      <p:sp>
-        <p:nvSpPr>
-          <p:cNvPr id="4" name="CuadroTexto 3"/>
-          <p:cNvSpPr txBox="1"/>
-          <p:nvPr/>
-        </p:nvSpPr>
-        <p:spPr>
-          <a:xfrm>
-            <a:off x="1214650" y="3195116"/>
-            <a:ext cx="10977350" cy="1569660"/>
-          </a:xfrm>
-          <a:prstGeom prst="rect">
-            <a:avLst/>
-          </a:prstGeom>
-          <a:noFill/>
-        </p:spPr>
-        <p:txBody>
-          <a:bodyPr wrap="square" rtlCol="0">
-            <a:spAutoFit/>
-          </a:bodyPr>
-          <a:lstStyle/>
-          <a:p>
-            <a:pPr marL="285750" indent="-285750">
-              <a:buFont typeface="Wingdings" panose="05000000000000000000" pitchFamily="2" charset="2"/>
-              <a:buChar char="§"/>
-            </a:pPr>
-            <a:r>
-              <a:rPr lang="es-ES" sz="2400" dirty="0"/>
-              <a:t>En é</a:t>
-            </a:r>
-            <a:r>
-              <a:rPr lang="es-ES" sz="2400" dirty="0" smtClean="0"/>
-              <a:t>l </a:t>
-            </a:r>
-            <a:r>
-              <a:rPr lang="es-ES" sz="2400" dirty="0"/>
-              <a:t>se selecciona el í</a:t>
-            </a:r>
-            <a:r>
-              <a:rPr lang="es-ES" sz="2400" dirty="0" smtClean="0"/>
-              <a:t>ndice </a:t>
-            </a:r>
-            <a:r>
-              <a:rPr lang="es-ES" sz="2400" dirty="0"/>
-              <a:t>donde se </a:t>
-            </a:r>
-            <a:r>
-              <a:rPr lang="es-ES" sz="2400" dirty="0" smtClean="0"/>
-              <a:t>registra la energ</a:t>
-            </a:r>
-            <a:r>
-              <a:rPr lang="es-ES" sz="2400" dirty="0"/>
-              <a:t>í</a:t>
-            </a:r>
-            <a:r>
-              <a:rPr lang="es-ES" sz="2400" dirty="0" smtClean="0"/>
-              <a:t>a máxima.</a:t>
-            </a:r>
-          </a:p>
-          <a:p>
-            <a:pPr marL="285750" indent="-285750">
-              <a:buFont typeface="Wingdings" panose="05000000000000000000" pitchFamily="2" charset="2"/>
-              <a:buChar char="§"/>
-            </a:pPr>
-            <a:r>
-              <a:rPr lang="es-ES" sz="2400" dirty="0"/>
-              <a:t>Si la </a:t>
-            </a:r>
-            <a:r>
-              <a:rPr lang="es-ES" sz="2400" dirty="0" smtClean="0"/>
-              <a:t>energ</a:t>
-            </a:r>
-            <a:r>
-              <a:rPr lang="es-ES" sz="2400" dirty="0"/>
-              <a:t>í</a:t>
-            </a:r>
-            <a:r>
-              <a:rPr lang="es-ES" sz="2400" dirty="0" smtClean="0"/>
-              <a:t>a </a:t>
-            </a:r>
-            <a:r>
-              <a:rPr lang="es-ES" sz="2400" dirty="0"/>
-              <a:t>es mayor que el umbral para </a:t>
-            </a:r>
-            <a:r>
-              <a:rPr lang="es-ES" sz="2400" dirty="0" smtClean="0"/>
-              <a:t>el archivo </a:t>
-            </a:r>
-            <a:r>
-              <a:rPr lang="es-ES" sz="2400" dirty="0"/>
-              <a:t>seleccionado, se copia su valor en </a:t>
-            </a:r>
-            <a:r>
-              <a:rPr lang="es-ES" sz="2400" dirty="0" smtClean="0"/>
-              <a:t>el índice </a:t>
-            </a:r>
-            <a:r>
-              <a:rPr lang="es-ES" sz="2400" dirty="0"/>
-              <a:t>del archivo </a:t>
-            </a:r>
-            <a:r>
-              <a:rPr lang="es-ES" sz="2400" dirty="0" smtClean="0"/>
-              <a:t>vac</a:t>
-            </a:r>
-            <a:r>
-              <a:rPr lang="es-ES" sz="2400" dirty="0"/>
-              <a:t>í</a:t>
-            </a:r>
-            <a:r>
-              <a:rPr lang="es-ES" sz="2400" dirty="0" smtClean="0"/>
-              <a:t>o </a:t>
-            </a:r>
-            <a:r>
-              <a:rPr lang="es-ES" sz="2400" dirty="0"/>
-              <a:t>correspondiente</a:t>
-            </a:r>
-            <a:r>
-              <a:rPr lang="es-ES" sz="2400" dirty="0" smtClean="0"/>
-              <a:t>.</a:t>
-            </a:r>
-          </a:p>
-          <a:p>
-            <a:pPr marL="285750" indent="-285750">
-              <a:buFont typeface="Wingdings" panose="05000000000000000000" pitchFamily="2" charset="2"/>
-              <a:buChar char="§"/>
-            </a:pPr>
-            <a:r>
-              <a:rPr lang="es-ES" sz="2400" dirty="0"/>
-              <a:t>Se borra el valor que exista en dicho í</a:t>
-            </a:r>
-            <a:r>
-              <a:rPr lang="es-ES" sz="2400" dirty="0" smtClean="0"/>
-              <a:t>ndice en </a:t>
-            </a:r>
-            <a:r>
-              <a:rPr lang="es-ES" sz="2400" dirty="0"/>
-              <a:t>los 9 archivos (se coloca un 0</a:t>
-            </a:r>
-            <a:r>
-              <a:rPr lang="es-ES" sz="2400" dirty="0" smtClean="0"/>
-              <a:t>).</a:t>
-            </a:r>
-          </a:p>
-        </p:txBody>
-      </p:sp>
-      <p:sp>
-        <p:nvSpPr>
-          <p:cNvPr id="5" name="Marcador de contenido 2"/>
-          <p:cNvSpPr txBox="1">
-            <a:spLocks/>
-          </p:cNvSpPr>
-          <p:nvPr/>
-        </p:nvSpPr>
-        <p:spPr>
-          <a:xfrm>
-            <a:off x="838200" y="1690688"/>
-            <a:ext cx="10515600" cy="1504429"/>
-          </a:xfrm>
-          <a:prstGeom prst="rect">
-            <a:avLst/>
-          </a:prstGeom>
-        </p:spPr>
-        <p:txBody>
-          <a:bodyPr vert="horz" lIns="91440" tIns="45720" rIns="91440" bIns="45720" rtlCol="0">
-            <a:normAutofit/>
-          </a:bodyPr>
-          <a:lstStyle>
-            <a:lvl1pPr marL="228600" indent="-228600" algn="l" defTabSz="914400" rtl="0" eaLnBrk="1" latinLnBrk="0" hangingPunct="1">
-              <a:lnSpc>
-                <a:spcPct val="90000"/>
-              </a:lnSpc>
-              <a:spcBef>
-                <a:spcPts val="1000"/>
-              </a:spcBef>
-              <a:buFont typeface="Arial" panose="020B0604020202020204" pitchFamily="34" charset="0"/>
-              <a:buChar char="•"/>
-              <a:defRPr sz="2800" kern="1200">
-                <a:solidFill>
-                  <a:schemeClr val="tx1"/>
-                </a:solidFill>
-                <a:latin typeface="+mn-lt"/>
-                <a:ea typeface="+mn-ea"/>
-                <a:cs typeface="+mn-cs"/>
-              </a:defRPr>
-            </a:lvl1pPr>
-            <a:lvl2pPr marL="685800" indent="-228600" algn="l" defTabSz="914400" rtl="0" eaLnBrk="1" latinLnBrk="0" hangingPunct="1">
-              <a:lnSpc>
-                <a:spcPct val="90000"/>
-              </a:lnSpc>
-              <a:spcBef>
-                <a:spcPts val="500"/>
-              </a:spcBef>
-              <a:buFont typeface="Arial" panose="020B0604020202020204" pitchFamily="34" charset="0"/>
-              <a:buChar char="•"/>
-              <a:defRPr sz="2400" kern="1200">
-                <a:solidFill>
-                  <a:schemeClr val="tx1"/>
-                </a:solidFill>
-                <a:latin typeface="+mn-lt"/>
-                <a:ea typeface="+mn-ea"/>
-                <a:cs typeface="+mn-cs"/>
-              </a:defRPr>
-            </a:lvl2pPr>
-            <a:lvl3pPr marL="1143000" indent="-228600" algn="l" defTabSz="914400" rtl="0" eaLnBrk="1" latinLnBrk="0" hangingPunct="1">
-              <a:lnSpc>
-                <a:spcPct val="90000"/>
-              </a:lnSpc>
-              <a:spcBef>
-                <a:spcPts val="500"/>
-              </a:spcBef>
-              <a:buFont typeface="Arial" panose="020B0604020202020204" pitchFamily="34" charset="0"/>
-              <a:buChar char="•"/>
-              <a:defRPr sz="2000" kern="1200">
-                <a:solidFill>
-                  <a:schemeClr val="tx1"/>
-                </a:solidFill>
-                <a:latin typeface="+mn-lt"/>
-                <a:ea typeface="+mn-ea"/>
-                <a:cs typeface="+mn-cs"/>
-              </a:defRPr>
-            </a:lvl3pPr>
-            <a:lvl4pPr marL="1600200" indent="-228600" algn="l" defTabSz="914400" rtl="0" eaLnBrk="1" latinLnBrk="0" hangingPunct="1">
-              <a:lnSpc>
-                <a:spcPct val="90000"/>
-              </a:lnSpc>
-              <a:spcBef>
-                <a:spcPts val="500"/>
-              </a:spcBef>
-              <a:buFont typeface="Arial" panose="020B0604020202020204" pitchFamily="34" charset="0"/>
-              <a:buChar char="•"/>
-              <a:defRPr sz="1800" kern="1200">
-                <a:solidFill>
-                  <a:schemeClr val="tx1"/>
-                </a:solidFill>
-                <a:latin typeface="+mn-lt"/>
-                <a:ea typeface="+mn-ea"/>
-                <a:cs typeface="+mn-cs"/>
-              </a:defRPr>
-            </a:lvl4pPr>
-            <a:lvl5pPr marL="2057400" indent="-228600" algn="l" defTabSz="914400" rtl="0" eaLnBrk="1" latinLnBrk="0" hangingPunct="1">
-              <a:lnSpc>
-                <a:spcPct val="90000"/>
-              </a:lnSpc>
-              <a:spcBef>
-                <a:spcPts val="500"/>
-              </a:spcBef>
-              <a:buFont typeface="Arial" panose="020B0604020202020204" pitchFamily="34" charset="0"/>
-              <a:buChar char="•"/>
-              <a:defRPr sz="1800" kern="1200">
-                <a:solidFill>
-                  <a:schemeClr val="tx1"/>
-                </a:solidFill>
-                <a:latin typeface="+mn-lt"/>
-                <a:ea typeface="+mn-ea"/>
-                <a:cs typeface="+mn-cs"/>
-              </a:defRPr>
-            </a:lvl5pPr>
-            <a:lvl6pPr marL="2514600" indent="-228600" algn="l" defTabSz="914400" rtl="0" eaLnBrk="1" latinLnBrk="0" hangingPunct="1">
-              <a:lnSpc>
-                <a:spcPct val="90000"/>
-              </a:lnSpc>
-              <a:spcBef>
-                <a:spcPts val="500"/>
-              </a:spcBef>
-              <a:buFont typeface="Arial" panose="020B0604020202020204" pitchFamily="34" charset="0"/>
-              <a:buChar char="•"/>
-              <a:defRPr sz="1800" kern="1200">
-                <a:solidFill>
-                  <a:schemeClr val="tx1"/>
-                </a:solidFill>
-                <a:latin typeface="+mn-lt"/>
-                <a:ea typeface="+mn-ea"/>
-                <a:cs typeface="+mn-cs"/>
-              </a:defRPr>
-            </a:lvl6pPr>
-            <a:lvl7pPr marL="2971800" indent="-228600" algn="l" defTabSz="914400" rtl="0" eaLnBrk="1" latinLnBrk="0" hangingPunct="1">
-              <a:lnSpc>
-                <a:spcPct val="90000"/>
-              </a:lnSpc>
-              <a:spcBef>
-                <a:spcPts val="500"/>
-              </a:spcBef>
-              <a:buFont typeface="Arial" panose="020B0604020202020204" pitchFamily="34" charset="0"/>
-              <a:buChar char="•"/>
-              <a:defRPr sz="1800" kern="1200">
-                <a:solidFill>
-                  <a:schemeClr val="tx1"/>
-                </a:solidFill>
-                <a:latin typeface="+mn-lt"/>
-                <a:ea typeface="+mn-ea"/>
-                <a:cs typeface="+mn-cs"/>
-              </a:defRPr>
-            </a:lvl7pPr>
-            <a:lvl8pPr marL="3429000" indent="-228600" algn="l" defTabSz="914400" rtl="0" eaLnBrk="1" latinLnBrk="0" hangingPunct="1">
-              <a:lnSpc>
-                <a:spcPct val="90000"/>
-              </a:lnSpc>
-              <a:spcBef>
-                <a:spcPts val="500"/>
-              </a:spcBef>
-              <a:buFont typeface="Arial" panose="020B0604020202020204" pitchFamily="34" charset="0"/>
-              <a:buChar char="•"/>
-              <a:defRPr sz="1800" kern="1200">
-                <a:solidFill>
-                  <a:schemeClr val="tx1"/>
-                </a:solidFill>
-                <a:latin typeface="+mn-lt"/>
-                <a:ea typeface="+mn-ea"/>
-                <a:cs typeface="+mn-cs"/>
-              </a:defRPr>
-            </a:lvl8pPr>
-            <a:lvl9pPr marL="3886200" indent="-228600" algn="l" defTabSz="914400" rtl="0" eaLnBrk="1" latinLnBrk="0" hangingPunct="1">
-              <a:lnSpc>
-                <a:spcPct val="90000"/>
-              </a:lnSpc>
-              <a:spcBef>
-                <a:spcPts val="500"/>
-              </a:spcBef>
-              <a:buFont typeface="Arial" panose="020B0604020202020204" pitchFamily="34" charset="0"/>
-              <a:buChar char="•"/>
-              <a:defRPr sz="1800" kern="1200">
-                <a:solidFill>
-                  <a:schemeClr val="tx1"/>
-                </a:solidFill>
-                <a:latin typeface="+mn-lt"/>
-                <a:ea typeface="+mn-ea"/>
-                <a:cs typeface="+mn-cs"/>
-              </a:defRPr>
-            </a:lvl9pPr>
-          </a:lstStyle>
-          <a:p>
-            <a:r>
-              <a:rPr lang="es-ES" dirty="0" smtClean="0"/>
-              <a:t>Se guardan copias vacías (llenas de ceros) de los </a:t>
-            </a:r>
-            <a:r>
-              <a:rPr lang="es-ES" i="1" dirty="0" err="1" smtClean="0"/>
-              <a:t>arrays</a:t>
-            </a:r>
-            <a:r>
-              <a:rPr lang="es-ES" dirty="0" smtClean="0"/>
-              <a:t> de energías temporales.</a:t>
-            </a:r>
-          </a:p>
-          <a:p>
-            <a:r>
-              <a:rPr lang="es-ES" dirty="0" smtClean="0"/>
-              <a:t>Se selecciona de forma aleatoria uno de los 9 archivos.</a:t>
-            </a:r>
-          </a:p>
-          <a:p>
-            <a:endParaRPr lang="es-ES" dirty="0"/>
-          </a:p>
-        </p:txBody>
-      </p:sp>
-    </p:spTree>
-    <p:extLst>
-      <p:ext uri="{BB962C8B-B14F-4D97-AF65-F5344CB8AC3E}">
-        <p14:creationId xmlns:p14="http://schemas.microsoft.com/office/powerpoint/2010/main" val="310721540"/>
-      </p:ext>
-    </p:extLst>
-  </p:cSld>
-  <p:clrMapOvr>
-    <a:masterClrMapping/>
-  </p:clrMapOvr>
-  <p:timing>
-    <p:tnLst>
-      <p:par>
-        <p:cTn id="1" dur="indefinite" restart="never" nodeType="tmRoot"/>
-      </p:par>
-    </p:tnLst>
-  </p:timing>
-</p:sld>
-</file>
-
-<file path=ppt/slides/slide23.xml><?xml version="1.0" encoding="utf-8"?>
-<p:sld xmlns:a="http://schemas.openxmlformats.org/drawingml/2006/main" xmlns:r="http://schemas.openxmlformats.org/officeDocument/2006/relationships" xmlns:p="http://schemas.openxmlformats.org/presentationml/2006/main">
-  <p:cSld>
-    <p:spTree>
-      <p:nvGrpSpPr>
-        <p:cNvPr id="1" name=""/>
-        <p:cNvGrpSpPr/>
-        <p:nvPr/>
-      </p:nvGrpSpPr>
-      <p:grpSpPr>
-        <a:xfrm>
-          <a:off x="0" y="0"/>
-          <a:ext cx="0" cy="0"/>
-          <a:chOff x="0" y="0"/>
-          <a:chExt cx="0" cy="0"/>
-        </a:xfrm>
-      </p:grpSpPr>
-      <p:sp>
-        <p:nvSpPr>
-          <p:cNvPr id="2" name="Título 1"/>
-          <p:cNvSpPr>
-            <a:spLocks noGrp="1"/>
-          </p:cNvSpPr>
-          <p:nvPr>
-            <p:ph type="title"/>
-          </p:nvPr>
-        </p:nvSpPr>
-        <p:spPr/>
-        <p:txBody>
-          <a:bodyPr/>
-          <a:lstStyle/>
-          <a:p>
-            <a:r>
               <a:rPr lang="es-ES" dirty="0" smtClean="0"/>
               <a:t>Secuencia de cantos luego de aplicar el algoritmo.</a:t>
             </a:r>
@@ -6185,7 +6601,7 @@
 </p:sld>
 </file>
 
-<file path=ppt/slides/slide24.xml><?xml version="1.0" encoding="utf-8"?>
+<file path=ppt/slides/slide21.xml><?xml version="1.0" encoding="utf-8"?>
 <p:sld xmlns:a="http://schemas.openxmlformats.org/drawingml/2006/main" xmlns:r="http://schemas.openxmlformats.org/officeDocument/2006/relationships" xmlns:p="http://schemas.openxmlformats.org/presentationml/2006/main">
   <p:cSld>
     <p:spTree>
@@ -6273,7 +6689,7 @@
 </p:sld>
 </file>
 
-<file path=ppt/slides/slide25.xml><?xml version="1.0" encoding="utf-8"?>
+<file path=ppt/slides/slide22.xml><?xml version="1.0" encoding="utf-8"?>
 <p:sld xmlns:a="http://schemas.openxmlformats.org/drawingml/2006/main" xmlns:r="http://schemas.openxmlformats.org/officeDocument/2006/relationships" xmlns:p="http://schemas.openxmlformats.org/presentationml/2006/main">
   <p:cSld>
     <p:spTree>
@@ -6392,7 +6808,101 @@
 </p:sld>
 </file>
 
-<file path=ppt/slides/slide26.xml><?xml version="1.0" encoding="utf-8"?>
+<file path=ppt/slides/slide23.xml><?xml version="1.0" encoding="utf-8"?>
+<p:sld xmlns:a="http://schemas.openxmlformats.org/drawingml/2006/main" xmlns:r="http://schemas.openxmlformats.org/officeDocument/2006/relationships" xmlns:p="http://schemas.openxmlformats.org/presentationml/2006/main">
+  <p:cSld>
+    <p:spTree>
+      <p:nvGrpSpPr>
+        <p:cNvPr id="1" name=""/>
+        <p:cNvGrpSpPr/>
+        <p:nvPr/>
+      </p:nvGrpSpPr>
+      <p:grpSpPr>
+        <a:xfrm>
+          <a:off x="0" y="0"/>
+          <a:ext cx="0" cy="0"/>
+          <a:chOff x="0" y="0"/>
+          <a:chExt cx="0" cy="0"/>
+        </a:xfrm>
+      </p:grpSpPr>
+      <p:sp>
+        <p:nvSpPr>
+          <p:cNvPr id="2" name="Título 1"/>
+          <p:cNvSpPr>
+            <a:spLocks noGrp="1"/>
+          </p:cNvSpPr>
+          <p:nvPr>
+            <p:ph type="title"/>
+          </p:nvPr>
+        </p:nvSpPr>
+        <p:spPr/>
+        <p:txBody>
+          <a:bodyPr/>
+          <a:lstStyle/>
+          <a:p>
+            <a:r>
+              <a:rPr lang="es-ES" dirty="0" smtClean="0"/>
+              <a:t>Conclusiones</a:t>
+            </a:r>
+            <a:endParaRPr lang="es-ES" dirty="0"/>
+          </a:p>
+        </p:txBody>
+      </p:sp>
+      <p:sp>
+        <p:nvSpPr>
+          <p:cNvPr id="3" name="Marcador de contenido 2"/>
+          <p:cNvSpPr>
+            <a:spLocks noGrp="1"/>
+          </p:cNvSpPr>
+          <p:nvPr>
+            <p:ph idx="1"/>
+          </p:nvPr>
+        </p:nvSpPr>
+        <p:spPr/>
+        <p:txBody>
+          <a:bodyPr/>
+          <a:lstStyle/>
+          <a:p>
+            <a:r>
+              <a:rPr lang="es-ES" dirty="0" smtClean="0"/>
+              <a:t>Se logró un mayor grado de sincronización de los archivos.</a:t>
+            </a:r>
+          </a:p>
+          <a:p>
+            <a:r>
+              <a:rPr lang="es-ES" dirty="0" smtClean="0"/>
+              <a:t>Se logró distinguir el ejemplar más cercano a cada micrófono.</a:t>
+            </a:r>
+          </a:p>
+          <a:p>
+            <a:r>
+              <a:rPr lang="es-ES" dirty="0" smtClean="0"/>
+              <a:t>Se obtuvo una secuencia de cantos que a simple vista parece tener una estructura determinada.</a:t>
+            </a:r>
+          </a:p>
+          <a:p>
+            <a:r>
+              <a:rPr lang="es-ES" dirty="0" smtClean="0"/>
+              <a:t>Cada individuo parece regular la frecuencia de sus cantos para no coincidir con los de sus vecinos cercanos.</a:t>
+            </a:r>
+            <a:endParaRPr lang="es-ES" dirty="0"/>
+          </a:p>
+        </p:txBody>
+      </p:sp>
+    </p:spTree>
+    <p:extLst>
+      <p:ext uri="{BB962C8B-B14F-4D97-AF65-F5344CB8AC3E}">
+        <p14:creationId xmlns:p14="http://schemas.microsoft.com/office/powerpoint/2010/main" val="2657056066"/>
+      </p:ext>
+    </p:extLst>
+  </p:cSld>
+  <p:clrMapOvr>
+    <a:masterClrMapping/>
+  </p:clrMapOvr>
+</p:sld>
+</file>
+
+<file path=ppt/slides/slide24.xml><?xml version="1.0" encoding="utf-8"?>
 <p:sld xmlns:a="http://schemas.openxmlformats.org/drawingml/2006/main" xmlns:r="http://schemas.openxmlformats.org/officeDocument/2006/relationships" xmlns:p="http://schemas.openxmlformats.org/presentationml/2006/main">
   <p:cSld>
     <p:spTree>
@@ -6489,7 +6999,7 @@
 </p:sld>
 </file>
 
-<file path=ppt/slides/slide27.xml><?xml version="1.0" encoding="utf-8"?>
+<file path=ppt/slides/slide25.xml><?xml version="1.0" encoding="utf-8"?>
 <p:sld xmlns:a="http://schemas.openxmlformats.org/drawingml/2006/main" xmlns:r="http://schemas.openxmlformats.org/officeDocument/2006/relationships" xmlns:p="http://schemas.openxmlformats.org/presentationml/2006/main">
   <p:cSld>
     <p:spTree>
@@ -7200,7 +7710,14 @@
           <a:p>
             <a:r>
               <a:rPr lang="es-ES" dirty="0" smtClean="0"/>
-              <a:t>Motivaciones</a:t>
+              <a:t>    Motivaciones</a:t>
+            </a:r>
+            <a:br>
+              <a:rPr lang="es-ES" dirty="0" smtClean="0"/>
+            </a:br>
+            <a:r>
+              <a:rPr lang="es-ES" dirty="0" smtClean="0"/>
+              <a:t>    Descripción del Problema</a:t>
             </a:r>
             <a:endParaRPr lang="es-ES" dirty="0"/>
           </a:p>
@@ -7216,56 +7733,181 @@
             <p:ph idx="1"/>
           </p:nvPr>
         </p:nvSpPr>
-        <p:spPr/>
-        <p:txBody>
-          <a:bodyPr/>
-          <a:lstStyle/>
-          <a:p>
-            <a:r>
-              <a:rPr lang="es-ES" dirty="0" smtClean="0"/>
-              <a:t>Estudiar los coros de </a:t>
+        <p:spPr>
+          <a:xfrm>
+            <a:off x="491319" y="1607167"/>
+            <a:ext cx="11477767" cy="4820835"/>
+          </a:xfrm>
+        </p:spPr>
+        <p:txBody>
+          <a:bodyPr>
+            <a:normAutofit fontScale="92500" lnSpcReduction="10000"/>
+          </a:bodyPr>
+          <a:lstStyle/>
+          <a:p>
+            <a:r>
+              <a:rPr lang="es-ES" dirty="0" smtClean="0"/>
+              <a:t>Se tiene un conjunto de grabaciones hechas por 9 micrófonos, cada uno situado geográficamente cercano a un ejemplar de Elena.</a:t>
+            </a:r>
+          </a:p>
+          <a:p>
+            <a:r>
+              <a:rPr lang="es-ES" dirty="0" smtClean="0"/>
+              <a:t>Se grabó durante 3 días, comenzando a las 18:00 horas y terminando a las 06:00 horas del día siguiente.</a:t>
+            </a:r>
+          </a:p>
+          <a:p>
+            <a:r>
+              <a:rPr lang="es-ES" dirty="0" smtClean="0"/>
+              <a:t>Se graban 58 minutos y se descansan 2.</a:t>
+            </a:r>
+          </a:p>
+          <a:p>
+            <a:r>
+              <a:rPr lang="es-ES" dirty="0" smtClean="0"/>
+              <a:t>Activación remota y simultánea de los micrófonos.</a:t>
+            </a:r>
+          </a:p>
+          <a:p>
+            <a:r>
+              <a:rPr lang="es-ES" dirty="0" smtClean="0"/>
+              <a:t>Cada micrófono puede registrar otros cantos y señales aparte de la del ejemplar cercano a él.</a:t>
+            </a:r>
+          </a:p>
+          <a:p>
+            <a:r>
+              <a:rPr lang="es-ES" dirty="0" smtClean="0"/>
+              <a:t>Para mostrar los resultados de este trabajo se utilizarán las grabaciones </a:t>
+            </a:r>
+            <a:r>
+              <a:rPr lang="es-ES" dirty="0"/>
+              <a:t>del 21 de octubre de 2023 a las 19:00 horas</a:t>
+            </a:r>
+            <a:r>
+              <a:rPr lang="es-ES" dirty="0" smtClean="0"/>
+              <a:t>.</a:t>
+            </a:r>
+          </a:p>
+          <a:p>
+            <a:r>
+              <a:rPr lang="es-ES" dirty="0" smtClean="0"/>
+              <a:t>Se trabajará con el </a:t>
             </a:r>
             <a:r>
               <a:rPr lang="es-ES" dirty="0" err="1" smtClean="0"/>
-              <a:t>Elenas</a:t>
-            </a:r>
-            <a:r>
-              <a:rPr lang="es-ES" dirty="0" smtClean="0"/>
-              <a:t>.</a:t>
-            </a:r>
-          </a:p>
-          <a:p>
-            <a:r>
-              <a:rPr lang="es-ES" dirty="0" smtClean="0"/>
-              <a:t>Análisis de causalidad</a:t>
-            </a:r>
-            <a:r>
-              <a:rPr lang="es-ES" dirty="0" smtClean="0"/>
-              <a:t>.</a:t>
-            </a:r>
-          </a:p>
-          <a:p>
-            <a:r>
-              <a:rPr lang="es-ES" dirty="0" smtClean="0"/>
-              <a:t>Tratar el problema con un enfoque más computacional para provocar avances en el procesamiento y análisis de los datos.</a:t>
-            </a:r>
-          </a:p>
-          <a:p>
-            <a:r>
-              <a:rPr lang="es-ES" dirty="0" smtClean="0"/>
-              <a:t>Obtener estadísticas que aporten contundencia y rigurosidad a los resultados.</a:t>
-            </a:r>
-            <a:endParaRPr lang="es-ES" dirty="0" smtClean="0"/>
-          </a:p>
-          <a:p>
+              <a:t>mel</a:t>
+            </a:r>
+            <a:r>
+              <a:rPr lang="es-ES" dirty="0" smtClean="0"/>
+              <a:t>-espectrograma de cada audio, renombrado con una letra de la “</a:t>
+            </a:r>
+            <a:r>
+              <a:rPr lang="es-ES" i="1" dirty="0" smtClean="0"/>
+              <a:t>a”</a:t>
+            </a:r>
+            <a:r>
+              <a:rPr lang="es-ES" dirty="0" smtClean="0"/>
+              <a:t> a la “</a:t>
+            </a:r>
+            <a:r>
+              <a:rPr lang="es-ES" i="1" dirty="0" smtClean="0"/>
+              <a:t>i”</a:t>
+            </a:r>
+            <a:r>
+              <a:rPr lang="es-ES" dirty="0" smtClean="0"/>
+              <a:t> en el abecedario.</a:t>
+            </a:r>
             <a:endParaRPr lang="es-ES" dirty="0"/>
+          </a:p>
+          <a:p>
+            <a:endParaRPr lang="es-ES" dirty="0"/>
+          </a:p>
+        </p:txBody>
+      </p:sp>
+      <p:sp>
+        <p:nvSpPr>
+          <p:cNvPr id="4" name="Elipse 3"/>
+          <p:cNvSpPr/>
+          <p:nvPr/>
+        </p:nvSpPr>
+        <p:spPr>
+          <a:xfrm>
+            <a:off x="892791" y="633082"/>
+            <a:ext cx="232012" cy="235376"/>
+          </a:xfrm>
+          <a:prstGeom prst="ellipse">
+            <a:avLst/>
+          </a:prstGeom>
+        </p:spPr>
+        <p:style>
+          <a:lnRef idx="2">
+            <a:schemeClr val="accent1">
+              <a:shade val="50000"/>
+            </a:schemeClr>
+          </a:lnRef>
+          <a:fillRef idx="1">
+            <a:schemeClr val="accent1"/>
+          </a:fillRef>
+          <a:effectRef idx="0">
+            <a:schemeClr val="accent1"/>
+          </a:effectRef>
+          <a:fontRef idx="minor">
+            <a:schemeClr val="lt1"/>
+          </a:fontRef>
+        </p:style>
+        <p:txBody>
+          <a:bodyPr rtlCol="0" anchor="ctr"/>
+          <a:lstStyle/>
+          <a:p>
+            <a:pPr algn="ctr"/>
+            <a:endParaRPr lang="es-ES"/>
+          </a:p>
+        </p:txBody>
+      </p:sp>
+      <p:sp>
+        <p:nvSpPr>
+          <p:cNvPr id="5" name="Elipse 4"/>
+          <p:cNvSpPr/>
+          <p:nvPr/>
+        </p:nvSpPr>
+        <p:spPr>
+          <a:xfrm>
+            <a:off x="892791" y="1222211"/>
+            <a:ext cx="232012" cy="235376"/>
+          </a:xfrm>
+          <a:prstGeom prst="ellipse">
+            <a:avLst/>
+          </a:prstGeom>
+        </p:spPr>
+        <p:style>
+          <a:lnRef idx="2">
+            <a:schemeClr val="accent1">
+              <a:shade val="50000"/>
+            </a:schemeClr>
+          </a:lnRef>
+          <a:fillRef idx="1">
+            <a:schemeClr val="accent1"/>
+          </a:fillRef>
+          <a:effectRef idx="0">
+            <a:schemeClr val="accent1"/>
+          </a:effectRef>
+          <a:fontRef idx="minor">
+            <a:schemeClr val="lt1"/>
+          </a:fontRef>
+        </p:style>
+        <p:txBody>
+          <a:bodyPr rtlCol="0" anchor="ctr"/>
+          <a:lstStyle/>
+          <a:p>
+            <a:pPr algn="ctr"/>
+            <a:endParaRPr lang="es-ES"/>
           </a:p>
         </p:txBody>
       </p:sp>
     </p:spTree>
     <p:extLst>
       <p:ext uri="{BB962C8B-B14F-4D97-AF65-F5344CB8AC3E}">
-        <p14:creationId xmlns:p14="http://schemas.microsoft.com/office/powerpoint/2010/main" val="3704946756"/>
+        <p14:creationId xmlns:p14="http://schemas.microsoft.com/office/powerpoint/2010/main" val="1203388383"/>
       </p:ext>
     </p:extLst>
   </p:cSld>
@@ -7299,6 +7941,35 @@
           <a:chExt cx="0" cy="0"/>
         </a:xfrm>
       </p:grpSpPr>
+      <p:pic>
+        <p:nvPicPr>
+          <p:cNvPr id="4" name="Marcador de contenido 3"/>
+          <p:cNvPicPr>
+            <a:picLocks noGrp="1" noChangeAspect="1"/>
+          </p:cNvPicPr>
+          <p:nvPr>
+            <p:ph idx="1"/>
+          </p:nvPr>
+        </p:nvPicPr>
+        <p:blipFill>
+          <a:blip r:embed="rId2">
+            <a:extLst>
+              <a:ext uri="{28A0092B-C50C-407E-A947-70E740481C1C}">
+                <a14:useLocalDpi xmlns:a14="http://schemas.microsoft.com/office/drawing/2010/main" val="0"/>
+              </a:ext>
+            </a:extLst>
+          </a:blip>
+          <a:stretch>
+            <a:fillRect/>
+          </a:stretch>
+        </p:blipFill>
+        <p:spPr>
+          <a:xfrm>
+            <a:off x="0" y="244748"/>
+            <a:ext cx="11756892" cy="6613252"/>
+          </a:xfrm>
+        </p:spPr>
+      </p:pic>
       <p:sp>
         <p:nvSpPr>
           <p:cNvPr id="2" name="Título 1"/>
@@ -7309,70 +7980,415 @@
             <p:ph type="title"/>
           </p:nvPr>
         </p:nvSpPr>
-        <p:spPr/>
+        <p:spPr>
+          <a:xfrm>
+            <a:off x="1378424" y="365125"/>
+            <a:ext cx="6346209" cy="1325563"/>
+          </a:xfrm>
+        </p:spPr>
         <p:txBody>
           <a:bodyPr/>
           <a:lstStyle/>
           <a:p>
             <a:r>
-              <a:rPr lang="es-ES" dirty="0" smtClean="0"/>
-              <a:t>Problema</a:t>
-            </a:r>
-            <a:endParaRPr lang="es-ES" dirty="0"/>
-          </a:p>
-        </p:txBody>
-      </p:sp>
-      <p:sp>
-        <p:nvSpPr>
-          <p:cNvPr id="3" name="Marcador de contenido 2"/>
-          <p:cNvSpPr>
-            <a:spLocks noGrp="1"/>
-          </p:cNvSpPr>
-          <p:nvPr>
-            <p:ph idx="1"/>
-          </p:nvPr>
-        </p:nvSpPr>
-        <p:spPr/>
-        <p:txBody>
-          <a:bodyPr/>
-          <a:lstStyle/>
-          <a:p>
-            <a:r>
-              <a:rPr lang="es-ES" dirty="0" smtClean="0"/>
-              <a:t>Se tiene un conjunto de grabaciones hechas por 9 micrófonos, cada uno situado geográficamente cercano a un ejemplar de Elena.</a:t>
-            </a:r>
-          </a:p>
-          <a:p>
-            <a:r>
-              <a:rPr lang="es-ES" dirty="0" smtClean="0"/>
-              <a:t>Se grabó durante 3 días, comenzando a las 18:00 horas y terminando a las 06:00 horas del día siguiente.</a:t>
-            </a:r>
-          </a:p>
-          <a:p>
-            <a:r>
-              <a:rPr lang="es-ES" dirty="0" smtClean="0"/>
-              <a:t>Se graban 58 minutos y se descansan 2.</a:t>
-            </a:r>
-          </a:p>
-          <a:p>
-            <a:r>
-              <a:rPr lang="es-ES" dirty="0" smtClean="0"/>
-              <a:t>Activación remota y simultánea de los micrófonos.</a:t>
-            </a:r>
-          </a:p>
-          <a:p>
-            <a:r>
-              <a:rPr lang="es-ES" dirty="0" smtClean="0"/>
-              <a:t>Cada micrófono puede registrar otros cantos y señales aparte de la del ejemplar cercano a él.</a:t>
-            </a:r>
-            <a:endParaRPr lang="es-ES" dirty="0"/>
+              <a:rPr lang="es-ES" sz="2800" b="1" dirty="0" smtClean="0"/>
+              <a:t>Distribución geográfica de los dispositivos</a:t>
+            </a:r>
+            <a:endParaRPr lang="es-ES" b="1" dirty="0"/>
+          </a:p>
+        </p:txBody>
+      </p:sp>
+      <p:sp>
+        <p:nvSpPr>
+          <p:cNvPr id="6" name="Elipse 5"/>
+          <p:cNvSpPr/>
+          <p:nvPr/>
+        </p:nvSpPr>
+        <p:spPr>
+          <a:xfrm>
+            <a:off x="3903261" y="2634017"/>
+            <a:ext cx="150124" cy="150125"/>
+          </a:xfrm>
+          <a:prstGeom prst="ellipse">
+            <a:avLst/>
+          </a:prstGeom>
+          <a:solidFill>
+            <a:srgbClr val="FF0000"/>
+          </a:solidFill>
+        </p:spPr>
+        <p:style>
+          <a:lnRef idx="2">
+            <a:schemeClr val="accent1">
+              <a:shade val="50000"/>
+            </a:schemeClr>
+          </a:lnRef>
+          <a:fillRef idx="1">
+            <a:schemeClr val="accent1"/>
+          </a:fillRef>
+          <a:effectRef idx="0">
+            <a:schemeClr val="accent1"/>
+          </a:effectRef>
+          <a:fontRef idx="minor">
+            <a:schemeClr val="lt1"/>
+          </a:fontRef>
+        </p:style>
+        <p:txBody>
+          <a:bodyPr rtlCol="0" anchor="ctr"/>
+          <a:lstStyle/>
+          <a:p>
+            <a:pPr algn="ctr"/>
+            <a:endParaRPr lang="es-ES"/>
+          </a:p>
+        </p:txBody>
+      </p:sp>
+      <p:sp>
+        <p:nvSpPr>
+          <p:cNvPr id="7" name="Elipse 6"/>
+          <p:cNvSpPr/>
+          <p:nvPr/>
+        </p:nvSpPr>
+        <p:spPr>
+          <a:xfrm>
+            <a:off x="4055661" y="2786417"/>
+            <a:ext cx="150124" cy="150125"/>
+          </a:xfrm>
+          <a:prstGeom prst="ellipse">
+            <a:avLst/>
+          </a:prstGeom>
+          <a:solidFill>
+            <a:srgbClr val="FF0000"/>
+          </a:solidFill>
+        </p:spPr>
+        <p:style>
+          <a:lnRef idx="2">
+            <a:schemeClr val="accent1">
+              <a:shade val="50000"/>
+            </a:schemeClr>
+          </a:lnRef>
+          <a:fillRef idx="1">
+            <a:schemeClr val="accent1"/>
+          </a:fillRef>
+          <a:effectRef idx="0">
+            <a:schemeClr val="accent1"/>
+          </a:effectRef>
+          <a:fontRef idx="minor">
+            <a:schemeClr val="lt1"/>
+          </a:fontRef>
+        </p:style>
+        <p:txBody>
+          <a:bodyPr rtlCol="0" anchor="ctr"/>
+          <a:lstStyle/>
+          <a:p>
+            <a:pPr algn="ctr"/>
+            <a:endParaRPr lang="es-ES"/>
+          </a:p>
+        </p:txBody>
+      </p:sp>
+      <p:sp>
+        <p:nvSpPr>
+          <p:cNvPr id="8" name="Elipse 7"/>
+          <p:cNvSpPr/>
+          <p:nvPr/>
+        </p:nvSpPr>
+        <p:spPr>
+          <a:xfrm>
+            <a:off x="4890449" y="2809161"/>
+            <a:ext cx="150124" cy="150125"/>
+          </a:xfrm>
+          <a:prstGeom prst="ellipse">
+            <a:avLst/>
+          </a:prstGeom>
+          <a:solidFill>
+            <a:srgbClr val="FF0000"/>
+          </a:solidFill>
+        </p:spPr>
+        <p:style>
+          <a:lnRef idx="2">
+            <a:schemeClr val="accent1">
+              <a:shade val="50000"/>
+            </a:schemeClr>
+          </a:lnRef>
+          <a:fillRef idx="1">
+            <a:schemeClr val="accent1"/>
+          </a:fillRef>
+          <a:effectRef idx="0">
+            <a:schemeClr val="accent1"/>
+          </a:effectRef>
+          <a:fontRef idx="minor">
+            <a:schemeClr val="lt1"/>
+          </a:fontRef>
+        </p:style>
+        <p:txBody>
+          <a:bodyPr rtlCol="0" anchor="ctr"/>
+          <a:lstStyle/>
+          <a:p>
+            <a:pPr algn="ctr"/>
+            <a:endParaRPr lang="es-ES"/>
+          </a:p>
+        </p:txBody>
+      </p:sp>
+      <p:sp>
+        <p:nvSpPr>
+          <p:cNvPr id="9" name="Elipse 8"/>
+          <p:cNvSpPr/>
+          <p:nvPr/>
+        </p:nvSpPr>
+        <p:spPr>
+          <a:xfrm>
+            <a:off x="3320956" y="3930589"/>
+            <a:ext cx="150124" cy="150125"/>
+          </a:xfrm>
+          <a:prstGeom prst="ellipse">
+            <a:avLst/>
+          </a:prstGeom>
+          <a:solidFill>
+            <a:srgbClr val="FF0000"/>
+          </a:solidFill>
+        </p:spPr>
+        <p:style>
+          <a:lnRef idx="2">
+            <a:schemeClr val="accent1">
+              <a:shade val="50000"/>
+            </a:schemeClr>
+          </a:lnRef>
+          <a:fillRef idx="1">
+            <a:schemeClr val="accent1"/>
+          </a:fillRef>
+          <a:effectRef idx="0">
+            <a:schemeClr val="accent1"/>
+          </a:effectRef>
+          <a:fontRef idx="minor">
+            <a:schemeClr val="lt1"/>
+          </a:fontRef>
+        </p:style>
+        <p:txBody>
+          <a:bodyPr rtlCol="0" anchor="ctr"/>
+          <a:lstStyle/>
+          <a:p>
+            <a:pPr algn="ctr"/>
+            <a:endParaRPr lang="es-ES"/>
+          </a:p>
+        </p:txBody>
+      </p:sp>
+      <p:sp>
+        <p:nvSpPr>
+          <p:cNvPr id="10" name="Elipse 9"/>
+          <p:cNvSpPr/>
+          <p:nvPr/>
+        </p:nvSpPr>
+        <p:spPr>
+          <a:xfrm>
+            <a:off x="3525672" y="3628061"/>
+            <a:ext cx="150124" cy="150125"/>
+          </a:xfrm>
+          <a:prstGeom prst="ellipse">
+            <a:avLst/>
+          </a:prstGeom>
+          <a:solidFill>
+            <a:srgbClr val="FF0000"/>
+          </a:solidFill>
+        </p:spPr>
+        <p:style>
+          <a:lnRef idx="2">
+            <a:schemeClr val="accent1">
+              <a:shade val="50000"/>
+            </a:schemeClr>
+          </a:lnRef>
+          <a:fillRef idx="1">
+            <a:schemeClr val="accent1"/>
+          </a:fillRef>
+          <a:effectRef idx="0">
+            <a:schemeClr val="accent1"/>
+          </a:effectRef>
+          <a:fontRef idx="minor">
+            <a:schemeClr val="lt1"/>
+          </a:fontRef>
+        </p:style>
+        <p:txBody>
+          <a:bodyPr rtlCol="0" anchor="ctr"/>
+          <a:lstStyle/>
+          <a:p>
+            <a:pPr algn="ctr"/>
+            <a:endParaRPr lang="es-ES"/>
+          </a:p>
+        </p:txBody>
+      </p:sp>
+      <p:sp>
+        <p:nvSpPr>
+          <p:cNvPr id="11" name="Elipse 10"/>
+          <p:cNvSpPr/>
+          <p:nvPr/>
+        </p:nvSpPr>
+        <p:spPr>
+          <a:xfrm>
+            <a:off x="4205785" y="3797981"/>
+            <a:ext cx="150124" cy="150125"/>
+          </a:xfrm>
+          <a:prstGeom prst="ellipse">
+            <a:avLst/>
+          </a:prstGeom>
+          <a:solidFill>
+            <a:srgbClr val="FF0000"/>
+          </a:solidFill>
+        </p:spPr>
+        <p:style>
+          <a:lnRef idx="2">
+            <a:schemeClr val="accent1">
+              <a:shade val="50000"/>
+            </a:schemeClr>
+          </a:lnRef>
+          <a:fillRef idx="1">
+            <a:schemeClr val="accent1"/>
+          </a:fillRef>
+          <a:effectRef idx="0">
+            <a:schemeClr val="accent1"/>
+          </a:effectRef>
+          <a:fontRef idx="minor">
+            <a:schemeClr val="lt1"/>
+          </a:fontRef>
+        </p:style>
+        <p:txBody>
+          <a:bodyPr rtlCol="0" anchor="ctr"/>
+          <a:lstStyle/>
+          <a:p>
+            <a:pPr algn="ctr"/>
+            <a:endParaRPr lang="es-ES"/>
+          </a:p>
+        </p:txBody>
+      </p:sp>
+      <p:sp>
+        <p:nvSpPr>
+          <p:cNvPr id="12" name="Elipse 11"/>
+          <p:cNvSpPr/>
+          <p:nvPr/>
+        </p:nvSpPr>
+        <p:spPr>
+          <a:xfrm>
+            <a:off x="4053385" y="4088963"/>
+            <a:ext cx="150124" cy="150125"/>
+          </a:xfrm>
+          <a:prstGeom prst="ellipse">
+            <a:avLst/>
+          </a:prstGeom>
+          <a:solidFill>
+            <a:srgbClr val="FF0000"/>
+          </a:solidFill>
+        </p:spPr>
+        <p:style>
+          <a:lnRef idx="2">
+            <a:schemeClr val="accent1">
+              <a:shade val="50000"/>
+            </a:schemeClr>
+          </a:lnRef>
+          <a:fillRef idx="1">
+            <a:schemeClr val="accent1"/>
+          </a:fillRef>
+          <a:effectRef idx="0">
+            <a:schemeClr val="accent1"/>
+          </a:effectRef>
+          <a:fontRef idx="minor">
+            <a:schemeClr val="lt1"/>
+          </a:fontRef>
+        </p:style>
+        <p:txBody>
+          <a:bodyPr rtlCol="0" anchor="ctr"/>
+          <a:lstStyle/>
+          <a:p>
+            <a:pPr algn="ctr"/>
+            <a:endParaRPr lang="es-ES"/>
+          </a:p>
+        </p:txBody>
+      </p:sp>
+      <p:sp>
+        <p:nvSpPr>
+          <p:cNvPr id="13" name="Elipse 12"/>
+          <p:cNvSpPr/>
+          <p:nvPr/>
+        </p:nvSpPr>
+        <p:spPr>
+          <a:xfrm>
+            <a:off x="4476466" y="3552998"/>
+            <a:ext cx="150124" cy="150125"/>
+          </a:xfrm>
+          <a:prstGeom prst="ellipse">
+            <a:avLst/>
+          </a:prstGeom>
+          <a:solidFill>
+            <a:srgbClr val="FF0000"/>
+          </a:solidFill>
+        </p:spPr>
+        <p:style>
+          <a:lnRef idx="2">
+            <a:schemeClr val="accent1">
+              <a:shade val="50000"/>
+            </a:schemeClr>
+          </a:lnRef>
+          <a:fillRef idx="1">
+            <a:schemeClr val="accent1"/>
+          </a:fillRef>
+          <a:effectRef idx="0">
+            <a:schemeClr val="accent1"/>
+          </a:effectRef>
+          <a:fontRef idx="minor">
+            <a:schemeClr val="lt1"/>
+          </a:fontRef>
+        </p:style>
+        <p:txBody>
+          <a:bodyPr rtlCol="0" anchor="ctr"/>
+          <a:lstStyle/>
+          <a:p>
+            <a:pPr algn="ctr"/>
+            <a:endParaRPr lang="es-ES"/>
+          </a:p>
+        </p:txBody>
+      </p:sp>
+      <p:sp>
+        <p:nvSpPr>
+          <p:cNvPr id="14" name="Elipse 13"/>
+          <p:cNvSpPr/>
+          <p:nvPr/>
+        </p:nvSpPr>
+        <p:spPr>
+          <a:xfrm>
+            <a:off x="4562900" y="3771361"/>
+            <a:ext cx="150124" cy="150125"/>
+          </a:xfrm>
+          <a:prstGeom prst="ellipse">
+            <a:avLst/>
+          </a:prstGeom>
+          <a:solidFill>
+            <a:srgbClr val="FF0000"/>
+          </a:solidFill>
+        </p:spPr>
+        <p:style>
+          <a:lnRef idx="2">
+            <a:schemeClr val="accent1">
+              <a:shade val="50000"/>
+            </a:schemeClr>
+          </a:lnRef>
+          <a:fillRef idx="1">
+            <a:schemeClr val="accent1"/>
+          </a:fillRef>
+          <a:effectRef idx="0">
+            <a:schemeClr val="accent1"/>
+          </a:effectRef>
+          <a:fontRef idx="minor">
+            <a:schemeClr val="lt1"/>
+          </a:fontRef>
+        </p:style>
+        <p:txBody>
+          <a:bodyPr rtlCol="0" anchor="ctr"/>
+          <a:lstStyle/>
+          <a:p>
+            <a:pPr algn="ctr"/>
+            <a:endParaRPr lang="es-ES"/>
           </a:p>
         </p:txBody>
       </p:sp>
     </p:spTree>
     <p:extLst>
       <p:ext uri="{BB962C8B-B14F-4D97-AF65-F5344CB8AC3E}">
-        <p14:creationId xmlns:p14="http://schemas.microsoft.com/office/powerpoint/2010/main" val="1203388383"/>
+        <p14:creationId xmlns:p14="http://schemas.microsoft.com/office/powerpoint/2010/main" val="2451377232"/>
       </p:ext>
     </p:extLst>
   </p:cSld>
@@ -7406,454 +8422,92 @@
           <a:chExt cx="0" cy="0"/>
         </a:xfrm>
       </p:grpSpPr>
-      <p:pic>
-        <p:nvPicPr>
-          <p:cNvPr id="4" name="Marcador de contenido 3"/>
-          <p:cNvPicPr>
-            <a:picLocks noGrp="1" noChangeAspect="1"/>
-          </p:cNvPicPr>
+      <p:sp>
+        <p:nvSpPr>
+          <p:cNvPr id="2" name="Título 1"/>
+          <p:cNvSpPr>
+            <a:spLocks noGrp="1"/>
+          </p:cNvSpPr>
+          <p:nvPr>
+            <p:ph type="title"/>
+          </p:nvPr>
+        </p:nvSpPr>
+        <p:spPr/>
+        <p:txBody>
+          <a:bodyPr/>
+          <a:lstStyle/>
+          <a:p>
+            <a:r>
+              <a:rPr lang="es-ES" dirty="0" smtClean="0"/>
+              <a:t>Objetivos</a:t>
+            </a:r>
+            <a:endParaRPr lang="es-ES" dirty="0"/>
+          </a:p>
+        </p:txBody>
+      </p:sp>
+      <p:sp>
+        <p:nvSpPr>
+          <p:cNvPr id="3" name="Marcador de contenido 2"/>
+          <p:cNvSpPr>
+            <a:spLocks noGrp="1"/>
+          </p:cNvSpPr>
           <p:nvPr>
             <p:ph idx="1"/>
           </p:nvPr>
-        </p:nvPicPr>
-        <p:blipFill>
-          <a:blip r:embed="rId2">
-            <a:extLst>
-              <a:ext uri="{28A0092B-C50C-407E-A947-70E740481C1C}">
-                <a14:useLocalDpi xmlns:a14="http://schemas.microsoft.com/office/drawing/2010/main" val="0"/>
-              </a:ext>
-            </a:extLst>
-          </a:blip>
-          <a:stretch>
-            <a:fillRect/>
-          </a:stretch>
-        </p:blipFill>
-        <p:spPr>
-          <a:xfrm>
-            <a:off x="0" y="244748"/>
-            <a:ext cx="11756892" cy="6613252"/>
-          </a:xfrm>
-        </p:spPr>
-      </p:pic>
-      <p:sp>
-        <p:nvSpPr>
-          <p:cNvPr id="2" name="Título 1"/>
-          <p:cNvSpPr>
-            <a:spLocks noGrp="1"/>
-          </p:cNvSpPr>
-          <p:nvPr>
-            <p:ph type="title"/>
-          </p:nvPr>
-        </p:nvSpPr>
-        <p:spPr>
-          <a:xfrm>
-            <a:off x="1378424" y="365125"/>
-            <a:ext cx="6346209" cy="1325563"/>
-          </a:xfrm>
-        </p:spPr>
+        </p:nvSpPr>
+        <p:spPr/>
         <p:txBody>
           <a:bodyPr/>
           <a:lstStyle/>
           <a:p>
             <a:r>
-              <a:rPr lang="es-ES" sz="2800" b="1" dirty="0" smtClean="0"/>
-              <a:t>Distribución geográfica de los dispositivos</a:t>
-            </a:r>
-            <a:endParaRPr lang="es-ES" b="1" dirty="0"/>
-          </a:p>
-        </p:txBody>
-      </p:sp>
-      <p:sp>
-        <p:nvSpPr>
-          <p:cNvPr id="6" name="Elipse 5"/>
-          <p:cNvSpPr/>
-          <p:nvPr/>
-        </p:nvSpPr>
-        <p:spPr>
-          <a:xfrm>
-            <a:off x="3903261" y="2634017"/>
-            <a:ext cx="150124" cy="150125"/>
-          </a:xfrm>
-          <a:prstGeom prst="ellipse">
-            <a:avLst/>
-          </a:prstGeom>
-          <a:solidFill>
-            <a:srgbClr val="FF0000"/>
-          </a:solidFill>
-        </p:spPr>
-        <p:style>
-          <a:lnRef idx="2">
-            <a:schemeClr val="accent1">
-              <a:shade val="50000"/>
-            </a:schemeClr>
-          </a:lnRef>
-          <a:fillRef idx="1">
-            <a:schemeClr val="accent1"/>
-          </a:fillRef>
-          <a:effectRef idx="0">
-            <a:schemeClr val="accent1"/>
-          </a:effectRef>
-          <a:fontRef idx="minor">
-            <a:schemeClr val="lt1"/>
-          </a:fontRef>
-        </p:style>
-        <p:txBody>
-          <a:bodyPr rtlCol="0" anchor="ctr"/>
-          <a:lstStyle/>
-          <a:p>
-            <a:pPr algn="ctr"/>
-            <a:endParaRPr lang="es-ES"/>
-          </a:p>
-        </p:txBody>
-      </p:sp>
-      <p:sp>
-        <p:nvSpPr>
-          <p:cNvPr id="7" name="Elipse 6"/>
-          <p:cNvSpPr/>
-          <p:nvPr/>
-        </p:nvSpPr>
-        <p:spPr>
-          <a:xfrm>
-            <a:off x="4055661" y="2786417"/>
-            <a:ext cx="150124" cy="150125"/>
-          </a:xfrm>
-          <a:prstGeom prst="ellipse">
-            <a:avLst/>
-          </a:prstGeom>
-          <a:solidFill>
-            <a:srgbClr val="FF0000"/>
-          </a:solidFill>
-        </p:spPr>
-        <p:style>
-          <a:lnRef idx="2">
-            <a:schemeClr val="accent1">
-              <a:shade val="50000"/>
-            </a:schemeClr>
-          </a:lnRef>
-          <a:fillRef idx="1">
-            <a:schemeClr val="accent1"/>
-          </a:fillRef>
-          <a:effectRef idx="0">
-            <a:schemeClr val="accent1"/>
-          </a:effectRef>
-          <a:fontRef idx="minor">
-            <a:schemeClr val="lt1"/>
-          </a:fontRef>
-        </p:style>
-        <p:txBody>
-          <a:bodyPr rtlCol="0" anchor="ctr"/>
-          <a:lstStyle/>
-          <a:p>
-            <a:pPr algn="ctr"/>
-            <a:endParaRPr lang="es-ES"/>
-          </a:p>
-        </p:txBody>
-      </p:sp>
-      <p:sp>
-        <p:nvSpPr>
-          <p:cNvPr id="8" name="Elipse 7"/>
-          <p:cNvSpPr/>
-          <p:nvPr/>
-        </p:nvSpPr>
-        <p:spPr>
-          <a:xfrm>
-            <a:off x="4890449" y="2809161"/>
-            <a:ext cx="150124" cy="150125"/>
-          </a:xfrm>
-          <a:prstGeom prst="ellipse">
-            <a:avLst/>
-          </a:prstGeom>
-          <a:solidFill>
-            <a:srgbClr val="FF0000"/>
-          </a:solidFill>
-        </p:spPr>
-        <p:style>
-          <a:lnRef idx="2">
-            <a:schemeClr val="accent1">
-              <a:shade val="50000"/>
-            </a:schemeClr>
-          </a:lnRef>
-          <a:fillRef idx="1">
-            <a:schemeClr val="accent1"/>
-          </a:fillRef>
-          <a:effectRef idx="0">
-            <a:schemeClr val="accent1"/>
-          </a:effectRef>
-          <a:fontRef idx="minor">
-            <a:schemeClr val="lt1"/>
-          </a:fontRef>
-        </p:style>
-        <p:txBody>
-          <a:bodyPr rtlCol="0" anchor="ctr"/>
-          <a:lstStyle/>
-          <a:p>
-            <a:pPr algn="ctr"/>
-            <a:endParaRPr lang="es-ES"/>
-          </a:p>
-        </p:txBody>
-      </p:sp>
-      <p:sp>
-        <p:nvSpPr>
-          <p:cNvPr id="9" name="Elipse 8"/>
-          <p:cNvSpPr/>
-          <p:nvPr/>
-        </p:nvSpPr>
-        <p:spPr>
-          <a:xfrm>
-            <a:off x="3320956" y="3930589"/>
-            <a:ext cx="150124" cy="150125"/>
-          </a:xfrm>
-          <a:prstGeom prst="ellipse">
-            <a:avLst/>
-          </a:prstGeom>
-          <a:solidFill>
-            <a:srgbClr val="FF0000"/>
-          </a:solidFill>
-        </p:spPr>
-        <p:style>
-          <a:lnRef idx="2">
-            <a:schemeClr val="accent1">
-              <a:shade val="50000"/>
-            </a:schemeClr>
-          </a:lnRef>
-          <a:fillRef idx="1">
-            <a:schemeClr val="accent1"/>
-          </a:fillRef>
-          <a:effectRef idx="0">
-            <a:schemeClr val="accent1"/>
-          </a:effectRef>
-          <a:fontRef idx="minor">
-            <a:schemeClr val="lt1"/>
-          </a:fontRef>
-        </p:style>
-        <p:txBody>
-          <a:bodyPr rtlCol="0" anchor="ctr"/>
-          <a:lstStyle/>
-          <a:p>
-            <a:pPr algn="ctr"/>
-            <a:endParaRPr lang="es-ES"/>
-          </a:p>
-        </p:txBody>
-      </p:sp>
-      <p:sp>
-        <p:nvSpPr>
-          <p:cNvPr id="10" name="Elipse 9"/>
-          <p:cNvSpPr/>
-          <p:nvPr/>
-        </p:nvSpPr>
-        <p:spPr>
-          <a:xfrm>
-            <a:off x="3525672" y="3628061"/>
-            <a:ext cx="150124" cy="150125"/>
-          </a:xfrm>
-          <a:prstGeom prst="ellipse">
-            <a:avLst/>
-          </a:prstGeom>
-          <a:solidFill>
-            <a:srgbClr val="FF0000"/>
-          </a:solidFill>
-        </p:spPr>
-        <p:style>
-          <a:lnRef idx="2">
-            <a:schemeClr val="accent1">
-              <a:shade val="50000"/>
-            </a:schemeClr>
-          </a:lnRef>
-          <a:fillRef idx="1">
-            <a:schemeClr val="accent1"/>
-          </a:fillRef>
-          <a:effectRef idx="0">
-            <a:schemeClr val="accent1"/>
-          </a:effectRef>
-          <a:fontRef idx="minor">
-            <a:schemeClr val="lt1"/>
-          </a:fontRef>
-        </p:style>
-        <p:txBody>
-          <a:bodyPr rtlCol="0" anchor="ctr"/>
-          <a:lstStyle/>
-          <a:p>
-            <a:pPr algn="ctr"/>
-            <a:endParaRPr lang="es-ES"/>
-          </a:p>
-        </p:txBody>
-      </p:sp>
-      <p:sp>
-        <p:nvSpPr>
-          <p:cNvPr id="11" name="Elipse 10"/>
-          <p:cNvSpPr/>
-          <p:nvPr/>
-        </p:nvSpPr>
-        <p:spPr>
-          <a:xfrm>
-            <a:off x="4205785" y="3797981"/>
-            <a:ext cx="150124" cy="150125"/>
-          </a:xfrm>
-          <a:prstGeom prst="ellipse">
-            <a:avLst/>
-          </a:prstGeom>
-          <a:solidFill>
-            <a:srgbClr val="FF0000"/>
-          </a:solidFill>
-        </p:spPr>
-        <p:style>
-          <a:lnRef idx="2">
-            <a:schemeClr val="accent1">
-              <a:shade val="50000"/>
-            </a:schemeClr>
-          </a:lnRef>
-          <a:fillRef idx="1">
-            <a:schemeClr val="accent1"/>
-          </a:fillRef>
-          <a:effectRef idx="0">
-            <a:schemeClr val="accent1"/>
-          </a:effectRef>
-          <a:fontRef idx="minor">
-            <a:schemeClr val="lt1"/>
-          </a:fontRef>
-        </p:style>
-        <p:txBody>
-          <a:bodyPr rtlCol="0" anchor="ctr"/>
-          <a:lstStyle/>
-          <a:p>
-            <a:pPr algn="ctr"/>
-            <a:endParaRPr lang="es-ES"/>
-          </a:p>
-        </p:txBody>
-      </p:sp>
-      <p:sp>
-        <p:nvSpPr>
-          <p:cNvPr id="12" name="Elipse 11"/>
-          <p:cNvSpPr/>
-          <p:nvPr/>
-        </p:nvSpPr>
-        <p:spPr>
-          <a:xfrm>
-            <a:off x="4053385" y="4088963"/>
-            <a:ext cx="150124" cy="150125"/>
-          </a:xfrm>
-          <a:prstGeom prst="ellipse">
-            <a:avLst/>
-          </a:prstGeom>
-          <a:solidFill>
-            <a:srgbClr val="FF0000"/>
-          </a:solidFill>
-        </p:spPr>
-        <p:style>
-          <a:lnRef idx="2">
-            <a:schemeClr val="accent1">
-              <a:shade val="50000"/>
-            </a:schemeClr>
-          </a:lnRef>
-          <a:fillRef idx="1">
-            <a:schemeClr val="accent1"/>
-          </a:fillRef>
-          <a:effectRef idx="0">
-            <a:schemeClr val="accent1"/>
-          </a:effectRef>
-          <a:fontRef idx="minor">
-            <a:schemeClr val="lt1"/>
-          </a:fontRef>
-        </p:style>
-        <p:txBody>
-          <a:bodyPr rtlCol="0" anchor="ctr"/>
-          <a:lstStyle/>
-          <a:p>
-            <a:pPr algn="ctr"/>
-            <a:endParaRPr lang="es-ES"/>
-          </a:p>
-        </p:txBody>
-      </p:sp>
-      <p:sp>
-        <p:nvSpPr>
-          <p:cNvPr id="13" name="Elipse 12"/>
-          <p:cNvSpPr/>
-          <p:nvPr/>
-        </p:nvSpPr>
-        <p:spPr>
-          <a:xfrm>
-            <a:off x="4476466" y="3552998"/>
-            <a:ext cx="150124" cy="150125"/>
-          </a:xfrm>
-          <a:prstGeom prst="ellipse">
-            <a:avLst/>
-          </a:prstGeom>
-          <a:solidFill>
-            <a:srgbClr val="FF0000"/>
-          </a:solidFill>
-        </p:spPr>
-        <p:style>
-          <a:lnRef idx="2">
-            <a:schemeClr val="accent1">
-              <a:shade val="50000"/>
-            </a:schemeClr>
-          </a:lnRef>
-          <a:fillRef idx="1">
-            <a:schemeClr val="accent1"/>
-          </a:fillRef>
-          <a:effectRef idx="0">
-            <a:schemeClr val="accent1"/>
-          </a:effectRef>
-          <a:fontRef idx="minor">
-            <a:schemeClr val="lt1"/>
-          </a:fontRef>
-        </p:style>
-        <p:txBody>
-          <a:bodyPr rtlCol="0" anchor="ctr"/>
-          <a:lstStyle/>
-          <a:p>
-            <a:pPr algn="ctr"/>
-            <a:endParaRPr lang="es-ES"/>
-          </a:p>
-        </p:txBody>
-      </p:sp>
-      <p:sp>
-        <p:nvSpPr>
-          <p:cNvPr id="14" name="Elipse 13"/>
-          <p:cNvSpPr/>
-          <p:nvPr/>
-        </p:nvSpPr>
-        <p:spPr>
-          <a:xfrm>
-            <a:off x="4562900" y="3771361"/>
-            <a:ext cx="150124" cy="150125"/>
-          </a:xfrm>
-          <a:prstGeom prst="ellipse">
-            <a:avLst/>
-          </a:prstGeom>
-          <a:solidFill>
-            <a:srgbClr val="FF0000"/>
-          </a:solidFill>
-        </p:spPr>
-        <p:style>
-          <a:lnRef idx="2">
-            <a:schemeClr val="accent1">
-              <a:shade val="50000"/>
-            </a:schemeClr>
-          </a:lnRef>
-          <a:fillRef idx="1">
-            <a:schemeClr val="accent1"/>
-          </a:fillRef>
-          <a:effectRef idx="0">
-            <a:schemeClr val="accent1"/>
-          </a:effectRef>
-          <a:fontRef idx="minor">
-            <a:schemeClr val="lt1"/>
-          </a:fontRef>
-        </p:style>
-        <p:txBody>
-          <a:bodyPr rtlCol="0" anchor="ctr"/>
-          <a:lstStyle/>
-          <a:p>
-            <a:pPr algn="ctr"/>
-            <a:endParaRPr lang="es-ES"/>
+              <a:rPr lang="es-ES" dirty="0" smtClean="0"/>
+              <a:t>Sincronizar los archivos de audio para su posterior análisis.</a:t>
+            </a:r>
+          </a:p>
+          <a:p>
+            <a:r>
+              <a:rPr lang="es-ES" dirty="0" smtClean="0"/>
+              <a:t>Distinguir los especímenes más cercanos a cada micrófono.</a:t>
+            </a:r>
+          </a:p>
+          <a:p>
+            <a:r>
+              <a:rPr lang="es-ES" dirty="0" smtClean="0"/>
+              <a:t>Identificar </a:t>
+            </a:r>
+            <a:r>
+              <a:rPr lang="es-ES" dirty="0"/>
+              <a:t>las secuencias probables de los cantos de </a:t>
+            </a:r>
+            <a:r>
+              <a:rPr lang="es-ES" dirty="0" err="1" smtClean="0"/>
+              <a:t>Elenas</a:t>
+            </a:r>
+            <a:r>
+              <a:rPr lang="es-ES" dirty="0" smtClean="0"/>
+              <a:t>.</a:t>
+            </a:r>
+          </a:p>
+          <a:p>
+            <a:r>
+              <a:rPr lang="es-ES" dirty="0" smtClean="0"/>
+              <a:t>Estudiar dichas secuencias.</a:t>
+            </a:r>
+          </a:p>
+          <a:p>
+            <a:r>
+              <a:rPr lang="es-ES" dirty="0" smtClean="0"/>
+              <a:t>Analizar el comportamiento de las frecuencias en los coros.</a:t>
+            </a:r>
+            <a:endParaRPr lang="es-ES" dirty="0"/>
           </a:p>
         </p:txBody>
       </p:sp>
     </p:spTree>
     <p:extLst>
       <p:ext uri="{BB962C8B-B14F-4D97-AF65-F5344CB8AC3E}">
-        <p14:creationId xmlns:p14="http://schemas.microsoft.com/office/powerpoint/2010/main" val="2451377232"/>
+        <p14:creationId xmlns:p14="http://schemas.microsoft.com/office/powerpoint/2010/main" val="2349222496"/>
       </p:ext>
     </p:extLst>
   </p:cSld>
@@ -7904,7 +8558,15 @@
           <a:p>
             <a:r>
               <a:rPr lang="es-ES" dirty="0" smtClean="0"/>
-              <a:t>Objetivos</a:t>
+              <a:t>Sincronización a través de un método </a:t>
+            </a:r>
+            <a:r>
+              <a:rPr lang="es-ES" dirty="0" err="1" smtClean="0"/>
+              <a:t>semi</a:t>
+            </a:r>
+            <a:r>
+              <a:rPr lang="es-ES" dirty="0" smtClean="0"/>
+              <a:t>-automático con Correlación Cruzada.</a:t>
             </a:r>
             <a:endParaRPr lang="es-ES" dirty="0"/>
           </a:p>
@@ -7927,27 +8589,19 @@
           <a:p>
             <a:r>
               <a:rPr lang="es-ES" dirty="0" smtClean="0"/>
-              <a:t>Sincronizar los archivos de audio para su posterior análisis.</a:t>
-            </a:r>
-          </a:p>
-          <a:p>
-            <a:r>
-              <a:rPr lang="es-ES" dirty="0" smtClean="0"/>
-              <a:t>Distinguir los especímenes más cercanos a cada micrófono.</a:t>
-            </a:r>
-          </a:p>
-          <a:p>
-            <a:r>
-              <a:rPr lang="es-ES" dirty="0" smtClean="0"/>
-              <a:t>Identificar </a:t>
+              <a:t>Selecci</a:t>
             </a:r>
             <a:r>
               <a:rPr lang="es-ES" dirty="0"/>
-              <a:t>las secuencias probables de los cantos de </a:t>
-            </a:r>
-            <a:r>
-              <a:rPr lang="es-ES" dirty="0" err="1" smtClean="0"/>
-              <a:t>Elenas</a:t>
+              <a:t>ó</a:t>
+            </a:r>
+            <a:r>
+              <a:rPr lang="es-ES" dirty="0" smtClean="0"/>
+              <a:t>n </a:t>
+            </a:r>
+            <a:r>
+              <a:rPr lang="es-ES" dirty="0"/>
+              <a:t>de un rango de bandas de frecuencia y un pivote</a:t>
             </a:r>
             <a:r>
               <a:rPr lang="es-ES" dirty="0" smtClean="0"/>
@@ -7956,23 +8610,316 @@
           </a:p>
           <a:p>
             <a:r>
-              <a:rPr lang="es-ES" dirty="0" smtClean="0"/>
-              <a:t>Estudiar dichas secuencias.</a:t>
-            </a:r>
-          </a:p>
-          <a:p>
-            <a:r>
-              <a:rPr lang="es-ES" dirty="0" smtClean="0"/>
-              <a:t>Analizar el comportamiento de las frecuencias en los coros.</a:t>
-            </a:r>
-            <a:endParaRPr lang="es-ES" dirty="0"/>
+              <a:rPr lang="es-ES" dirty="0" smtClean="0">
+                <a:solidFill>
+                  <a:schemeClr val="accent3"/>
+                </a:solidFill>
+              </a:rPr>
+              <a:t>C</a:t>
+            </a:r>
+            <a:r>
+              <a:rPr lang="es-ES" dirty="0">
+                <a:solidFill>
+                  <a:schemeClr val="accent3"/>
+                </a:solidFill>
+              </a:rPr>
+              <a:t>á</a:t>
+            </a:r>
+            <a:r>
+              <a:rPr lang="es-ES" dirty="0" smtClean="0">
+                <a:solidFill>
+                  <a:schemeClr val="accent3"/>
+                </a:solidFill>
+              </a:rPr>
+              <a:t>lculo </a:t>
+            </a:r>
+            <a:r>
+              <a:rPr lang="es-ES" dirty="0">
+                <a:solidFill>
+                  <a:schemeClr val="accent3"/>
+                </a:solidFill>
+              </a:rPr>
+              <a:t>de las </a:t>
+            </a:r>
+            <a:r>
+              <a:rPr lang="es-ES" dirty="0" smtClean="0">
+                <a:solidFill>
+                  <a:schemeClr val="accent3"/>
+                </a:solidFill>
+              </a:rPr>
+              <a:t>energ</a:t>
+            </a:r>
+            <a:r>
+              <a:rPr lang="es-ES" dirty="0">
+                <a:solidFill>
+                  <a:schemeClr val="accent3"/>
+                </a:solidFill>
+              </a:rPr>
+              <a:t>í</a:t>
+            </a:r>
+            <a:r>
+              <a:rPr lang="es-ES" dirty="0" smtClean="0">
+                <a:solidFill>
+                  <a:schemeClr val="accent3"/>
+                </a:solidFill>
+              </a:rPr>
+              <a:t>as </a:t>
+            </a:r>
+            <a:r>
+              <a:rPr lang="es-ES" dirty="0">
+                <a:solidFill>
+                  <a:schemeClr val="accent3"/>
+                </a:solidFill>
+              </a:rPr>
+              <a:t>temporales de </a:t>
+            </a:r>
+            <a:r>
+              <a:rPr lang="es-ES" dirty="0" smtClean="0">
+                <a:solidFill>
+                  <a:schemeClr val="accent3"/>
+                </a:solidFill>
+              </a:rPr>
+              <a:t>cada archivo.</a:t>
+            </a:r>
+          </a:p>
+          <a:p>
+            <a:r>
+              <a:rPr lang="es-ES" dirty="0" smtClean="0">
+                <a:solidFill>
+                  <a:schemeClr val="accent3"/>
+                </a:solidFill>
+              </a:rPr>
+              <a:t>Eliminación de ruido.</a:t>
+            </a:r>
+          </a:p>
+          <a:p>
+            <a:r>
+              <a:rPr lang="es-ES" dirty="0" smtClean="0">
+                <a:solidFill>
+                  <a:schemeClr val="accent3"/>
+                </a:solidFill>
+              </a:rPr>
+              <a:t>Identificación </a:t>
+            </a:r>
+            <a:r>
+              <a:rPr lang="es-ES" dirty="0">
+                <a:solidFill>
+                  <a:schemeClr val="accent3"/>
+                </a:solidFill>
+              </a:rPr>
+              <a:t>de picos de </a:t>
+            </a:r>
+            <a:r>
+              <a:rPr lang="es-ES" dirty="0" smtClean="0">
+                <a:solidFill>
+                  <a:schemeClr val="accent3"/>
+                </a:solidFill>
+              </a:rPr>
+              <a:t>energía </a:t>
+            </a:r>
+            <a:r>
+              <a:rPr lang="es-ES" dirty="0">
+                <a:solidFill>
+                  <a:schemeClr val="accent3"/>
+                </a:solidFill>
+              </a:rPr>
+              <a:t>en </a:t>
+            </a:r>
+            <a:r>
+              <a:rPr lang="es-ES" dirty="0" smtClean="0">
+                <a:solidFill>
+                  <a:schemeClr val="accent3"/>
+                </a:solidFill>
+              </a:rPr>
+              <a:t>las señales.</a:t>
+            </a:r>
+          </a:p>
+          <a:p>
+            <a:r>
+              <a:rPr lang="es-ES" dirty="0" smtClean="0">
+                <a:solidFill>
+                  <a:schemeClr val="accent3"/>
+                </a:solidFill>
+              </a:rPr>
+              <a:t>C</a:t>
+            </a:r>
+            <a:r>
+              <a:rPr lang="es-ES" dirty="0">
+                <a:solidFill>
+                  <a:schemeClr val="accent3"/>
+                </a:solidFill>
+              </a:rPr>
+              <a:t>á</a:t>
+            </a:r>
+            <a:r>
+              <a:rPr lang="es-ES" dirty="0" smtClean="0">
+                <a:solidFill>
+                  <a:schemeClr val="accent3"/>
+                </a:solidFill>
+              </a:rPr>
+              <a:t>lculo </a:t>
+            </a:r>
+            <a:r>
+              <a:rPr lang="es-ES" dirty="0">
+                <a:solidFill>
+                  <a:schemeClr val="accent3"/>
+                </a:solidFill>
+              </a:rPr>
+              <a:t>de los desfases (</a:t>
+            </a:r>
+            <a:r>
+              <a:rPr lang="es-ES" i="1" dirty="0" err="1" smtClean="0">
+                <a:solidFill>
+                  <a:schemeClr val="accent3"/>
+                </a:solidFill>
+              </a:rPr>
+              <a:t>lags</a:t>
+            </a:r>
+            <a:r>
+              <a:rPr lang="es-ES" dirty="0" smtClean="0">
+                <a:solidFill>
+                  <a:schemeClr val="accent3"/>
+                </a:solidFill>
+              </a:rPr>
+              <a:t>) </a:t>
+            </a:r>
+            <a:r>
+              <a:rPr lang="es-ES" dirty="0">
+                <a:solidFill>
+                  <a:schemeClr val="accent3"/>
+                </a:solidFill>
+              </a:rPr>
+              <a:t>entre los </a:t>
+            </a:r>
+            <a:r>
+              <a:rPr lang="es-ES" dirty="0" smtClean="0">
+                <a:solidFill>
+                  <a:schemeClr val="accent3"/>
+                </a:solidFill>
+              </a:rPr>
+              <a:t>picos de </a:t>
+            </a:r>
+            <a:r>
+              <a:rPr lang="es-ES" dirty="0">
+                <a:solidFill>
+                  <a:schemeClr val="accent3"/>
+                </a:solidFill>
+              </a:rPr>
+              <a:t>los archivos y el archivo pivote </a:t>
+            </a:r>
+            <a:r>
+              <a:rPr lang="es-ES" dirty="0" smtClean="0">
+                <a:solidFill>
+                  <a:schemeClr val="accent3"/>
+                </a:solidFill>
+              </a:rPr>
+              <a:t>mediante Correlación </a:t>
+            </a:r>
+            <a:r>
+              <a:rPr lang="es-ES" dirty="0">
+                <a:solidFill>
+                  <a:schemeClr val="accent3"/>
+                </a:solidFill>
+              </a:rPr>
+              <a:t>Cruzada</a:t>
+            </a:r>
+            <a:r>
+              <a:rPr lang="es-ES" dirty="0" smtClean="0">
+                <a:solidFill>
+                  <a:schemeClr val="accent3"/>
+                </a:solidFill>
+              </a:rPr>
+              <a:t>.</a:t>
+            </a:r>
+          </a:p>
+          <a:p>
+            <a:r>
+              <a:rPr lang="es-ES" dirty="0" smtClean="0">
+                <a:solidFill>
+                  <a:schemeClr val="accent3"/>
+                </a:solidFill>
+              </a:rPr>
+              <a:t>Aplicaci</a:t>
+            </a:r>
+            <a:r>
+              <a:rPr lang="es-ES" dirty="0">
+                <a:solidFill>
+                  <a:schemeClr val="accent3"/>
+                </a:solidFill>
+              </a:rPr>
+              <a:t>ó</a:t>
+            </a:r>
+            <a:r>
+              <a:rPr lang="es-ES" dirty="0" smtClean="0">
+                <a:solidFill>
+                  <a:schemeClr val="accent3"/>
+                </a:solidFill>
+              </a:rPr>
+              <a:t>n </a:t>
+            </a:r>
+            <a:r>
+              <a:rPr lang="es-ES" dirty="0">
+                <a:solidFill>
+                  <a:schemeClr val="accent3"/>
+                </a:solidFill>
+              </a:rPr>
+              <a:t>de los desfases a los </a:t>
+            </a:r>
+            <a:r>
+              <a:rPr lang="es-ES" dirty="0" smtClean="0">
+                <a:solidFill>
+                  <a:schemeClr val="accent3"/>
+                </a:solidFill>
+              </a:rPr>
+              <a:t>archivos originales </a:t>
+            </a:r>
+            <a:r>
+              <a:rPr lang="es-ES" dirty="0">
+                <a:solidFill>
+                  <a:schemeClr val="accent3"/>
+                </a:solidFill>
+              </a:rPr>
+              <a:t>para su </a:t>
+            </a:r>
+            <a:r>
+              <a:rPr lang="es-ES" dirty="0" smtClean="0">
+                <a:solidFill>
+                  <a:schemeClr val="accent3"/>
+                </a:solidFill>
+              </a:rPr>
+              <a:t>sincronizaci</a:t>
+            </a:r>
+            <a:r>
+              <a:rPr lang="es-ES" dirty="0">
+                <a:solidFill>
+                  <a:schemeClr val="accent3"/>
+                </a:solidFill>
+              </a:rPr>
+              <a:t>ó</a:t>
+            </a:r>
+            <a:r>
+              <a:rPr lang="es-ES" dirty="0" smtClean="0">
+                <a:solidFill>
+                  <a:schemeClr val="accent3"/>
+                </a:solidFill>
+              </a:rPr>
+              <a:t>n</a:t>
+            </a:r>
+            <a:r>
+              <a:rPr lang="es-ES" dirty="0">
+                <a:solidFill>
+                  <a:schemeClr val="accent3"/>
+                </a:solidFill>
+              </a:rPr>
+              <a:t>.</a:t>
+            </a:r>
           </a:p>
         </p:txBody>
       </p:sp>
     </p:spTree>
     <p:extLst>
       <p:ext uri="{BB962C8B-B14F-4D97-AF65-F5344CB8AC3E}">
-        <p14:creationId xmlns:p14="http://schemas.microsoft.com/office/powerpoint/2010/main" val="2349222496"/>
+        <p14:creationId xmlns:p14="http://schemas.microsoft.com/office/powerpoint/2010/main" val="2464089617"/>
       </p:ext>
     </p:extLst>
   </p:cSld>

--- a/presentation/Presentation.pptx
+++ b/presentation/Presentation.pptx
@@ -4593,7 +4593,7 @@
       </p:sp>
       <p:pic>
         <p:nvPicPr>
-          <p:cNvPr id="4" name="Marcador de contenido 3"/>
+          <p:cNvPr id="5" name="Marcador de contenido 4"/>
           <p:cNvPicPr>
             <a:picLocks noGrp="1" noChangeAspect="1"/>
           </p:cNvPicPr>
@@ -4615,8 +4615,8 @@
         </p:blipFill>
         <p:spPr>
           <a:xfrm>
-            <a:off x="136479" y="1063852"/>
-            <a:ext cx="11900846" cy="5865915"/>
+            <a:off x="555714" y="1081942"/>
+            <a:ext cx="11505473" cy="5509927"/>
           </a:xfrm>
         </p:spPr>
       </p:pic>
